--- a/Diabetes Healthy.pptx
+++ b/Diabetes Healthy.pptx
@@ -10,9 +10,10 @@
     <p:sldId id="259" r:id="rId4"/>
     <p:sldId id="260" r:id="rId5"/>
     <p:sldId id="258" r:id="rId6"/>
-    <p:sldId id="261" r:id="rId7"/>
-    <p:sldId id="262" r:id="rId8"/>
-    <p:sldId id="263" r:id="rId9"/>
+    <p:sldId id="262" r:id="rId7"/>
+    <p:sldId id="264" r:id="rId8"/>
+    <p:sldId id="261" r:id="rId9"/>
+    <p:sldId id="263" r:id="rId10"/>
   </p:sldIdLst>
   <p:sldSz cx="12192000" cy="6858000"/>
   <p:notesSz cx="6858000" cy="9144000"/>
@@ -111,6 +112,28 @@
       </a:defRPr>
     </a:lvl9pPr>
   </p:defaultTextStyle>
+  <p:extLst>
+    <p:ext uri="{521415D9-36F7-43E2-AB2F-B90AF26B5E84}">
+      <p14:sectionLst xmlns:p14="http://schemas.microsoft.com/office/powerpoint/2010/main">
+        <p14:section name="Default Section" id="{03E2D4E9-5B18-427B-B1AE-2AD7E268A467}">
+          <p14:sldIdLst>
+            <p14:sldId id="256"/>
+            <p14:sldId id="257"/>
+            <p14:sldId id="259"/>
+            <p14:sldId id="260"/>
+            <p14:sldId id="258"/>
+            <p14:sldId id="262"/>
+            <p14:sldId id="264"/>
+            <p14:sldId id="261"/>
+            <p14:sldId id="263"/>
+          </p14:sldIdLst>
+        </p14:section>
+      </p14:sectionLst>
+    </p:ext>
+    <p:ext uri="{EFAFB233-063F-42B5-8137-9DF3F51BA10A}">
+      <p15:sldGuideLst xmlns:p15="http://schemas.microsoft.com/office/powerpoint/2012/main"/>
+    </p:ext>
+  </p:extLst>
 </p:presentation>
 </file>
 
@@ -694,7 +717,7 @@
           </a:lstStyle>
           <a:p>
             <a:r>
-              <a:rPr lang="en-US" smtClean="0"/>
+              <a:rPr lang="en-US"/>
               <a:t>Click to edit Master title style</a:t>
             </a:r>
             <a:endParaRPr lang="en-US" dirty="0"/>
@@ -814,7 +837,7 @@
           </a:lstStyle>
           <a:p>
             <a:r>
-              <a:rPr lang="en-US" smtClean="0"/>
+              <a:rPr lang="en-US"/>
               <a:t>Click to edit Master subtitle style</a:t>
             </a:r>
             <a:endParaRPr lang="en-US" dirty="0"/>
@@ -839,7 +862,7 @@
             <a:fld id="{B61BEF0D-F0BB-DE4B-95CE-6DB70DBA9567}" type="datetimeFigureOut">
               <a:rPr lang="en-US" dirty="0"/>
               <a:pPr/>
-              <a:t>1/27/2017</a:t>
+              <a:t>1/30/2017</a:t>
             </a:fld>
             <a:endParaRPr lang="en-US" dirty="0"/>
           </a:p>
@@ -940,7 +963,7 @@
           </a:lstStyle>
           <a:p>
             <a:r>
-              <a:rPr lang="en-US" smtClean="0"/>
+              <a:rPr lang="en-US"/>
               <a:t>Click to edit Master title style</a:t>
             </a:r>
             <a:endParaRPr lang="en-US" dirty="0"/>
@@ -1063,7 +1086,7 @@
           <a:p>
             <a:pPr lvl="0"/>
             <a:r>
-              <a:rPr lang="en-US" smtClean="0"/>
+              <a:rPr lang="en-US"/>
               <a:t>Edit Master text styles</a:t>
             </a:r>
           </a:p>
@@ -1087,7 +1110,7 @@
             <a:fld id="{B61BEF0D-F0BB-DE4B-95CE-6DB70DBA9567}" type="datetimeFigureOut">
               <a:rPr lang="en-US" dirty="0"/>
               <a:pPr/>
-              <a:t>1/27/2017</a:t>
+              <a:t>1/30/2017</a:t>
             </a:fld>
             <a:endParaRPr lang="en-US" dirty="0"/>
           </a:p>
@@ -1188,7 +1211,7 @@
           </a:lstStyle>
           <a:p>
             <a:r>
-              <a:rPr lang="en-US" smtClean="0"/>
+              <a:rPr lang="en-US"/>
               <a:t>Click to edit Master title style</a:t>
             </a:r>
             <a:endParaRPr lang="en-US" dirty="0"/>
@@ -1252,7 +1275,7 @@
           <a:p>
             <a:pPr lvl="0"/>
             <a:r>
-              <a:rPr lang="en-US" smtClean="0"/>
+              <a:rPr lang="en-US"/>
               <a:t>Edit Master text styles</a:t>
             </a:r>
           </a:p>
@@ -1374,7 +1397,7 @@
           <a:p>
             <a:pPr lvl="0"/>
             <a:r>
-              <a:rPr lang="en-US" smtClean="0"/>
+              <a:rPr lang="en-US"/>
               <a:t>Edit Master text styles</a:t>
             </a:r>
           </a:p>
@@ -1398,7 +1421,7 @@
             <a:fld id="{B61BEF0D-F0BB-DE4B-95CE-6DB70DBA9567}" type="datetimeFigureOut">
               <a:rPr lang="en-US" dirty="0"/>
               <a:pPr/>
-              <a:t>1/27/2017</a:t>
+              <a:t>1/30/2017</a:t>
             </a:fld>
             <a:endParaRPr lang="en-US" dirty="0"/>
           </a:p>
@@ -1575,7 +1598,7 @@
           </a:lstStyle>
           <a:p>
             <a:r>
-              <a:rPr lang="en-US" smtClean="0"/>
+              <a:rPr lang="en-US"/>
               <a:t>Click to edit Master title style</a:t>
             </a:r>
             <a:endParaRPr lang="en-US" dirty="0"/>
@@ -1698,7 +1721,7 @@
           <a:p>
             <a:pPr lvl="0"/>
             <a:r>
-              <a:rPr lang="en-US" smtClean="0"/>
+              <a:rPr lang="en-US"/>
               <a:t>Edit Master text styles</a:t>
             </a:r>
           </a:p>
@@ -1722,7 +1745,7 @@
             <a:fld id="{B61BEF0D-F0BB-DE4B-95CE-6DB70DBA9567}" type="datetimeFigureOut">
               <a:rPr lang="en-US" dirty="0"/>
               <a:pPr/>
-              <a:t>1/27/2017</a:t>
+              <a:t>1/30/2017</a:t>
             </a:fld>
             <a:endParaRPr lang="en-US" dirty="0"/>
           </a:p>
@@ -1823,7 +1846,7 @@
           </a:lstStyle>
           <a:p>
             <a:r>
-              <a:rPr lang="en-US" smtClean="0"/>
+              <a:rPr lang="en-US"/>
               <a:t>Click to edit Master title style</a:t>
             </a:r>
             <a:endParaRPr lang="en-US" dirty="0"/>
@@ -1887,7 +1910,7 @@
           <a:p>
             <a:pPr lvl="0"/>
             <a:r>
-              <a:rPr lang="en-US" smtClean="0"/>
+              <a:rPr lang="en-US"/>
               <a:t>Edit Master text styles</a:t>
             </a:r>
           </a:p>
@@ -2009,7 +2032,7 @@
           <a:p>
             <a:pPr lvl="0"/>
             <a:r>
-              <a:rPr lang="en-US" smtClean="0"/>
+              <a:rPr lang="en-US"/>
               <a:t>Edit Master text styles</a:t>
             </a:r>
           </a:p>
@@ -2033,7 +2056,7 @@
             <a:fld id="{B61BEF0D-F0BB-DE4B-95CE-6DB70DBA9567}" type="datetimeFigureOut">
               <a:rPr lang="en-US" dirty="0"/>
               <a:pPr/>
-              <a:t>1/27/2017</a:t>
+              <a:t>1/30/2017</a:t>
             </a:fld>
             <a:endParaRPr lang="en-US" dirty="0"/>
           </a:p>
@@ -2210,7 +2233,7 @@
           </a:lstStyle>
           <a:p>
             <a:r>
-              <a:rPr lang="en-US" smtClean="0"/>
+              <a:rPr lang="en-US"/>
               <a:t>Click to edit Master title style</a:t>
             </a:r>
             <a:endParaRPr lang="en-US" dirty="0"/>
@@ -2271,7 +2294,7 @@
           <a:p>
             <a:pPr lvl="0"/>
             <a:r>
-              <a:rPr lang="en-US" smtClean="0"/>
+              <a:rPr lang="en-US"/>
               <a:t>Edit Master text styles</a:t>
             </a:r>
           </a:p>
@@ -2393,7 +2416,7 @@
           <a:p>
             <a:pPr lvl="0"/>
             <a:r>
-              <a:rPr lang="en-US" smtClean="0"/>
+              <a:rPr lang="en-US"/>
               <a:t>Edit Master text styles</a:t>
             </a:r>
           </a:p>
@@ -2417,7 +2440,7 @@
             <a:fld id="{B61BEF0D-F0BB-DE4B-95CE-6DB70DBA9567}" type="datetimeFigureOut">
               <a:rPr lang="en-US" dirty="0"/>
               <a:pPr/>
-              <a:t>1/27/2017</a:t>
+              <a:t>1/30/2017</a:t>
             </a:fld>
             <a:endParaRPr lang="en-US" dirty="0"/>
           </a:p>
@@ -2507,7 +2530,7 @@
           <a:lstStyle/>
           <a:p>
             <a:r>
-              <a:rPr lang="en-US" smtClean="0"/>
+              <a:rPr lang="en-US"/>
               <a:t>Click to edit Master title style</a:t>
             </a:r>
             <a:endParaRPr lang="en-US" dirty="0"/>
@@ -2531,35 +2554,35 @@
           <a:p>
             <a:pPr lvl="0"/>
             <a:r>
-              <a:rPr lang="en-US" smtClean="0"/>
+              <a:rPr lang="en-US"/>
               <a:t>Edit Master text styles</a:t>
             </a:r>
           </a:p>
           <a:p>
             <a:pPr lvl="1"/>
             <a:r>
-              <a:rPr lang="en-US" smtClean="0"/>
+              <a:rPr lang="en-US"/>
               <a:t>Second level</a:t>
             </a:r>
           </a:p>
           <a:p>
             <a:pPr lvl="2"/>
             <a:r>
-              <a:rPr lang="en-US" smtClean="0"/>
+              <a:rPr lang="en-US"/>
               <a:t>Third level</a:t>
             </a:r>
           </a:p>
           <a:p>
             <a:pPr lvl="3"/>
             <a:r>
-              <a:rPr lang="en-US" smtClean="0"/>
+              <a:rPr lang="en-US"/>
               <a:t>Fourth level</a:t>
             </a:r>
           </a:p>
           <a:p>
             <a:pPr lvl="4"/>
             <a:r>
-              <a:rPr lang="en-US" smtClean="0"/>
+              <a:rPr lang="en-US"/>
               <a:t>Fifth level</a:t>
             </a:r>
             <a:endParaRPr lang="en-US" dirty="0"/>
@@ -2583,7 +2606,7 @@
           <a:p>
             <a:fld id="{55C6B4A9-1611-4792-9094-5F34BCA07E0B}" type="datetimeFigureOut">
               <a:rPr lang="en-US" dirty="0"/>
-              <a:t>1/27/2017</a:t>
+              <a:t>1/30/2017</a:t>
             </a:fld>
             <a:endParaRPr lang="en-US" dirty="0"/>
           </a:p>
@@ -2677,7 +2700,7 @@
           <a:lstStyle/>
           <a:p>
             <a:r>
-              <a:rPr lang="en-US" smtClean="0"/>
+              <a:rPr lang="en-US"/>
               <a:t>Click to edit Master title style</a:t>
             </a:r>
             <a:endParaRPr lang="en-US" dirty="0"/>
@@ -2706,35 +2729,35 @@
           <a:p>
             <a:pPr lvl="0"/>
             <a:r>
-              <a:rPr lang="en-US" smtClean="0"/>
+              <a:rPr lang="en-US"/>
               <a:t>Edit Master text styles</a:t>
             </a:r>
           </a:p>
           <a:p>
             <a:pPr lvl="1"/>
             <a:r>
-              <a:rPr lang="en-US" smtClean="0"/>
+              <a:rPr lang="en-US"/>
               <a:t>Second level</a:t>
             </a:r>
           </a:p>
           <a:p>
             <a:pPr lvl="2"/>
             <a:r>
-              <a:rPr lang="en-US" smtClean="0"/>
+              <a:rPr lang="en-US"/>
               <a:t>Third level</a:t>
             </a:r>
           </a:p>
           <a:p>
             <a:pPr lvl="3"/>
             <a:r>
-              <a:rPr lang="en-US" smtClean="0"/>
+              <a:rPr lang="en-US"/>
               <a:t>Fourth level</a:t>
             </a:r>
           </a:p>
           <a:p>
             <a:pPr lvl="4"/>
             <a:r>
-              <a:rPr lang="en-US" smtClean="0"/>
+              <a:rPr lang="en-US"/>
               <a:t>Fifth level</a:t>
             </a:r>
             <a:endParaRPr lang="en-US" dirty="0"/>
@@ -2759,7 +2782,7 @@
             <a:fld id="{B61BEF0D-F0BB-DE4B-95CE-6DB70DBA9567}" type="datetimeFigureOut">
               <a:rPr lang="en-US" dirty="0"/>
               <a:pPr/>
-              <a:t>1/27/2017</a:t>
+              <a:t>1/30/2017</a:t>
             </a:fld>
             <a:endParaRPr lang="en-US" dirty="0"/>
           </a:p>
@@ -2855,7 +2878,7 @@
           </a:lstStyle>
           <a:p>
             <a:r>
-              <a:rPr lang="en-US" smtClean="0"/>
+              <a:rPr lang="en-US"/>
               <a:t>Click to edit Master title style</a:t>
             </a:r>
             <a:endParaRPr lang="en-US" dirty="0"/>
@@ -2879,35 +2902,35 @@
           <a:p>
             <a:pPr lvl="0"/>
             <a:r>
-              <a:rPr lang="en-US" smtClean="0"/>
+              <a:rPr lang="en-US"/>
               <a:t>Edit Master text styles</a:t>
             </a:r>
           </a:p>
           <a:p>
             <a:pPr lvl="1"/>
             <a:r>
-              <a:rPr lang="en-US" smtClean="0"/>
+              <a:rPr lang="en-US"/>
               <a:t>Second level</a:t>
             </a:r>
           </a:p>
           <a:p>
             <a:pPr lvl="2"/>
             <a:r>
-              <a:rPr lang="en-US" smtClean="0"/>
+              <a:rPr lang="en-US"/>
               <a:t>Third level</a:t>
             </a:r>
           </a:p>
           <a:p>
             <a:pPr lvl="3"/>
             <a:r>
-              <a:rPr lang="en-US" smtClean="0"/>
+              <a:rPr lang="en-US"/>
               <a:t>Fourth level</a:t>
             </a:r>
           </a:p>
           <a:p>
             <a:pPr lvl="4"/>
             <a:r>
-              <a:rPr lang="en-US" smtClean="0"/>
+              <a:rPr lang="en-US"/>
               <a:t>Fifth level</a:t>
             </a:r>
             <a:endParaRPr lang="en-US" dirty="0"/>
@@ -2932,7 +2955,7 @@
             <a:fld id="{B61BEF0D-F0BB-DE4B-95CE-6DB70DBA9567}" type="datetimeFigureOut">
               <a:rPr lang="en-US" dirty="0"/>
               <a:pPr/>
-              <a:t>1/27/2017</a:t>
+              <a:t>1/30/2017</a:t>
             </a:fld>
             <a:endParaRPr lang="en-US" dirty="0"/>
           </a:p>
@@ -3031,7 +3054,7 @@
           </a:lstStyle>
           <a:p>
             <a:r>
-              <a:rPr lang="en-US" smtClean="0"/>
+              <a:rPr lang="en-US"/>
               <a:t>Click to edit Master title style</a:t>
             </a:r>
             <a:endParaRPr lang="en-US" dirty="0"/>
@@ -3152,7 +3175,7 @@
           <a:p>
             <a:pPr lvl="0"/>
             <a:r>
-              <a:rPr lang="en-US" smtClean="0"/>
+              <a:rPr lang="en-US"/>
               <a:t>Edit Master text styles</a:t>
             </a:r>
           </a:p>
@@ -3176,7 +3199,7 @@
             <a:fld id="{B61BEF0D-F0BB-DE4B-95CE-6DB70DBA9567}" type="datetimeFigureOut">
               <a:rPr lang="en-US" dirty="0"/>
               <a:pPr/>
-              <a:t>1/27/2017</a:t>
+              <a:t>1/30/2017</a:t>
             </a:fld>
             <a:endParaRPr lang="en-US" dirty="0"/>
           </a:p>
@@ -3266,7 +3289,7 @@
           <a:lstStyle/>
           <a:p>
             <a:r>
-              <a:rPr lang="en-US" smtClean="0"/>
+              <a:rPr lang="en-US"/>
               <a:t>Click to edit Master title style</a:t>
             </a:r>
             <a:endParaRPr lang="en-US" dirty="0"/>
@@ -3295,35 +3318,35 @@
           <a:p>
             <a:pPr lvl="0"/>
             <a:r>
-              <a:rPr lang="en-US" smtClean="0"/>
+              <a:rPr lang="en-US"/>
               <a:t>Edit Master text styles</a:t>
             </a:r>
           </a:p>
           <a:p>
             <a:pPr lvl="1"/>
             <a:r>
-              <a:rPr lang="en-US" smtClean="0"/>
+              <a:rPr lang="en-US"/>
               <a:t>Second level</a:t>
             </a:r>
           </a:p>
           <a:p>
             <a:pPr lvl="2"/>
             <a:r>
-              <a:rPr lang="en-US" smtClean="0"/>
+              <a:rPr lang="en-US"/>
               <a:t>Third level</a:t>
             </a:r>
           </a:p>
           <a:p>
             <a:pPr lvl="3"/>
             <a:r>
-              <a:rPr lang="en-US" smtClean="0"/>
+              <a:rPr lang="en-US"/>
               <a:t>Fourth level</a:t>
             </a:r>
           </a:p>
           <a:p>
             <a:pPr lvl="4"/>
             <a:r>
-              <a:rPr lang="en-US" smtClean="0"/>
+              <a:rPr lang="en-US"/>
               <a:t>Fifth level</a:t>
             </a:r>
             <a:endParaRPr lang="en-US" dirty="0"/>
@@ -3352,35 +3375,35 @@
           <a:p>
             <a:pPr lvl="0"/>
             <a:r>
-              <a:rPr lang="en-US" smtClean="0"/>
+              <a:rPr lang="en-US"/>
               <a:t>Edit Master text styles</a:t>
             </a:r>
           </a:p>
           <a:p>
             <a:pPr lvl="1"/>
             <a:r>
-              <a:rPr lang="en-US" smtClean="0"/>
+              <a:rPr lang="en-US"/>
               <a:t>Second level</a:t>
             </a:r>
           </a:p>
           <a:p>
             <a:pPr lvl="2"/>
             <a:r>
-              <a:rPr lang="en-US" smtClean="0"/>
+              <a:rPr lang="en-US"/>
               <a:t>Third level</a:t>
             </a:r>
           </a:p>
           <a:p>
             <a:pPr lvl="3"/>
             <a:r>
-              <a:rPr lang="en-US" smtClean="0"/>
+              <a:rPr lang="en-US"/>
               <a:t>Fourth level</a:t>
             </a:r>
           </a:p>
           <a:p>
             <a:pPr lvl="4"/>
             <a:r>
-              <a:rPr lang="en-US" smtClean="0"/>
+              <a:rPr lang="en-US"/>
               <a:t>Fifth level</a:t>
             </a:r>
             <a:endParaRPr lang="en-US" dirty="0"/>
@@ -3404,7 +3427,7 @@
           <a:p>
             <a:fld id="{EB712588-04B1-427B-82EE-E8DB90309F08}" type="datetimeFigureOut">
               <a:rPr lang="en-US" dirty="0"/>
-              <a:t>1/27/2017</a:t>
+              <a:t>1/30/2017</a:t>
             </a:fld>
             <a:endParaRPr lang="en-US" dirty="0"/>
           </a:p>
@@ -3497,7 +3520,7 @@
           </a:lstStyle>
           <a:p>
             <a:r>
-              <a:rPr lang="en-US" smtClean="0"/>
+              <a:rPr lang="en-US"/>
               <a:t>Click to edit Master title style</a:t>
             </a:r>
             <a:endParaRPr lang="en-US" dirty="0"/>
@@ -3565,7 +3588,7 @@
           <a:p>
             <a:pPr lvl="0"/>
             <a:r>
-              <a:rPr lang="en-US" smtClean="0"/>
+              <a:rPr lang="en-US"/>
               <a:t>Edit Master text styles</a:t>
             </a:r>
           </a:p>
@@ -3595,35 +3618,35 @@
           <a:p>
             <a:pPr lvl="0"/>
             <a:r>
-              <a:rPr lang="en-US" smtClean="0"/>
+              <a:rPr lang="en-US"/>
               <a:t>Edit Master text styles</a:t>
             </a:r>
           </a:p>
           <a:p>
             <a:pPr lvl="1"/>
             <a:r>
-              <a:rPr lang="en-US" smtClean="0"/>
+              <a:rPr lang="en-US"/>
               <a:t>Second level</a:t>
             </a:r>
           </a:p>
           <a:p>
             <a:pPr lvl="2"/>
             <a:r>
-              <a:rPr lang="en-US" smtClean="0"/>
+              <a:rPr lang="en-US"/>
               <a:t>Third level</a:t>
             </a:r>
           </a:p>
           <a:p>
             <a:pPr lvl="3"/>
             <a:r>
-              <a:rPr lang="en-US" smtClean="0"/>
+              <a:rPr lang="en-US"/>
               <a:t>Fourth level</a:t>
             </a:r>
           </a:p>
           <a:p>
             <a:pPr lvl="4"/>
             <a:r>
-              <a:rPr lang="en-US" smtClean="0"/>
+              <a:rPr lang="en-US"/>
               <a:t>Fifth level</a:t>
             </a:r>
             <a:endParaRPr lang="en-US" dirty="0"/>
@@ -3691,7 +3714,7 @@
           <a:p>
             <a:pPr lvl="0"/>
             <a:r>
-              <a:rPr lang="en-US" smtClean="0"/>
+              <a:rPr lang="en-US"/>
               <a:t>Edit Master text styles</a:t>
             </a:r>
           </a:p>
@@ -3721,35 +3744,35 @@
           <a:p>
             <a:pPr lvl="0"/>
             <a:r>
-              <a:rPr lang="en-US" smtClean="0"/>
+              <a:rPr lang="en-US"/>
               <a:t>Edit Master text styles</a:t>
             </a:r>
           </a:p>
           <a:p>
             <a:pPr lvl="1"/>
             <a:r>
-              <a:rPr lang="en-US" smtClean="0"/>
+              <a:rPr lang="en-US"/>
               <a:t>Second level</a:t>
             </a:r>
           </a:p>
           <a:p>
             <a:pPr lvl="2"/>
             <a:r>
-              <a:rPr lang="en-US" smtClean="0"/>
+              <a:rPr lang="en-US"/>
               <a:t>Third level</a:t>
             </a:r>
           </a:p>
           <a:p>
             <a:pPr lvl="3"/>
             <a:r>
-              <a:rPr lang="en-US" smtClean="0"/>
+              <a:rPr lang="en-US"/>
               <a:t>Fourth level</a:t>
             </a:r>
           </a:p>
           <a:p>
             <a:pPr lvl="4"/>
             <a:r>
-              <a:rPr lang="en-US" smtClean="0"/>
+              <a:rPr lang="en-US"/>
               <a:t>Fifth level</a:t>
             </a:r>
             <a:endParaRPr lang="en-US" dirty="0"/>
@@ -3774,7 +3797,7 @@
             <a:fld id="{B61BEF0D-F0BB-DE4B-95CE-6DB70DBA9567}" type="datetimeFigureOut">
               <a:rPr lang="en-US" dirty="0"/>
               <a:pPr/>
-              <a:t>1/27/2017</a:t>
+              <a:t>1/30/2017</a:t>
             </a:fld>
             <a:endParaRPr lang="en-US" dirty="0"/>
           </a:p>
@@ -3869,7 +3892,7 @@
           <a:lstStyle/>
           <a:p>
             <a:r>
-              <a:rPr lang="en-US" smtClean="0"/>
+              <a:rPr lang="en-US"/>
               <a:t>Click to edit Master title style</a:t>
             </a:r>
             <a:endParaRPr lang="en-US" dirty="0"/>
@@ -3894,7 +3917,7 @@
             <a:fld id="{B61BEF0D-F0BB-DE4B-95CE-6DB70DBA9567}" type="datetimeFigureOut">
               <a:rPr lang="en-US" dirty="0"/>
               <a:pPr/>
-              <a:t>1/27/2017</a:t>
+              <a:t>1/30/2017</a:t>
             </a:fld>
             <a:endParaRPr lang="en-US" dirty="0"/>
           </a:p>
@@ -3986,7 +4009,7 @@
             <a:fld id="{B61BEF0D-F0BB-DE4B-95CE-6DB70DBA9567}" type="datetimeFigureOut">
               <a:rPr lang="en-US" dirty="0"/>
               <a:pPr/>
-              <a:t>1/27/2017</a:t>
+              <a:t>1/30/2017</a:t>
             </a:fld>
             <a:endParaRPr lang="en-US" dirty="0"/>
           </a:p>
@@ -4087,7 +4110,7 @@
           </a:lstStyle>
           <a:p>
             <a:r>
-              <a:rPr lang="en-US" smtClean="0"/>
+              <a:rPr lang="en-US"/>
               <a:t>Click to edit Master title style</a:t>
             </a:r>
             <a:endParaRPr lang="en-US" dirty="0"/>
@@ -4118,35 +4141,35 @@
           <a:p>
             <a:pPr lvl="0"/>
             <a:r>
-              <a:rPr lang="en-US" smtClean="0"/>
+              <a:rPr lang="en-US"/>
               <a:t>Edit Master text styles</a:t>
             </a:r>
           </a:p>
           <a:p>
             <a:pPr lvl="1"/>
             <a:r>
-              <a:rPr lang="en-US" smtClean="0"/>
+              <a:rPr lang="en-US"/>
               <a:t>Second level</a:t>
             </a:r>
           </a:p>
           <a:p>
             <a:pPr lvl="2"/>
             <a:r>
-              <a:rPr lang="en-US" smtClean="0"/>
+              <a:rPr lang="en-US"/>
               <a:t>Third level</a:t>
             </a:r>
           </a:p>
           <a:p>
             <a:pPr lvl="3"/>
             <a:r>
-              <a:rPr lang="en-US" smtClean="0"/>
+              <a:rPr lang="en-US"/>
               <a:t>Fourth level</a:t>
             </a:r>
           </a:p>
           <a:p>
             <a:pPr lvl="4"/>
             <a:r>
-              <a:rPr lang="en-US" smtClean="0"/>
+              <a:rPr lang="en-US"/>
               <a:t>Fifth level</a:t>
             </a:r>
             <a:endParaRPr lang="en-US" dirty="0"/>
@@ -4214,7 +4237,7 @@
           <a:p>
             <a:pPr lvl="0"/>
             <a:r>
-              <a:rPr lang="en-US" smtClean="0"/>
+              <a:rPr lang="en-US"/>
               <a:t>Edit Master text styles</a:t>
             </a:r>
           </a:p>
@@ -4237,7 +4260,7 @@
           <a:p>
             <a:fld id="{42A54C80-263E-416B-A8E0-580EDEADCBDC}" type="datetimeFigureOut">
               <a:rPr lang="en-US" dirty="0"/>
-              <a:t>1/27/2017</a:t>
+              <a:t>1/30/2017</a:t>
             </a:fld>
             <a:endParaRPr lang="en-US" dirty="0"/>
           </a:p>
@@ -4337,7 +4360,7 @@
           </a:lstStyle>
           <a:p>
             <a:r>
-              <a:rPr lang="en-US" smtClean="0"/>
+              <a:rPr lang="en-US"/>
               <a:t>Click to edit Master title style</a:t>
             </a:r>
             <a:endParaRPr lang="en-US" dirty="0"/>
@@ -4404,7 +4427,7 @@
           </a:lstStyle>
           <a:p>
             <a:r>
-              <a:rPr lang="en-US" smtClean="0"/>
+              <a:rPr lang="en-US"/>
               <a:t>Click icon to add picture</a:t>
             </a:r>
             <a:endParaRPr lang="en-US" dirty="0"/>
@@ -4472,7 +4495,7 @@
           <a:p>
             <a:pPr lvl="0"/>
             <a:r>
-              <a:rPr lang="en-US" smtClean="0"/>
+              <a:rPr lang="en-US"/>
               <a:t>Edit Master text styles</a:t>
             </a:r>
           </a:p>
@@ -4496,7 +4519,7 @@
             <a:fld id="{B61BEF0D-F0BB-DE4B-95CE-6DB70DBA9567}" type="datetimeFigureOut">
               <a:rPr lang="en-US" dirty="0"/>
               <a:pPr/>
-              <a:t>1/27/2017</a:t>
+              <a:t>1/30/2017</a:t>
             </a:fld>
             <a:endParaRPr lang="en-US" dirty="0"/>
           </a:p>
@@ -5133,7 +5156,7 @@
           <a:lstStyle/>
           <a:p>
             <a:r>
-              <a:rPr lang="en-US" smtClean="0"/>
+              <a:rPr lang="en-US"/>
               <a:t>Click to edit Master title style</a:t>
             </a:r>
             <a:endParaRPr lang="en-US" dirty="0"/>
@@ -5167,35 +5190,35 @@
           <a:p>
             <a:pPr lvl="0"/>
             <a:r>
-              <a:rPr lang="en-US" smtClean="0"/>
+              <a:rPr lang="en-US"/>
               <a:t>Edit Master text styles</a:t>
             </a:r>
           </a:p>
           <a:p>
             <a:pPr lvl="1"/>
             <a:r>
-              <a:rPr lang="en-US" smtClean="0"/>
+              <a:rPr lang="en-US"/>
               <a:t>Second level</a:t>
             </a:r>
           </a:p>
           <a:p>
             <a:pPr lvl="2"/>
             <a:r>
-              <a:rPr lang="en-US" smtClean="0"/>
+              <a:rPr lang="en-US"/>
               <a:t>Third level</a:t>
             </a:r>
           </a:p>
           <a:p>
             <a:pPr lvl="3"/>
             <a:r>
-              <a:rPr lang="en-US" smtClean="0"/>
+              <a:rPr lang="en-US"/>
               <a:t>Fourth level</a:t>
             </a:r>
           </a:p>
           <a:p>
             <a:pPr lvl="4"/>
             <a:r>
-              <a:rPr lang="en-US" smtClean="0"/>
+              <a:rPr lang="en-US"/>
               <a:t>Fifth level</a:t>
             </a:r>
             <a:endParaRPr lang="en-US" dirty="0"/>
@@ -5238,7 +5261,7 @@
             <a:fld id="{B61BEF0D-F0BB-DE4B-95CE-6DB70DBA9567}" type="datetimeFigureOut">
               <a:rPr lang="en-US" dirty="0"/>
               <a:pPr/>
-              <a:t>1/27/2017</a:t>
+              <a:t>1/30/2017</a:t>
             </a:fld>
             <a:endParaRPr lang="en-US" dirty="0"/>
           </a:p>
@@ -5943,10 +5966,6 @@
               <a:rPr lang="th-TH" sz="4800" dirty="0"/>
               <a:t>ที่มาและความสำคัญของปัญหา</a:t>
             </a:r>
-            <a:r>
-              <a:rPr lang="en-US" sz="4800" dirty="0"/>
-              <a:t/>
-            </a:r>
             <a:br>
               <a:rPr lang="en-US" sz="4800" dirty="0"/>
             </a:br>
@@ -5978,7 +5997,7 @@
         </p:blipFill>
         <p:spPr>
           <a:xfrm>
-            <a:off x="677334" y="2074091"/>
+            <a:off x="2411584" y="2275797"/>
             <a:ext cx="5128168" cy="3111141"/>
           </a:xfrm>
         </p:spPr>
@@ -6056,7 +6075,7 @@
         </p:blipFill>
         <p:spPr>
           <a:xfrm>
-            <a:off x="677334" y="1794948"/>
+            <a:off x="2473164" y="1930400"/>
             <a:ext cx="5005007" cy="3339548"/>
           </a:xfrm>
         </p:spPr>
@@ -6134,7 +6153,7 @@
         </p:blipFill>
         <p:spPr>
           <a:xfrm>
-            <a:off x="771955" y="2322286"/>
+            <a:off x="2507411" y="2429862"/>
             <a:ext cx="4936514" cy="3131244"/>
           </a:xfrm>
         </p:spPr>
@@ -6182,7 +6201,7 @@
         <p:spPr/>
         <p:txBody>
           <a:bodyPr>
-            <a:normAutofit/>
+            <a:normAutofit fontScale="90000"/>
           </a:bodyPr>
           <a:lstStyle/>
           <a:p>
@@ -6194,7 +6213,6 @@
               <a:rPr lang="th-TH" sz="5400" dirty="0"/>
               <a:t>เทคโนโลยีที่ใช้ ภาษาที่ใช้ในการพัฒนา</a:t>
             </a:r>
-            <a:endParaRPr lang="th-TH" sz="5400" dirty="0"/>
           </a:p>
         </p:txBody>
       </p:sp>
@@ -6226,15 +6244,7 @@
             </a:r>
             <a:r>
               <a:rPr lang="th-TH" sz="2200" dirty="0"/>
-              <a:t>เราจะทำ</a:t>
-            </a:r>
-            <a:r>
-              <a:rPr lang="th-TH" sz="2200" dirty="0" smtClean="0"/>
-              <a:t>การใช้พัฒนา</a:t>
-            </a:r>
-            <a:r>
-              <a:rPr lang="th-TH" sz="2200" dirty="0"/>
-              <a:t>เป็น </a:t>
+              <a:t>เราจะทำการใช้พัฒนาเป็น </a:t>
             </a:r>
             <a:r>
               <a:rPr lang="en-US" sz="2200" dirty="0"/>
@@ -6391,35 +6401,58 @@
           <a:p>
             <a:r>
               <a:rPr lang="en-US" dirty="0"/>
-              <a:t>- Use Case Diagrams</a:t>
+              <a:t>- </a:t>
+            </a:r>
+            <a:r>
+              <a:rPr lang="th-TH" dirty="0"/>
+              <a:t>การแบ่งหน้าที่ความรับผิดชอบของสมาชิกแต่ละคนภายในทีม</a:t>
+            </a:r>
+          </a:p>
+        </p:txBody>
+      </p:sp>
+      <p:sp>
+        <p:nvSpPr>
+          <p:cNvPr id="3" name="Content Placeholder 2"/>
+          <p:cNvSpPr>
+            <a:spLocks noGrp="1"/>
+          </p:cNvSpPr>
+          <p:nvPr>
+            <p:ph idx="1"/>
+          </p:nvPr>
+        </p:nvSpPr>
+        <p:spPr/>
+        <p:txBody>
+          <a:bodyPr/>
+          <a:lstStyle/>
+          <a:p>
+            <a:r>
+              <a:rPr lang="th-TH" dirty="0"/>
+              <a:t>ในกลุ่มของผมจะใช้การทำงานร่วมกันโดยใช้รูปแบบในการพัฒนาแบบ </a:t>
+            </a:r>
+            <a:r>
+              <a:rPr lang="en-US" dirty="0"/>
+              <a:t>Agile </a:t>
+            </a:r>
+            <a:r>
+              <a:rPr lang="th-TH" dirty="0"/>
+              <a:t>ในแบบ </a:t>
+            </a:r>
+            <a:r>
+              <a:rPr lang="en-US" dirty="0"/>
+              <a:t>Scrum </a:t>
+            </a:r>
+            <a:r>
+              <a:rPr lang="th-TH" dirty="0"/>
+              <a:t>เป็นการทำงานแบบช่วยกันทำในแต่ละฟังก์ชั่นเพื่อให้การทำงานในแต่ละฟังก์ชันเสร็จสิ้นอย่างรวดเร็ว และทำให้เห็นถึงข้อเสียของแต่ละรอบการทำงานเพื่อให้พัฒนาการทำงานในรอบการทำงานถัดไปมีประสิทธิภาพดีขึ้น</a:t>
             </a:r>
             <a:endParaRPr lang="th-TH" dirty="0"/>
-          </a:p>
-        </p:txBody>
-      </p:sp>
-      <p:sp>
-        <p:nvSpPr>
-          <p:cNvPr id="3" name="Content Placeholder 2"/>
-          <p:cNvSpPr>
-            <a:spLocks noGrp="1"/>
-          </p:cNvSpPr>
-          <p:nvPr>
-            <p:ph idx="1"/>
-          </p:nvPr>
-        </p:nvSpPr>
-        <p:spPr/>
-        <p:txBody>
-          <a:bodyPr/>
-          <a:lstStyle/>
-          <a:p>
-            <a:endParaRPr lang="th-TH"/>
           </a:p>
         </p:txBody>
       </p:sp>
     </p:spTree>
     <p:extLst>
       <p:ext uri="{BB962C8B-B14F-4D97-AF65-F5344CB8AC3E}">
-        <p14:creationId xmlns:p14="http://schemas.microsoft.com/office/powerpoint/2010/main" val="295132545"/>
+        <p14:creationId xmlns:p14="http://schemas.microsoft.com/office/powerpoint/2010/main" val="750903798"/>
       </p:ext>
     </p:extLst>
   </p:cSld>
@@ -6461,41 +6494,57 @@
           <a:bodyPr/>
           <a:lstStyle/>
           <a:p>
-            <a:r>
-              <a:rPr lang="en-US" dirty="0"/>
-              <a:t>- </a:t>
-            </a:r>
-            <a:r>
-              <a:rPr lang="th-TH" dirty="0"/>
-              <a:t>การแบ่งหน้าที่ความรับผิดชอบของสมาชิกแต่ละคนภายในทีม</a:t>
-            </a:r>
-            <a:endParaRPr lang="th-TH" dirty="0"/>
-          </a:p>
-        </p:txBody>
-      </p:sp>
-      <p:sp>
-        <p:nvSpPr>
-          <p:cNvPr id="3" name="Content Placeholder 2"/>
-          <p:cNvSpPr>
-            <a:spLocks noGrp="1"/>
-          </p:cNvSpPr>
+            <a:endParaRPr lang="en-US"/>
+          </a:p>
+        </p:txBody>
+      </p:sp>
+      <p:pic>
+        <p:nvPicPr>
+          <p:cNvPr id="1026" name="Picture 2" descr="ผลการค้นหารูปภาพสำหรับ agile scrum"/>
+          <p:cNvPicPr>
+            <a:picLocks noGrp="1" noChangeAspect="1" noChangeArrowheads="1"/>
+          </p:cNvPicPr>
           <p:nvPr>
             <p:ph idx="1"/>
           </p:nvPr>
-        </p:nvSpPr>
-        <p:spPr/>
-        <p:txBody>
-          <a:bodyPr/>
-          <a:lstStyle/>
-          <a:p>
-            <a:endParaRPr lang="th-TH"/>
-          </a:p>
-        </p:txBody>
-      </p:sp>
+        </p:nvPicPr>
+        <p:blipFill>
+          <a:blip r:embed="rId2">
+            <a:extLst>
+              <a:ext uri="{28A0092B-C50C-407E-A947-70E740481C1C}">
+                <a14:useLocalDpi xmlns:a14="http://schemas.microsoft.com/office/drawing/2010/main" val="0"/>
+              </a:ext>
+            </a:extLst>
+          </a:blip>
+          <a:srcRect/>
+          <a:stretch>
+            <a:fillRect/>
+          </a:stretch>
+        </p:blipFill>
+        <p:spPr bwMode="auto">
+          <a:xfrm>
+            <a:off x="1637900" y="1930400"/>
+            <a:ext cx="6675536" cy="3881437"/>
+          </a:xfrm>
+          <a:prstGeom prst="rect">
+            <a:avLst/>
+          </a:prstGeom>
+          <a:noFill/>
+          <a:extLst>
+            <a:ext uri="{909E8E84-426E-40DD-AFC4-6F175D3DCCD1}">
+              <a14:hiddenFill xmlns:a14="http://schemas.microsoft.com/office/drawing/2010/main">
+                <a:solidFill>
+                  <a:srgbClr val="FFFFFF"/>
+                </a:solidFill>
+              </a14:hiddenFill>
+            </a:ext>
+          </a:extLst>
+        </p:spPr>
+      </p:pic>
     </p:spTree>
     <p:extLst>
       <p:ext uri="{BB962C8B-B14F-4D97-AF65-F5344CB8AC3E}">
-        <p14:creationId xmlns:p14="http://schemas.microsoft.com/office/powerpoint/2010/main" val="750903798"/>
+        <p14:creationId xmlns:p14="http://schemas.microsoft.com/office/powerpoint/2010/main" val="3002369700"/>
       </p:ext>
     </p:extLst>
   </p:cSld>
@@ -6539,15 +6588,85 @@
           <a:p>
             <a:r>
               <a:rPr lang="en-US" dirty="0"/>
+              <a:t>- Use Case Diagrams</a:t>
+            </a:r>
+            <a:endParaRPr lang="th-TH" dirty="0"/>
+          </a:p>
+        </p:txBody>
+      </p:sp>
+      <p:sp>
+        <p:nvSpPr>
+          <p:cNvPr id="3" name="Content Placeholder 2"/>
+          <p:cNvSpPr>
+            <a:spLocks noGrp="1"/>
+          </p:cNvSpPr>
+          <p:nvPr>
+            <p:ph idx="1"/>
+          </p:nvPr>
+        </p:nvSpPr>
+        <p:spPr/>
+        <p:txBody>
+          <a:bodyPr/>
+          <a:lstStyle/>
+          <a:p>
+            <a:endParaRPr lang="th-TH"/>
+          </a:p>
+        </p:txBody>
+      </p:sp>
+    </p:spTree>
+    <p:extLst>
+      <p:ext uri="{BB962C8B-B14F-4D97-AF65-F5344CB8AC3E}">
+        <p14:creationId xmlns:p14="http://schemas.microsoft.com/office/powerpoint/2010/main" val="295132545"/>
+      </p:ext>
+    </p:extLst>
+  </p:cSld>
+  <p:clrMapOvr>
+    <a:masterClrMapping/>
+  </p:clrMapOvr>
+</p:sld>
+</file>
+
+<file path=ppt/slides/slide9.xml><?xml version="1.0" encoding="utf-8"?>
+<p:sld xmlns:a="http://schemas.openxmlformats.org/drawingml/2006/main" xmlns:r="http://schemas.openxmlformats.org/officeDocument/2006/relationships" xmlns:p="http://schemas.openxmlformats.org/presentationml/2006/main">
+  <p:cSld>
+    <p:spTree>
+      <p:nvGrpSpPr>
+        <p:cNvPr id="1" name=""/>
+        <p:cNvGrpSpPr/>
+        <p:nvPr/>
+      </p:nvGrpSpPr>
+      <p:grpSpPr>
+        <a:xfrm>
+          <a:off x="0" y="0"/>
+          <a:ext cx="0" cy="0"/>
+          <a:chOff x="0" y="0"/>
+          <a:chExt cx="0" cy="0"/>
+        </a:xfrm>
+      </p:grpSpPr>
+      <p:sp>
+        <p:nvSpPr>
+          <p:cNvPr id="2" name="Title 1"/>
+          <p:cNvSpPr>
+            <a:spLocks noGrp="1"/>
+          </p:cNvSpPr>
+          <p:nvPr>
+            <p:ph type="title"/>
+          </p:nvPr>
+        </p:nvSpPr>
+        <p:spPr/>
+        <p:txBody>
+          <a:bodyPr>
+            <a:normAutofit fontScale="90000"/>
+          </a:bodyPr>
+          <a:lstStyle/>
+          <a:p>
+            <a:r>
+              <a:rPr lang="en-US" dirty="0"/>
               <a:t>- Prototype </a:t>
             </a:r>
             <a:r>
               <a:rPr lang="th-TH" dirty="0"/>
               <a:t>ของระบบ (ครอบคลุมฟังก์ชันการทำงานทั้งหมด)</a:t>
-            </a:r>
-            <a:r>
-              <a:rPr lang="en-US" dirty="0"/>
-              <a:t/>
             </a:r>
             <a:br>
               <a:rPr lang="en-US" dirty="0"/>
@@ -6556,7 +6675,6 @@
               <a:rPr lang="th-TH" dirty="0"/>
               <a:t>นักศึกษาแต่ละกลุ่ม</a:t>
             </a:r>
-            <a:endParaRPr lang="th-TH" dirty="0"/>
           </a:p>
         </p:txBody>
       </p:sp>

--- a/Diabetes Healthy.pptx
+++ b/Diabetes Healthy.pptx
@@ -7,12 +7,12 @@
   <p:sldIdLst>
     <p:sldId id="256" r:id="rId2"/>
     <p:sldId id="257" r:id="rId3"/>
-    <p:sldId id="259" r:id="rId4"/>
-    <p:sldId id="260" r:id="rId5"/>
-    <p:sldId id="258" r:id="rId6"/>
-    <p:sldId id="262" r:id="rId7"/>
-    <p:sldId id="264" r:id="rId8"/>
-    <p:sldId id="261" r:id="rId9"/>
+    <p:sldId id="275" r:id="rId4"/>
+    <p:sldId id="259" r:id="rId5"/>
+    <p:sldId id="274" r:id="rId6"/>
+    <p:sldId id="260" r:id="rId7"/>
+    <p:sldId id="258" r:id="rId8"/>
+    <p:sldId id="262" r:id="rId9"/>
     <p:sldId id="263" r:id="rId10"/>
     <p:sldId id="265" r:id="rId11"/>
     <p:sldId id="267" r:id="rId12"/>
@@ -128,12 +128,12 @@
           <p14:sldIdLst>
             <p14:sldId id="256"/>
             <p14:sldId id="257"/>
+            <p14:sldId id="275"/>
             <p14:sldId id="259"/>
+            <p14:sldId id="274"/>
             <p14:sldId id="260"/>
             <p14:sldId id="258"/>
             <p14:sldId id="262"/>
-            <p14:sldId id="264"/>
-            <p14:sldId id="261"/>
             <p14:sldId id="263"/>
             <p14:sldId id="265"/>
             <p14:sldId id="267"/>
@@ -295,7 +295,7 @@
             <a:fld id="{B61BEF0D-F0BB-DE4B-95CE-6DB70DBA9567}" type="datetimeFigureOut">
               <a:rPr lang="en-US" smtClean="0"/>
               <a:pPr/>
-              <a:t>2/3/2017</a:t>
+              <a:t>2/5/2017</a:t>
             </a:fld>
             <a:endParaRPr lang="en-US" dirty="0"/>
           </a:p>
@@ -507,7 +507,7 @@
           <a:p>
             <a:fld id="{55C6B4A9-1611-4792-9094-5F34BCA07E0B}" type="datetimeFigureOut">
               <a:rPr lang="en-US" smtClean="0"/>
-              <a:t>2/3/2017</a:t>
+              <a:t>2/5/2017</a:t>
             </a:fld>
             <a:endParaRPr lang="en-US" dirty="0"/>
           </a:p>
@@ -723,7 +723,7 @@
             <a:fld id="{B61BEF0D-F0BB-DE4B-95CE-6DB70DBA9567}" type="datetimeFigureOut">
               <a:rPr lang="en-US" smtClean="0"/>
               <a:pPr/>
-              <a:t>2/3/2017</a:t>
+              <a:t>2/5/2017</a:t>
             </a:fld>
             <a:endParaRPr lang="en-US" dirty="0"/>
           </a:p>
@@ -926,7 +926,7 @@
             <a:fld id="{B61BEF0D-F0BB-DE4B-95CE-6DB70DBA9567}" type="datetimeFigureOut">
               <a:rPr lang="en-US" smtClean="0"/>
               <a:pPr/>
-              <a:t>2/3/2017</a:t>
+              <a:t>2/5/2017</a:t>
             </a:fld>
             <a:endParaRPr lang="en-US" dirty="0"/>
           </a:p>
@@ -1207,7 +1207,7 @@
             <a:fld id="{B61BEF0D-F0BB-DE4B-95CE-6DB70DBA9567}" type="datetimeFigureOut">
               <a:rPr lang="en-US" smtClean="0"/>
               <a:pPr/>
-              <a:t>2/3/2017</a:t>
+              <a:t>2/5/2017</a:t>
             </a:fld>
             <a:endParaRPr lang="en-US" dirty="0"/>
           </a:p>
@@ -1476,7 +1476,7 @@
           <a:p>
             <a:fld id="{EB712588-04B1-427B-82EE-E8DB90309F08}" type="datetimeFigureOut">
               <a:rPr lang="en-US" smtClean="0"/>
-              <a:t>2/3/2017</a:t>
+              <a:t>2/5/2017</a:t>
             </a:fld>
             <a:endParaRPr lang="en-US" dirty="0"/>
           </a:p>
@@ -1893,7 +1893,7 @@
             <a:fld id="{B61BEF0D-F0BB-DE4B-95CE-6DB70DBA9567}" type="datetimeFigureOut">
               <a:rPr lang="en-US" smtClean="0"/>
               <a:pPr/>
-              <a:t>2/3/2017</a:t>
+              <a:t>2/5/2017</a:t>
             </a:fld>
             <a:endParaRPr lang="en-US" dirty="0"/>
           </a:p>
@@ -2044,7 +2044,7 @@
             <a:fld id="{B61BEF0D-F0BB-DE4B-95CE-6DB70DBA9567}" type="datetimeFigureOut">
               <a:rPr lang="en-US" smtClean="0"/>
               <a:pPr/>
-              <a:t>2/3/2017</a:t>
+              <a:t>2/5/2017</a:t>
             </a:fld>
             <a:endParaRPr lang="en-US" dirty="0"/>
           </a:p>
@@ -2172,7 +2172,7 @@
             <a:fld id="{B61BEF0D-F0BB-DE4B-95CE-6DB70DBA9567}" type="datetimeFigureOut">
               <a:rPr lang="en-US" smtClean="0"/>
               <a:pPr/>
-              <a:t>2/3/2017</a:t>
+              <a:t>2/5/2017</a:t>
             </a:fld>
             <a:endParaRPr lang="en-US" dirty="0"/>
           </a:p>
@@ -2424,7 +2424,7 @@
           <a:p>
             <a:fld id="{42A54C80-263E-416B-A8E0-580EDEADCBDC}" type="datetimeFigureOut">
               <a:rPr lang="en-US" smtClean="0"/>
-              <a:t>2/3/2017</a:t>
+              <a:t>2/5/2017</a:t>
             </a:fld>
             <a:endParaRPr lang="en-US" dirty="0"/>
           </a:p>
@@ -2870,7 +2870,7 @@
             <a:fld id="{B61BEF0D-F0BB-DE4B-95CE-6DB70DBA9567}" type="datetimeFigureOut">
               <a:rPr lang="en-US" smtClean="0"/>
               <a:pPr/>
-              <a:t>2/3/2017</a:t>
+              <a:t>2/5/2017</a:t>
             </a:fld>
             <a:endParaRPr lang="en-US" dirty="0"/>
           </a:p>
@@ -3198,7 +3198,7 @@
             <a:fld id="{B61BEF0D-F0BB-DE4B-95CE-6DB70DBA9567}" type="datetimeFigureOut">
               <a:rPr lang="en-US" smtClean="0"/>
               <a:pPr/>
-              <a:t>2/3/2017</a:t>
+              <a:t>2/5/2017</a:t>
             </a:fld>
             <a:endParaRPr lang="en-US" dirty="0"/>
           </a:p>
@@ -4544,7 +4544,12 @@
             <p:ph type="title"/>
           </p:nvPr>
         </p:nvSpPr>
-        <p:spPr/>
+        <p:spPr>
+          <a:xfrm>
+            <a:off x="1451579" y="804519"/>
+            <a:ext cx="9603275" cy="1049235"/>
+          </a:xfrm>
+        </p:spPr>
         <p:txBody>
           <a:bodyPr>
             <a:noAutofit/>
@@ -4552,11 +4557,11 @@
           <a:lstStyle/>
           <a:p>
             <a:r>
-              <a:rPr lang="th-TH" sz="4800" dirty="0"/>
+              <a:rPr lang="th-TH" sz="4800"/>
               <a:t>ที่มาและความสำคัญของปัญหา</a:t>
             </a:r>
             <a:br>
-              <a:rPr lang="en-US" sz="4800" dirty="0"/>
+              <a:rPr lang="en-US" sz="4800"/>
             </a:br>
             <a:endParaRPr lang="th-TH" sz="4800" dirty="0"/>
           </a:p>
@@ -4564,7 +4569,7 @@
       </p:sp>
       <p:pic>
         <p:nvPicPr>
-          <p:cNvPr id="10" name="Content Placeholder 9"/>
+          <p:cNvPr id="6" name="Content Placeholder 5"/>
           <p:cNvPicPr>
             <a:picLocks noGrp="1" noChangeAspect="1"/>
           </p:cNvPicPr>
@@ -4573,21 +4578,15 @@
           </p:nvPr>
         </p:nvPicPr>
         <p:blipFill>
-          <a:blip r:embed="rId2">
-            <a:extLst>
-              <a:ext uri="{28A0092B-C50C-407E-A947-70E740481C1C}">
-                <a14:useLocalDpi xmlns:a14="http://schemas.microsoft.com/office/drawing/2010/main" val="0"/>
-              </a:ext>
-            </a:extLst>
-          </a:blip>
+          <a:blip r:embed="rId2"/>
           <a:stretch>
             <a:fillRect/>
           </a:stretch>
         </p:blipFill>
         <p:spPr>
           <a:xfrm>
-            <a:off x="3689132" y="2191907"/>
-            <a:ext cx="5128168" cy="3111141"/>
+            <a:off x="3388730" y="2016125"/>
+            <a:ext cx="5728864" cy="3449638"/>
           </a:xfrm>
         </p:spPr>
       </p:pic>
@@ -4621,9 +4620,28 @@
           <a:chExt cx="0" cy="0"/>
         </a:xfrm>
       </p:grpSpPr>
+      <p:sp>
+        <p:nvSpPr>
+          <p:cNvPr id="2" name="Title 1"/>
+          <p:cNvSpPr>
+            <a:spLocks noGrp="1"/>
+          </p:cNvSpPr>
+          <p:nvPr>
+            <p:ph type="title"/>
+          </p:nvPr>
+        </p:nvSpPr>
+        <p:spPr/>
+        <p:txBody>
+          <a:bodyPr/>
+          <a:lstStyle/>
+          <a:p>
+            <a:endParaRPr lang="en-US"/>
+          </a:p>
+        </p:txBody>
+      </p:sp>
       <p:pic>
         <p:nvPicPr>
-          <p:cNvPr id="6" name="Content Placeholder 5"/>
+          <p:cNvPr id="5" name="Content Placeholder 4"/>
           <p:cNvPicPr>
             <a:picLocks noGrp="1" noChangeAspect="1"/>
           </p:cNvPicPr>
@@ -4632,28 +4650,22 @@
           </p:nvPr>
         </p:nvPicPr>
         <p:blipFill>
-          <a:blip r:embed="rId2">
-            <a:extLst>
-              <a:ext uri="{28A0092B-C50C-407E-A947-70E740481C1C}">
-                <a14:useLocalDpi xmlns:a14="http://schemas.microsoft.com/office/drawing/2010/main" val="0"/>
-              </a:ext>
-            </a:extLst>
-          </a:blip>
+          <a:blip r:embed="rId2"/>
           <a:stretch>
             <a:fillRect/>
           </a:stretch>
         </p:blipFill>
         <p:spPr>
           <a:xfrm>
-            <a:off x="3599710" y="2038311"/>
-            <a:ext cx="5005007" cy="3339548"/>
+            <a:off x="3180966" y="2016125"/>
+            <a:ext cx="6144393" cy="3449638"/>
           </a:xfrm>
         </p:spPr>
       </p:pic>
     </p:spTree>
     <p:extLst>
       <p:ext uri="{BB962C8B-B14F-4D97-AF65-F5344CB8AC3E}">
-        <p14:creationId xmlns:p14="http://schemas.microsoft.com/office/powerpoint/2010/main" val="3419649325"/>
+        <p14:creationId xmlns:p14="http://schemas.microsoft.com/office/powerpoint/2010/main" val="286824461"/>
       </p:ext>
     </p:extLst>
   </p:cSld>
@@ -4682,7 +4694,7 @@
       </p:grpSpPr>
       <p:pic>
         <p:nvPicPr>
-          <p:cNvPr id="4" name="Content Placeholder 3"/>
+          <p:cNvPr id="5" name="Content Placeholder 4"/>
           <p:cNvPicPr>
             <a:picLocks noGrp="1" noChangeAspect="1"/>
           </p:cNvPicPr>
@@ -4691,28 +4703,22 @@
           </p:nvPr>
         </p:nvPicPr>
         <p:blipFill>
-          <a:blip r:embed="rId2">
-            <a:extLst>
-              <a:ext uri="{28A0092B-C50C-407E-A947-70E740481C1C}">
-                <a14:useLocalDpi xmlns:a14="http://schemas.microsoft.com/office/drawing/2010/main" val="0"/>
-              </a:ext>
-            </a:extLst>
-          </a:blip>
+          <a:blip r:embed="rId2"/>
           <a:stretch>
             <a:fillRect/>
           </a:stretch>
         </p:blipFill>
         <p:spPr>
           <a:xfrm>
-            <a:off x="3759793" y="2136248"/>
-            <a:ext cx="4936514" cy="3131244"/>
+            <a:off x="3204240" y="2016125"/>
+            <a:ext cx="6097844" cy="3449638"/>
           </a:xfrm>
         </p:spPr>
       </p:pic>
     </p:spTree>
     <p:extLst>
       <p:ext uri="{BB962C8B-B14F-4D97-AF65-F5344CB8AC3E}">
-        <p14:creationId xmlns:p14="http://schemas.microsoft.com/office/powerpoint/2010/main" val="2059418618"/>
+        <p14:creationId xmlns:p14="http://schemas.microsoft.com/office/powerpoint/2010/main" val="3419649325"/>
       </p:ext>
     </p:extLst>
   </p:cSld>
@@ -4751,164 +4757,40 @@
         </p:nvSpPr>
         <p:spPr/>
         <p:txBody>
-          <a:bodyPr>
-            <a:normAutofit/>
-          </a:bodyPr>
+          <a:bodyPr/>
           <a:lstStyle/>
           <a:p>
-            <a:r>
-              <a:rPr lang="en-US" sz="5400" dirty="0"/>
-              <a:t> </a:t>
-            </a:r>
-            <a:r>
-              <a:rPr lang="th-TH" sz="5400" dirty="0"/>
-              <a:t>เทคโนโลยีที่ใช้ ภาษาที่ใช้ในการพัฒนา</a:t>
-            </a:r>
-          </a:p>
-        </p:txBody>
-      </p:sp>
-      <p:sp>
-        <p:nvSpPr>
-          <p:cNvPr id="3" name="Content Placeholder 2"/>
-          <p:cNvSpPr>
-            <a:spLocks noGrp="1"/>
-          </p:cNvSpPr>
+            <a:endParaRPr lang="en-US"/>
+          </a:p>
+        </p:txBody>
+      </p:sp>
+      <p:pic>
+        <p:nvPicPr>
+          <p:cNvPr id="5" name="Content Placeholder 4"/>
+          <p:cNvPicPr>
+            <a:picLocks noGrp="1" noChangeAspect="1"/>
+          </p:cNvPicPr>
           <p:nvPr>
             <p:ph idx="1"/>
           </p:nvPr>
-        </p:nvSpPr>
-        <p:spPr/>
-        <p:txBody>
-          <a:bodyPr>
-            <a:noAutofit/>
-          </a:bodyPr>
-          <a:lstStyle/>
-          <a:p>
-            <a:pPr lvl="1"/>
-            <a:r>
-              <a:rPr lang="th-TH" sz="2200" dirty="0"/>
-              <a:t>ในการพัฒนาตัวแอปพลิเคชั่น </a:t>
-            </a:r>
-            <a:r>
-              <a:rPr lang="en-US" sz="2200" dirty="0"/>
-              <a:t>Diabetes healthy </a:t>
-            </a:r>
-            <a:r>
-              <a:rPr lang="th-TH" sz="2200" dirty="0"/>
-              <a:t>เราจะทำการใช้พัฒนาเป็น </a:t>
-            </a:r>
-            <a:r>
-              <a:rPr lang="en-US" sz="2200" dirty="0"/>
-              <a:t>mobile Application </a:t>
-            </a:r>
-            <a:r>
-              <a:rPr lang="th-TH" sz="2200" dirty="0"/>
-              <a:t>โดยเป็นประเภท </a:t>
-            </a:r>
-            <a:r>
-              <a:rPr lang="en-US" sz="2200" dirty="0"/>
-              <a:t>hybrid application </a:t>
-            </a:r>
-            <a:r>
-              <a:rPr lang="th-TH" sz="2200" dirty="0"/>
-              <a:t>สามารถใช้ได้ทั้งฝั่ง </a:t>
-            </a:r>
-            <a:r>
-              <a:rPr lang="en-US" sz="2200" dirty="0"/>
-              <a:t>android </a:t>
-            </a:r>
-            <a:r>
-              <a:rPr lang="th-TH" sz="2200" dirty="0"/>
-              <a:t>และ </a:t>
-            </a:r>
-            <a:r>
-              <a:rPr lang="en-US" sz="2200" dirty="0"/>
-              <a:t>IOS </a:t>
-            </a:r>
-            <a:r>
-              <a:rPr lang="th-TH" sz="2200" dirty="0"/>
-              <a:t>ซึ่งภาษาที่จะใช้พัฒนาคือ ภาษา </a:t>
-            </a:r>
-            <a:r>
-              <a:rPr lang="en-US" sz="2200" dirty="0" err="1"/>
-              <a:t>lua</a:t>
-            </a:r>
-            <a:r>
-              <a:rPr lang="en-US" sz="2200" dirty="0"/>
-              <a:t> </a:t>
-            </a:r>
-            <a:r>
-              <a:rPr lang="th-TH" sz="2200" dirty="0"/>
-              <a:t>เป็นภาษาในเชิง </a:t>
-            </a:r>
-            <a:r>
-              <a:rPr lang="en-US" sz="2200" dirty="0"/>
-              <a:t>script </a:t>
-            </a:r>
-            <a:r>
-              <a:rPr lang="th-TH" sz="2200" dirty="0"/>
-              <a:t>เป็นภาษาที่ประเภทข้อมูลสามารถปรับเปลี่ยนได้ เข้าใจง่ายถึงแม้ว่าจะเป็นภาษาระดับสูง ซึ่งไม่เคยใช้มาก่อนก็ตาม</a:t>
-            </a:r>
-            <a:r>
-              <a:rPr lang="en-US" sz="2200" dirty="0"/>
-              <a:t>syntax </a:t>
-            </a:r>
-            <a:r>
-              <a:rPr lang="th-TH" sz="2200" dirty="0"/>
-              <a:t>ไม่ยุ่งยาก มีความซับซ้อนไม่มาก อีกทั้งคำสั่งต่างๆก็เรียกใช้ได้ง่าย มี </a:t>
-            </a:r>
-            <a:r>
-              <a:rPr lang="en-US" sz="2200" dirty="0"/>
-              <a:t>library </a:t>
-            </a:r>
-            <a:r>
-              <a:rPr lang="th-TH" sz="2200" dirty="0"/>
-              <a:t>ที่มีความครอบคลุม (</a:t>
-            </a:r>
-            <a:r>
-              <a:rPr lang="en-US" sz="2200" dirty="0"/>
-              <a:t>including OpenGL, </a:t>
-            </a:r>
-            <a:r>
-              <a:rPr lang="en-US" sz="2200" dirty="0" err="1"/>
-              <a:t>OpenAL</a:t>
-            </a:r>
-            <a:r>
-              <a:rPr lang="en-US" sz="2200" dirty="0"/>
-              <a:t>, Google Maps, Box2D physics, Facebook Connect, Game Center, in-app purchases and much more)</a:t>
-            </a:r>
-            <a:r>
-              <a:rPr lang="th-TH" sz="2200" dirty="0"/>
-              <a:t>ตัวโปรแกรมไม่สิ้นเปลืองทรัพยากรเครื่อง ทำงานได้รวดเร็ว มีหลาย </a:t>
-            </a:r>
-            <a:r>
-              <a:rPr lang="en-US" sz="2200" dirty="0"/>
-              <a:t>platform </a:t>
-            </a:r>
-            <a:r>
-              <a:rPr lang="th-TH" sz="2200" dirty="0"/>
-              <a:t>ให้ใช้ การจัดการเกี่ยวกับเกมส์และ </a:t>
-            </a:r>
-            <a:r>
-              <a:rPr lang="en-US" sz="2200" dirty="0"/>
-              <a:t>social network </a:t>
-            </a:r>
-            <a:r>
-              <a:rPr lang="th-TH" sz="2200" dirty="0"/>
-              <a:t>นั้นมีความสามารถเพียงพอกับความต้องการในปัจจุบันและมีตัวช่วยในการจัดการฐานข้อมูลผ่านทาง </a:t>
-            </a:r>
-            <a:r>
-              <a:rPr lang="en-US" sz="2200" dirty="0"/>
-              <a:t>web service</a:t>
-            </a:r>
-            <a:endParaRPr lang="th-TH" sz="2200" dirty="0"/>
-          </a:p>
-        </p:txBody>
-      </p:sp>
+        </p:nvPicPr>
+        <p:blipFill>
+          <a:blip r:embed="rId2"/>
+          <a:stretch>
+            <a:fillRect/>
+          </a:stretch>
+        </p:blipFill>
+        <p:spPr>
+          <a:xfrm>
+            <a:off x="3188763" y="2016125"/>
+            <a:ext cx="6128798" cy="3449638"/>
+          </a:xfrm>
+        </p:spPr>
+      </p:pic>
     </p:spTree>
     <p:extLst>
       <p:ext uri="{BB962C8B-B14F-4D97-AF65-F5344CB8AC3E}">
-        <p14:creationId xmlns:p14="http://schemas.microsoft.com/office/powerpoint/2010/main" val="1171980408"/>
+        <p14:creationId xmlns:p14="http://schemas.microsoft.com/office/powerpoint/2010/main" val="3887939841"/>
       </p:ext>
     </p:extLst>
   </p:cSld>
@@ -4935,74 +4817,39 @@
           <a:chExt cx="0" cy="0"/>
         </a:xfrm>
       </p:grpSpPr>
-      <p:sp>
-        <p:nvSpPr>
-          <p:cNvPr id="2" name="Title 1"/>
-          <p:cNvSpPr>
-            <a:spLocks noGrp="1"/>
-          </p:cNvSpPr>
-          <p:nvPr>
-            <p:ph type="title"/>
-          </p:nvPr>
-        </p:nvSpPr>
-        <p:spPr/>
-        <p:txBody>
-          <a:bodyPr>
-            <a:normAutofit/>
-          </a:bodyPr>
-          <a:lstStyle/>
-          <a:p>
-            <a:r>
-              <a:rPr lang="th-TH" sz="4000" b="1" dirty="0"/>
-              <a:t>การแบ่งหน้าที่ความรับผิดชอบของสมาชิกแต่ละคนภายในทีม</a:t>
-            </a:r>
-          </a:p>
-        </p:txBody>
-      </p:sp>
-      <p:sp>
-        <p:nvSpPr>
-          <p:cNvPr id="3" name="Content Placeholder 2"/>
-          <p:cNvSpPr>
-            <a:spLocks noGrp="1"/>
-          </p:cNvSpPr>
+      <p:pic>
+        <p:nvPicPr>
+          <p:cNvPr id="4" name="Content Placeholder 3"/>
+          <p:cNvPicPr>
+            <a:picLocks noGrp="1" noChangeAspect="1"/>
+          </p:cNvPicPr>
           <p:nvPr>
             <p:ph idx="1"/>
           </p:nvPr>
-        </p:nvSpPr>
-        <p:spPr/>
-        <p:txBody>
-          <a:bodyPr>
-            <a:normAutofit/>
-          </a:bodyPr>
-          <a:lstStyle/>
-          <a:p>
-            <a:r>
-              <a:rPr lang="th-TH" sz="3200" dirty="0"/>
-              <a:t>ในกลุ่มของผมจะใช้การทำงานร่วมกันโดยใช้รูปแบบในการพัฒนาแบบ </a:t>
-            </a:r>
-            <a:r>
-              <a:rPr lang="en-US" sz="3200" dirty="0"/>
-              <a:t>Agile </a:t>
-            </a:r>
-            <a:r>
-              <a:rPr lang="th-TH" sz="3200" dirty="0"/>
-              <a:t>ในแบบ </a:t>
-            </a:r>
-            <a:r>
-              <a:rPr lang="en-US" sz="3200" dirty="0"/>
-              <a:t>Scrum </a:t>
-            </a:r>
-            <a:r>
-              <a:rPr lang="th-TH" sz="3200" dirty="0"/>
-              <a:t>เป็นการทำงานแบบช่วยกันทำในแต่ละฟังก์ชั่นเพื่อให้การทำงานในแต่ละฟังก์ชันเสร็จสิ้นอย่างรวดเร็ว และทำให้เห็นถึงข้อเสียของแต่ละรอบการทำงานเพื่อให้พัฒนาการทำงานในรอบการทำงานถัดไปมีประสิทธิภาพดีขึ้น</a:t>
-            </a:r>
-          </a:p>
-        </p:txBody>
-      </p:sp>
+        </p:nvPicPr>
+        <p:blipFill>
+          <a:blip r:embed="rId2">
+            <a:extLst>
+              <a:ext uri="{28A0092B-C50C-407E-A947-70E740481C1C}">
+                <a14:useLocalDpi xmlns:a14="http://schemas.microsoft.com/office/drawing/2010/main" val="0"/>
+              </a:ext>
+            </a:extLst>
+          </a:blip>
+          <a:stretch>
+            <a:fillRect/>
+          </a:stretch>
+        </p:blipFill>
+        <p:spPr>
+          <a:xfrm>
+            <a:off x="3759793" y="2136248"/>
+            <a:ext cx="4936514" cy="3131244"/>
+          </a:xfrm>
+        </p:spPr>
+      </p:pic>
     </p:spTree>
     <p:extLst>
       <p:ext uri="{BB962C8B-B14F-4D97-AF65-F5344CB8AC3E}">
-        <p14:creationId xmlns:p14="http://schemas.microsoft.com/office/powerpoint/2010/main" val="750903798"/>
+        <p14:creationId xmlns:p14="http://schemas.microsoft.com/office/powerpoint/2010/main" val="2059418618"/>
       </p:ext>
     </p:extLst>
   </p:cSld>
@@ -5041,60 +4888,169 @@
         </p:nvSpPr>
         <p:spPr/>
         <p:txBody>
-          <a:bodyPr/>
+          <a:bodyPr>
+            <a:normAutofit/>
+          </a:bodyPr>
           <a:lstStyle/>
           <a:p>
-            <a:endParaRPr lang="en-US"/>
+            <a:r>
+              <a:rPr lang="en-US" sz="5400" dirty="0"/>
+              <a:t> </a:t>
+            </a:r>
+            <a:r>
+              <a:rPr lang="th-TH" sz="5400" dirty="0"/>
+              <a:t>เทคโนโลยีที่ใช้ ภาษาที่ใช้ในการพัฒนา</a:t>
+            </a:r>
           </a:p>
         </p:txBody>
       </p:sp>
       <p:pic>
         <p:nvPicPr>
-          <p:cNvPr id="1026" name="Picture 2" descr="ผลการค้นหารูปภาพสำหรับ agile scrum"/>
+          <p:cNvPr id="5" name="Content Placeholder 4"/>
           <p:cNvPicPr>
-            <a:picLocks noGrp="1" noChangeAspect="1" noChangeArrowheads="1"/>
+            <a:picLocks noGrp="1" noChangeAspect="1"/>
           </p:cNvPicPr>
           <p:nvPr>
             <p:ph idx="1"/>
           </p:nvPr>
         </p:nvPicPr>
         <p:blipFill>
-          <a:blip r:embed="rId2">
-            <a:extLst>
-              <a:ext uri="{28A0092B-C50C-407E-A947-70E740481C1C}">
-                <a14:useLocalDpi xmlns:a14="http://schemas.microsoft.com/office/drawing/2010/main" val="0"/>
-              </a:ext>
-            </a:extLst>
-          </a:blip>
-          <a:srcRect/>
+          <a:blip r:embed="rId2"/>
           <a:stretch>
             <a:fillRect/>
           </a:stretch>
         </p:blipFill>
-        <p:spPr bwMode="auto">
-          <a:xfrm>
-            <a:off x="2915448" y="1963955"/>
-            <a:ext cx="6675536" cy="3881437"/>
+        <p:spPr>
+          <a:xfrm>
+            <a:off x="1660758" y="2122393"/>
+            <a:ext cx="3648075" cy="1257300"/>
+          </a:xfrm>
+        </p:spPr>
+      </p:pic>
+      <p:pic>
+        <p:nvPicPr>
+          <p:cNvPr id="7" name="Picture 6"/>
+          <p:cNvPicPr>
+            <a:picLocks noChangeAspect="1"/>
+          </p:cNvPicPr>
+          <p:nvPr/>
+        </p:nvPicPr>
+        <p:blipFill>
+          <a:blip r:embed="rId3"/>
+          <a:stretch>
+            <a:fillRect/>
+          </a:stretch>
+        </p:blipFill>
+        <p:spPr>
+          <a:xfrm>
+            <a:off x="8954277" y="2122394"/>
+            <a:ext cx="1257046" cy="1257046"/>
           </a:xfrm>
           <a:prstGeom prst="rect">
             <a:avLst/>
           </a:prstGeom>
-          <a:noFill/>
-          <a:extLst>
-            <a:ext uri="{909E8E84-426E-40DD-AFC4-6F175D3DCCD1}">
-              <a14:hiddenFill xmlns:a14="http://schemas.microsoft.com/office/drawing/2010/main">
-                <a:solidFill>
-                  <a:srgbClr val="FFFFFF"/>
-                </a:solidFill>
-              </a14:hiddenFill>
-            </a:ext>
-          </a:extLst>
+        </p:spPr>
+      </p:pic>
+      <p:pic>
+        <p:nvPicPr>
+          <p:cNvPr id="9" name="Picture 8"/>
+          <p:cNvPicPr>
+            <a:picLocks noChangeAspect="1"/>
+          </p:cNvPicPr>
+          <p:nvPr/>
+        </p:nvPicPr>
+        <p:blipFill>
+          <a:blip r:embed="rId4"/>
+          <a:stretch>
+            <a:fillRect/>
+          </a:stretch>
+        </p:blipFill>
+        <p:spPr>
+          <a:xfrm>
+            <a:off x="5719473" y="2122393"/>
+            <a:ext cx="2824163" cy="1257046"/>
+          </a:xfrm>
+          <a:prstGeom prst="rect">
+            <a:avLst/>
+          </a:prstGeom>
+        </p:spPr>
+      </p:pic>
+      <p:pic>
+        <p:nvPicPr>
+          <p:cNvPr id="11" name="Picture 10"/>
+          <p:cNvPicPr>
+            <a:picLocks noChangeAspect="1"/>
+          </p:cNvPicPr>
+          <p:nvPr/>
+        </p:nvPicPr>
+        <p:blipFill>
+          <a:blip r:embed="rId5"/>
+          <a:stretch>
+            <a:fillRect/>
+          </a:stretch>
+        </p:blipFill>
+        <p:spPr>
+          <a:xfrm>
+            <a:off x="1660758" y="4059350"/>
+            <a:ext cx="3857625" cy="1181100"/>
+          </a:xfrm>
+          <a:prstGeom prst="rect">
+            <a:avLst/>
+          </a:prstGeom>
+        </p:spPr>
+      </p:pic>
+      <p:pic>
+        <p:nvPicPr>
+          <p:cNvPr id="13" name="Picture 12"/>
+          <p:cNvPicPr>
+            <a:picLocks noChangeAspect="1"/>
+          </p:cNvPicPr>
+          <p:nvPr/>
+        </p:nvPicPr>
+        <p:blipFill>
+          <a:blip r:embed="rId6"/>
+          <a:stretch>
+            <a:fillRect/>
+          </a:stretch>
+        </p:blipFill>
+        <p:spPr>
+          <a:xfrm>
+            <a:off x="5719473" y="4065517"/>
+            <a:ext cx="2974831" cy="1174933"/>
+          </a:xfrm>
+          <a:prstGeom prst="rect">
+            <a:avLst/>
+          </a:prstGeom>
+        </p:spPr>
+      </p:pic>
+      <p:pic>
+        <p:nvPicPr>
+          <p:cNvPr id="15" name="Picture 14"/>
+          <p:cNvPicPr>
+            <a:picLocks noChangeAspect="1"/>
+          </p:cNvPicPr>
+          <p:nvPr/>
+        </p:nvPicPr>
+        <p:blipFill>
+          <a:blip r:embed="rId7"/>
+          <a:stretch>
+            <a:fillRect/>
+          </a:stretch>
+        </p:blipFill>
+        <p:spPr>
+          <a:xfrm>
+            <a:off x="8982184" y="4059350"/>
+            <a:ext cx="2246264" cy="1181100"/>
+          </a:xfrm>
+          <a:prstGeom prst="rect">
+            <a:avLst/>
+          </a:prstGeom>
         </p:spPr>
       </p:pic>
     </p:spTree>
     <p:extLst>
       <p:ext uri="{BB962C8B-B14F-4D97-AF65-F5344CB8AC3E}">
-        <p14:creationId xmlns:p14="http://schemas.microsoft.com/office/powerpoint/2010/main" val="3002369700"/>
+        <p14:creationId xmlns:p14="http://schemas.microsoft.com/office/powerpoint/2010/main" val="1171980408"/>
       </p:ext>
     </p:extLst>
   </p:cSld>
@@ -5139,86 +5095,767 @@
           <a:lstStyle/>
           <a:p>
             <a:r>
-              <a:rPr lang="en-US" sz="4200" dirty="0"/>
-              <a:t>Use Case Diagrams</a:t>
-            </a:r>
-            <a:endParaRPr lang="th-TH" sz="4200" dirty="0"/>
-          </a:p>
-        </p:txBody>
-      </p:sp>
-      <p:sp>
-        <p:nvSpPr>
-          <p:cNvPr id="6" name="Rectangle 5"/>
-          <p:cNvSpPr/>
-          <p:nvPr/>
-        </p:nvSpPr>
-        <p:spPr>
-          <a:xfrm>
-            <a:off x="3927044" y="1681682"/>
-            <a:ext cx="3590488" cy="4991450"/>
-          </a:xfrm>
-          <a:prstGeom prst="rect">
-            <a:avLst/>
-          </a:prstGeom>
-          <a:solidFill>
-            <a:schemeClr val="tx1">
-              <a:lumMod val="50000"/>
-              <a:lumOff val="50000"/>
-            </a:schemeClr>
-          </a:solidFill>
-        </p:spPr>
-        <p:style>
-          <a:lnRef idx="2">
-            <a:schemeClr val="accent1">
-              <a:shade val="50000"/>
-            </a:schemeClr>
-          </a:lnRef>
-          <a:fillRef idx="1">
-            <a:schemeClr val="accent1"/>
-          </a:fillRef>
-          <a:effectRef idx="0">
-            <a:schemeClr val="accent1"/>
-          </a:effectRef>
-          <a:fontRef idx="minor">
-            <a:schemeClr val="lt1"/>
-          </a:fontRef>
-        </p:style>
-        <p:txBody>
-          <a:bodyPr rtlCol="0" anchor="ctr"/>
-          <a:lstStyle/>
-          <a:p>
-            <a:pPr algn="ctr"/>
-            <a:endParaRPr lang="en-US"/>
-          </a:p>
-        </p:txBody>
-      </p:sp>
-      <p:pic>
-        <p:nvPicPr>
+              <a:rPr lang="th-TH" sz="4000" b="1" dirty="0"/>
+              <a:t>การแบ่งหน้าที่ความรับผิดชอบของสมาชิกแต่ละคนภายในทีม</a:t>
+            </a:r>
+          </a:p>
+        </p:txBody>
+      </p:sp>
+      <p:graphicFrame>
+        <p:nvGraphicFramePr>
           <p:cNvPr id="5" name="Content Placeholder 4"/>
-          <p:cNvPicPr>
-            <a:picLocks noGrp="1" noChangeAspect="1"/>
-          </p:cNvPicPr>
+          <p:cNvGraphicFramePr>
+            <a:graphicFrameLocks noGrp="1"/>
+          </p:cNvGraphicFramePr>
           <p:nvPr>
             <p:ph idx="1"/>
-          </p:nvPr>
-        </p:nvPicPr>
-        <p:blipFill>
-          <a:blip r:embed="rId2"/>
-          <a:stretch>
-            <a:fillRect/>
-          </a:stretch>
-        </p:blipFill>
-        <p:spPr>
-          <a:xfrm>
-            <a:off x="4255950" y="1763517"/>
-            <a:ext cx="3100453" cy="4827781"/>
-          </a:xfrm>
-        </p:spPr>
-      </p:pic>
+            <p:extLst>
+              <p:ext uri="{D42A27DB-BD31-4B8C-83A1-F6EECF244321}">
+                <p14:modId xmlns:p14="http://schemas.microsoft.com/office/powerpoint/2010/main" val="2851224589"/>
+              </p:ext>
+            </p:extLst>
+          </p:nvPr>
+        </p:nvGraphicFramePr>
+        <p:xfrm>
+          <a:off x="1451579" y="1940624"/>
+          <a:ext cx="9604375" cy="3291840"/>
+        </p:xfrm>
+        <a:graphic>
+          <a:graphicData uri="http://schemas.openxmlformats.org/drawingml/2006/table">
+            <a:tbl>
+              <a:tblPr firstRow="1" bandRow="1">
+                <a:tableStyleId>{5C22544A-7EE6-4342-B048-85BDC9FD1C3A}</a:tableStyleId>
+              </a:tblPr>
+              <a:tblGrid>
+                <a:gridCol w="3407695">
+                  <a:extLst>
+                    <a:ext uri="{9D8B030D-6E8A-4147-A177-3AD203B41FA5}">
+                      <a16:colId xmlns:a16="http://schemas.microsoft.com/office/drawing/2014/main" val="1122378421"/>
+                    </a:ext>
+                  </a:extLst>
+                </a:gridCol>
+                <a:gridCol w="1651187">
+                  <a:extLst>
+                    <a:ext uri="{9D8B030D-6E8A-4147-A177-3AD203B41FA5}">
+                      <a16:colId xmlns:a16="http://schemas.microsoft.com/office/drawing/2014/main" val="2061114826"/>
+                    </a:ext>
+                  </a:extLst>
+                </a:gridCol>
+                <a:gridCol w="1593908">
+                  <a:extLst>
+                    <a:ext uri="{9D8B030D-6E8A-4147-A177-3AD203B41FA5}">
+                      <a16:colId xmlns:a16="http://schemas.microsoft.com/office/drawing/2014/main" val="1334695245"/>
+                    </a:ext>
+                  </a:extLst>
+                </a:gridCol>
+                <a:gridCol w="1812022">
+                  <a:extLst>
+                    <a:ext uri="{9D8B030D-6E8A-4147-A177-3AD203B41FA5}">
+                      <a16:colId xmlns:a16="http://schemas.microsoft.com/office/drawing/2014/main" val="1887891604"/>
+                    </a:ext>
+                  </a:extLst>
+                </a:gridCol>
+                <a:gridCol w="1139563">
+                  <a:extLst>
+                    <a:ext uri="{9D8B030D-6E8A-4147-A177-3AD203B41FA5}">
+                      <a16:colId xmlns:a16="http://schemas.microsoft.com/office/drawing/2014/main" val="2081269598"/>
+                    </a:ext>
+                  </a:extLst>
+                </a:gridCol>
+              </a:tblGrid>
+              <a:tr h="348071">
+                <a:tc>
+                  <a:txBody>
+                    <a:bodyPr/>
+                    <a:lstStyle/>
+                    <a:p>
+                      <a:r>
+                        <a:rPr lang="th-TH" dirty="0"/>
+                        <a:t>ฟังก์ชั่น</a:t>
+                      </a:r>
+                      <a:endParaRPr lang="en-US" dirty="0"/>
+                    </a:p>
+                  </a:txBody>
+                  <a:tcPr/>
+                </a:tc>
+                <a:tc>
+                  <a:txBody>
+                    <a:bodyPr/>
+                    <a:lstStyle/>
+                    <a:p>
+                      <a:r>
+                        <a:rPr lang="en-US" dirty="0" err="1"/>
+                        <a:t>T.Ratthakit</a:t>
+                      </a:r>
+                      <a:endParaRPr lang="en-US" dirty="0"/>
+                    </a:p>
+                  </a:txBody>
+                  <a:tcPr/>
+                </a:tc>
+                <a:tc>
+                  <a:txBody>
+                    <a:bodyPr/>
+                    <a:lstStyle/>
+                    <a:p>
+                      <a:r>
+                        <a:rPr lang="en-US" dirty="0" err="1"/>
+                        <a:t>P.Saranyoo</a:t>
+                      </a:r>
+                      <a:endParaRPr lang="en-US" dirty="0"/>
+                    </a:p>
+                  </a:txBody>
+                  <a:tcPr/>
+                </a:tc>
+                <a:tc>
+                  <a:txBody>
+                    <a:bodyPr/>
+                    <a:lstStyle/>
+                    <a:p>
+                      <a:r>
+                        <a:rPr lang="en-US" dirty="0" err="1"/>
+                        <a:t>C.Teetawat</a:t>
+                      </a:r>
+                      <a:endParaRPr lang="en-US" dirty="0"/>
+                    </a:p>
+                  </a:txBody>
+                  <a:tcPr/>
+                </a:tc>
+                <a:tc>
+                  <a:txBody>
+                    <a:bodyPr/>
+                    <a:lstStyle/>
+                    <a:p>
+                      <a:r>
+                        <a:rPr lang="th-TH" dirty="0"/>
+                        <a:t>หมายเหตุ</a:t>
+                      </a:r>
+                      <a:endParaRPr lang="en-US" dirty="0"/>
+                    </a:p>
+                  </a:txBody>
+                  <a:tcPr/>
+                </a:tc>
+                <a:extLst>
+                  <a:ext uri="{0D108BD9-81ED-4DB2-BD59-A6C34878D82A}">
+                    <a16:rowId xmlns:a16="http://schemas.microsoft.com/office/drawing/2014/main" val="2453139715"/>
+                  </a:ext>
+                </a:extLst>
+              </a:tr>
+              <a:tr h="348071">
+                <a:tc>
+                  <a:txBody>
+                    <a:bodyPr/>
+                    <a:lstStyle/>
+                    <a:p>
+                      <a:pPr marL="0" marR="0" lvl="0" indent="0" algn="l" defTabSz="914400" rtl="0" eaLnBrk="1" fontAlgn="auto" latinLnBrk="0" hangingPunct="1">
+                        <a:lnSpc>
+                          <a:spcPct val="100000"/>
+                        </a:lnSpc>
+                        <a:spcBef>
+                          <a:spcPts val="0"/>
+                        </a:spcBef>
+                        <a:spcAft>
+                          <a:spcPts val="0"/>
+                        </a:spcAft>
+                        <a:buClrTx/>
+                        <a:buSzTx/>
+                        <a:buFontTx/>
+                        <a:buNone/>
+                        <a:tabLst/>
+                        <a:defRPr/>
+                      </a:pPr>
+                      <a:r>
+                        <a:rPr lang="en-US" dirty="0"/>
+                        <a:t>Analysis</a:t>
+                      </a:r>
+                    </a:p>
+                  </a:txBody>
+                  <a:tcPr/>
+                </a:tc>
+                <a:tc>
+                  <a:txBody>
+                    <a:bodyPr/>
+                    <a:lstStyle/>
+                    <a:p>
+                      <a:pPr algn="ctr"/>
+                      <a:r>
+                        <a:rPr lang="en-US" dirty="0"/>
+                        <a:t>/</a:t>
+                      </a:r>
+                    </a:p>
+                  </a:txBody>
+                  <a:tcPr/>
+                </a:tc>
+                <a:tc>
+                  <a:txBody>
+                    <a:bodyPr/>
+                    <a:lstStyle/>
+                    <a:p>
+                      <a:pPr algn="ctr"/>
+                      <a:endParaRPr lang="en-US" dirty="0"/>
+                    </a:p>
+                  </a:txBody>
+                  <a:tcPr/>
+                </a:tc>
+                <a:tc>
+                  <a:txBody>
+                    <a:bodyPr/>
+                    <a:lstStyle/>
+                    <a:p>
+                      <a:pPr algn="ctr"/>
+                      <a:endParaRPr lang="en-US" dirty="0"/>
+                    </a:p>
+                  </a:txBody>
+                  <a:tcPr/>
+                </a:tc>
+                <a:tc>
+                  <a:txBody>
+                    <a:bodyPr/>
+                    <a:lstStyle/>
+                    <a:p>
+                      <a:pPr algn="ctr"/>
+                      <a:endParaRPr lang="en-US" dirty="0"/>
+                    </a:p>
+                  </a:txBody>
+                  <a:tcPr/>
+                </a:tc>
+                <a:extLst>
+                  <a:ext uri="{0D108BD9-81ED-4DB2-BD59-A6C34878D82A}">
+                    <a16:rowId xmlns:a16="http://schemas.microsoft.com/office/drawing/2014/main" val="4016913119"/>
+                  </a:ext>
+                </a:extLst>
+              </a:tr>
+              <a:tr h="348071">
+                <a:tc>
+                  <a:txBody>
+                    <a:bodyPr/>
+                    <a:lstStyle/>
+                    <a:p>
+                      <a:pPr marL="0" marR="0" lvl="0" indent="0" algn="l" defTabSz="914400" rtl="0" eaLnBrk="1" fontAlgn="auto" latinLnBrk="0" hangingPunct="1">
+                        <a:lnSpc>
+                          <a:spcPct val="100000"/>
+                        </a:lnSpc>
+                        <a:spcBef>
+                          <a:spcPts val="0"/>
+                        </a:spcBef>
+                        <a:spcAft>
+                          <a:spcPts val="0"/>
+                        </a:spcAft>
+                        <a:buClrTx/>
+                        <a:buSzTx/>
+                        <a:buFontTx/>
+                        <a:buNone/>
+                        <a:tabLst/>
+                        <a:defRPr/>
+                      </a:pPr>
+                      <a:r>
+                        <a:rPr lang="en-US" dirty="0"/>
+                        <a:t>Database</a:t>
+                      </a:r>
+                    </a:p>
+                  </a:txBody>
+                  <a:tcPr/>
+                </a:tc>
+                <a:tc>
+                  <a:txBody>
+                    <a:bodyPr/>
+                    <a:lstStyle/>
+                    <a:p>
+                      <a:pPr algn="ctr"/>
+                      <a:r>
+                        <a:rPr lang="en-US" dirty="0"/>
+                        <a:t>/</a:t>
+                      </a:r>
+                    </a:p>
+                  </a:txBody>
+                  <a:tcPr/>
+                </a:tc>
+                <a:tc>
+                  <a:txBody>
+                    <a:bodyPr/>
+                    <a:lstStyle/>
+                    <a:p>
+                      <a:pPr algn="ctr"/>
+                      <a:r>
+                        <a:rPr lang="en-US" dirty="0"/>
+                        <a:t>/</a:t>
+                      </a:r>
+                    </a:p>
+                  </a:txBody>
+                  <a:tcPr/>
+                </a:tc>
+                <a:tc>
+                  <a:txBody>
+                    <a:bodyPr/>
+                    <a:lstStyle/>
+                    <a:p>
+                      <a:pPr algn="ctr"/>
+                      <a:endParaRPr lang="en-US" dirty="0"/>
+                    </a:p>
+                  </a:txBody>
+                  <a:tcPr/>
+                </a:tc>
+                <a:tc>
+                  <a:txBody>
+                    <a:bodyPr/>
+                    <a:lstStyle/>
+                    <a:p>
+                      <a:pPr algn="ctr"/>
+                      <a:endParaRPr lang="en-US" dirty="0"/>
+                    </a:p>
+                  </a:txBody>
+                  <a:tcPr/>
+                </a:tc>
+                <a:extLst>
+                  <a:ext uri="{0D108BD9-81ED-4DB2-BD59-A6C34878D82A}">
+                    <a16:rowId xmlns:a16="http://schemas.microsoft.com/office/drawing/2014/main" val="2230827331"/>
+                  </a:ext>
+                </a:extLst>
+              </a:tr>
+              <a:tr h="348071">
+                <a:tc>
+                  <a:txBody>
+                    <a:bodyPr/>
+                    <a:lstStyle/>
+                    <a:p>
+                      <a:r>
+                        <a:rPr lang="en-US" dirty="0"/>
+                        <a:t>Register</a:t>
+                      </a:r>
+                    </a:p>
+                  </a:txBody>
+                  <a:tcPr/>
+                </a:tc>
+                <a:tc>
+                  <a:txBody>
+                    <a:bodyPr/>
+                    <a:lstStyle/>
+                    <a:p>
+                      <a:pPr algn="ctr"/>
+                      <a:r>
+                        <a:rPr lang="en-US" dirty="0"/>
+                        <a:t>/</a:t>
+                      </a:r>
+                    </a:p>
+                  </a:txBody>
+                  <a:tcPr/>
+                </a:tc>
+                <a:tc>
+                  <a:txBody>
+                    <a:bodyPr/>
+                    <a:lstStyle/>
+                    <a:p>
+                      <a:pPr algn="ctr"/>
+                      <a:r>
+                        <a:rPr lang="en-US" dirty="0"/>
+                        <a:t>/</a:t>
+                      </a:r>
+                    </a:p>
+                  </a:txBody>
+                  <a:tcPr/>
+                </a:tc>
+                <a:tc>
+                  <a:txBody>
+                    <a:bodyPr/>
+                    <a:lstStyle/>
+                    <a:p>
+                      <a:pPr algn="ctr"/>
+                      <a:r>
+                        <a:rPr lang="en-US" dirty="0"/>
+                        <a:t>/</a:t>
+                      </a:r>
+                    </a:p>
+                  </a:txBody>
+                  <a:tcPr/>
+                </a:tc>
+                <a:tc>
+                  <a:txBody>
+                    <a:bodyPr/>
+                    <a:lstStyle/>
+                    <a:p>
+                      <a:pPr algn="ctr"/>
+                      <a:endParaRPr lang="en-US"/>
+                    </a:p>
+                  </a:txBody>
+                  <a:tcPr/>
+                </a:tc>
+                <a:extLst>
+                  <a:ext uri="{0D108BD9-81ED-4DB2-BD59-A6C34878D82A}">
+                    <a16:rowId xmlns:a16="http://schemas.microsoft.com/office/drawing/2014/main" val="3273579758"/>
+                  </a:ext>
+                </a:extLst>
+              </a:tr>
+              <a:tr h="348071">
+                <a:tc>
+                  <a:txBody>
+                    <a:bodyPr/>
+                    <a:lstStyle/>
+                    <a:p>
+                      <a:pPr marL="0" marR="0" lvl="0" indent="0" algn="l" defTabSz="914400" rtl="0" eaLnBrk="1" fontAlgn="auto" latinLnBrk="0" hangingPunct="1">
+                        <a:lnSpc>
+                          <a:spcPct val="100000"/>
+                        </a:lnSpc>
+                        <a:spcBef>
+                          <a:spcPts val="0"/>
+                        </a:spcBef>
+                        <a:spcAft>
+                          <a:spcPts val="0"/>
+                        </a:spcAft>
+                        <a:buClrTx/>
+                        <a:buSzTx/>
+                        <a:buFontTx/>
+                        <a:buNone/>
+                        <a:tabLst/>
+                        <a:defRPr/>
+                      </a:pPr>
+                      <a:r>
+                        <a:rPr lang="en-US" dirty="0"/>
+                        <a:t>Analysis Sugar blood rate</a:t>
+                      </a:r>
+                    </a:p>
+                  </a:txBody>
+                  <a:tcPr/>
+                </a:tc>
+                <a:tc>
+                  <a:txBody>
+                    <a:bodyPr/>
+                    <a:lstStyle/>
+                    <a:p>
+                      <a:pPr algn="ctr"/>
+                      <a:endParaRPr lang="en-US" dirty="0"/>
+                    </a:p>
+                  </a:txBody>
+                  <a:tcPr/>
+                </a:tc>
+                <a:tc>
+                  <a:txBody>
+                    <a:bodyPr/>
+                    <a:lstStyle/>
+                    <a:p>
+                      <a:pPr algn="ctr"/>
+                      <a:endParaRPr lang="en-US" dirty="0"/>
+                    </a:p>
+                  </a:txBody>
+                  <a:tcPr/>
+                </a:tc>
+                <a:tc>
+                  <a:txBody>
+                    <a:bodyPr/>
+                    <a:lstStyle/>
+                    <a:p>
+                      <a:pPr algn="ctr"/>
+                      <a:r>
+                        <a:rPr lang="en-US" dirty="0"/>
+                        <a:t>/</a:t>
+                      </a:r>
+                    </a:p>
+                  </a:txBody>
+                  <a:tcPr/>
+                </a:tc>
+                <a:tc>
+                  <a:txBody>
+                    <a:bodyPr/>
+                    <a:lstStyle/>
+                    <a:p>
+                      <a:pPr algn="ctr"/>
+                      <a:endParaRPr lang="en-US" dirty="0"/>
+                    </a:p>
+                  </a:txBody>
+                  <a:tcPr/>
+                </a:tc>
+                <a:extLst>
+                  <a:ext uri="{0D108BD9-81ED-4DB2-BD59-A6C34878D82A}">
+                    <a16:rowId xmlns:a16="http://schemas.microsoft.com/office/drawing/2014/main" val="228733389"/>
+                  </a:ext>
+                </a:extLst>
+              </a:tr>
+              <a:tr h="348071">
+                <a:tc>
+                  <a:txBody>
+                    <a:bodyPr/>
+                    <a:lstStyle/>
+                    <a:p>
+                      <a:r>
+                        <a:rPr lang="en-US" dirty="0"/>
+                        <a:t>Notification</a:t>
+                      </a:r>
+                    </a:p>
+                  </a:txBody>
+                  <a:tcPr/>
+                </a:tc>
+                <a:tc>
+                  <a:txBody>
+                    <a:bodyPr/>
+                    <a:lstStyle/>
+                    <a:p>
+                      <a:pPr algn="ctr"/>
+                      <a:endParaRPr lang="en-US" dirty="0"/>
+                    </a:p>
+                  </a:txBody>
+                  <a:tcPr/>
+                </a:tc>
+                <a:tc>
+                  <a:txBody>
+                    <a:bodyPr/>
+                    <a:lstStyle/>
+                    <a:p>
+                      <a:pPr algn="ctr"/>
+                      <a:r>
+                        <a:rPr lang="en-US" dirty="0"/>
+                        <a:t>/</a:t>
+                      </a:r>
+                    </a:p>
+                  </a:txBody>
+                  <a:tcPr/>
+                </a:tc>
+                <a:tc>
+                  <a:txBody>
+                    <a:bodyPr/>
+                    <a:lstStyle/>
+                    <a:p>
+                      <a:pPr algn="ctr"/>
+                      <a:endParaRPr lang="en-US"/>
+                    </a:p>
+                  </a:txBody>
+                  <a:tcPr/>
+                </a:tc>
+                <a:tc>
+                  <a:txBody>
+                    <a:bodyPr/>
+                    <a:lstStyle/>
+                    <a:p>
+                      <a:pPr algn="ctr"/>
+                      <a:endParaRPr lang="en-US" dirty="0"/>
+                    </a:p>
+                  </a:txBody>
+                  <a:tcPr/>
+                </a:tc>
+                <a:extLst>
+                  <a:ext uri="{0D108BD9-81ED-4DB2-BD59-A6C34878D82A}">
+                    <a16:rowId xmlns:a16="http://schemas.microsoft.com/office/drawing/2014/main" val="1721149972"/>
+                  </a:ext>
+                </a:extLst>
+              </a:tr>
+              <a:tr h="348071">
+                <a:tc>
+                  <a:txBody>
+                    <a:bodyPr/>
+                    <a:lstStyle/>
+                    <a:p>
+                      <a:r>
+                        <a:rPr lang="en-US" dirty="0"/>
+                        <a:t>Information</a:t>
+                      </a:r>
+                    </a:p>
+                  </a:txBody>
+                  <a:tcPr/>
+                </a:tc>
+                <a:tc>
+                  <a:txBody>
+                    <a:bodyPr/>
+                    <a:lstStyle/>
+                    <a:p>
+                      <a:pPr algn="ctr"/>
+                      <a:r>
+                        <a:rPr lang="en-US" dirty="0"/>
+                        <a:t>/</a:t>
+                      </a:r>
+                    </a:p>
+                  </a:txBody>
+                  <a:tcPr/>
+                </a:tc>
+                <a:tc>
+                  <a:txBody>
+                    <a:bodyPr/>
+                    <a:lstStyle/>
+                    <a:p>
+                      <a:pPr algn="ctr"/>
+                      <a:r>
+                        <a:rPr lang="en-US" dirty="0"/>
+                        <a:t>/</a:t>
+                      </a:r>
+                    </a:p>
+                  </a:txBody>
+                  <a:tcPr/>
+                </a:tc>
+                <a:tc>
+                  <a:txBody>
+                    <a:bodyPr/>
+                    <a:lstStyle/>
+                    <a:p>
+                      <a:pPr algn="ctr"/>
+                      <a:r>
+                        <a:rPr lang="en-US" dirty="0"/>
+                        <a:t>/</a:t>
+                      </a:r>
+                    </a:p>
+                  </a:txBody>
+                  <a:tcPr/>
+                </a:tc>
+                <a:tc>
+                  <a:txBody>
+                    <a:bodyPr/>
+                    <a:lstStyle/>
+                    <a:p>
+                      <a:pPr algn="ctr"/>
+                      <a:endParaRPr lang="en-US" dirty="0"/>
+                    </a:p>
+                  </a:txBody>
+                  <a:tcPr/>
+                </a:tc>
+                <a:extLst>
+                  <a:ext uri="{0D108BD9-81ED-4DB2-BD59-A6C34878D82A}">
+                    <a16:rowId xmlns:a16="http://schemas.microsoft.com/office/drawing/2014/main" val="3401322917"/>
+                  </a:ext>
+                </a:extLst>
+              </a:tr>
+              <a:tr h="348071">
+                <a:tc>
+                  <a:txBody>
+                    <a:bodyPr/>
+                    <a:lstStyle/>
+                    <a:p>
+                      <a:r>
+                        <a:rPr lang="en-US" dirty="0"/>
+                        <a:t>Food List</a:t>
+                      </a:r>
+                    </a:p>
+                  </a:txBody>
+                  <a:tcPr/>
+                </a:tc>
+                <a:tc>
+                  <a:txBody>
+                    <a:bodyPr/>
+                    <a:lstStyle/>
+                    <a:p>
+                      <a:pPr algn="ctr"/>
+                      <a:r>
+                        <a:rPr lang="en-US" dirty="0"/>
+                        <a:t>/</a:t>
+                      </a:r>
+                    </a:p>
+                  </a:txBody>
+                  <a:tcPr/>
+                </a:tc>
+                <a:tc>
+                  <a:txBody>
+                    <a:bodyPr/>
+                    <a:lstStyle/>
+                    <a:p>
+                      <a:pPr algn="ctr"/>
+                      <a:r>
+                        <a:rPr lang="en-US" dirty="0"/>
+                        <a:t>/</a:t>
+                      </a:r>
+                    </a:p>
+                  </a:txBody>
+                  <a:tcPr/>
+                </a:tc>
+                <a:tc>
+                  <a:txBody>
+                    <a:bodyPr/>
+                    <a:lstStyle/>
+                    <a:p>
+                      <a:pPr algn="ctr"/>
+                      <a:r>
+                        <a:rPr lang="en-US" dirty="0"/>
+                        <a:t>/</a:t>
+                      </a:r>
+                    </a:p>
+                  </a:txBody>
+                  <a:tcPr/>
+                </a:tc>
+                <a:tc>
+                  <a:txBody>
+                    <a:bodyPr/>
+                    <a:lstStyle/>
+                    <a:p>
+                      <a:pPr algn="ctr"/>
+                      <a:endParaRPr lang="en-US" dirty="0"/>
+                    </a:p>
+                  </a:txBody>
+                  <a:tcPr/>
+                </a:tc>
+                <a:extLst>
+                  <a:ext uri="{0D108BD9-81ED-4DB2-BD59-A6C34878D82A}">
+                    <a16:rowId xmlns:a16="http://schemas.microsoft.com/office/drawing/2014/main" val="1947788270"/>
+                  </a:ext>
+                </a:extLst>
+              </a:tr>
+              <a:tr h="348071">
+                <a:tc>
+                  <a:txBody>
+                    <a:bodyPr/>
+                    <a:lstStyle/>
+                    <a:p>
+                      <a:r>
+                        <a:rPr lang="en-US" dirty="0"/>
+                        <a:t>Graph</a:t>
+                      </a:r>
+                    </a:p>
+                  </a:txBody>
+                  <a:tcPr/>
+                </a:tc>
+                <a:tc>
+                  <a:txBody>
+                    <a:bodyPr/>
+                    <a:lstStyle/>
+                    <a:p>
+                      <a:pPr algn="ctr"/>
+                      <a:endParaRPr lang="en-US" dirty="0"/>
+                    </a:p>
+                  </a:txBody>
+                  <a:tcPr/>
+                </a:tc>
+                <a:tc>
+                  <a:txBody>
+                    <a:bodyPr/>
+                    <a:lstStyle/>
+                    <a:p>
+                      <a:pPr algn="ctr"/>
+                      <a:endParaRPr lang="en-US" dirty="0"/>
+                    </a:p>
+                  </a:txBody>
+                  <a:tcPr/>
+                </a:tc>
+                <a:tc>
+                  <a:txBody>
+                    <a:bodyPr/>
+                    <a:lstStyle/>
+                    <a:p>
+                      <a:pPr algn="ctr"/>
+                      <a:r>
+                        <a:rPr lang="en-US" dirty="0"/>
+                        <a:t>/</a:t>
+                      </a:r>
+                    </a:p>
+                  </a:txBody>
+                  <a:tcPr/>
+                </a:tc>
+                <a:tc>
+                  <a:txBody>
+                    <a:bodyPr/>
+                    <a:lstStyle/>
+                    <a:p>
+                      <a:pPr algn="ctr"/>
+                      <a:endParaRPr lang="en-US" dirty="0"/>
+                    </a:p>
+                  </a:txBody>
+                  <a:tcPr/>
+                </a:tc>
+                <a:extLst>
+                  <a:ext uri="{0D108BD9-81ED-4DB2-BD59-A6C34878D82A}">
+                    <a16:rowId xmlns:a16="http://schemas.microsoft.com/office/drawing/2014/main" val="3929480401"/>
+                  </a:ext>
+                </a:extLst>
+              </a:tr>
+            </a:tbl>
+          </a:graphicData>
+        </a:graphic>
+      </p:graphicFrame>
     </p:spTree>
     <p:extLst>
       <p:ext uri="{BB962C8B-B14F-4D97-AF65-F5344CB8AC3E}">
-        <p14:creationId xmlns:p14="http://schemas.microsoft.com/office/powerpoint/2010/main" val="295132545"/>
+        <p14:creationId xmlns:p14="http://schemas.microsoft.com/office/powerpoint/2010/main" val="750903798"/>
       </p:ext>
     </p:extLst>
   </p:cSld>

--- a/Diabetes Healthy.pptx
+++ b/Diabetes Healthy.pptx
@@ -12,17 +12,19 @@
     <p:sldId id="274" r:id="rId6"/>
     <p:sldId id="260" r:id="rId7"/>
     <p:sldId id="258" r:id="rId8"/>
-    <p:sldId id="262" r:id="rId9"/>
-    <p:sldId id="263" r:id="rId10"/>
-    <p:sldId id="265" r:id="rId11"/>
-    <p:sldId id="267" r:id="rId12"/>
-    <p:sldId id="266" r:id="rId13"/>
-    <p:sldId id="268" r:id="rId14"/>
-    <p:sldId id="269" r:id="rId15"/>
-    <p:sldId id="273" r:id="rId16"/>
-    <p:sldId id="270" r:id="rId17"/>
-    <p:sldId id="271" r:id="rId18"/>
-    <p:sldId id="272" r:id="rId19"/>
+    <p:sldId id="277" r:id="rId9"/>
+    <p:sldId id="276" r:id="rId10"/>
+    <p:sldId id="262" r:id="rId11"/>
+    <p:sldId id="263" r:id="rId12"/>
+    <p:sldId id="265" r:id="rId13"/>
+    <p:sldId id="267" r:id="rId14"/>
+    <p:sldId id="266" r:id="rId15"/>
+    <p:sldId id="268" r:id="rId16"/>
+    <p:sldId id="269" r:id="rId17"/>
+    <p:sldId id="273" r:id="rId18"/>
+    <p:sldId id="270" r:id="rId19"/>
+    <p:sldId id="271" r:id="rId20"/>
+    <p:sldId id="272" r:id="rId21"/>
   </p:sldIdLst>
   <p:sldSz cx="12192000" cy="6858000"/>
   <p:notesSz cx="6858000" cy="9144000"/>
@@ -133,6 +135,8 @@
             <p14:sldId id="274"/>
             <p14:sldId id="260"/>
             <p14:sldId id="258"/>
+            <p14:sldId id="277"/>
+            <p14:sldId id="276"/>
             <p14:sldId id="262"/>
             <p14:sldId id="263"/>
             <p14:sldId id="265"/>
@@ -153,6 +157,34 @@
     </p:ext>
   </p:extLst>
 </p:presentation>
+</file>
+
+<file path=ppt/ink/ink1.xml><?xml version="1.0" encoding="utf-8"?>
+<inkml:ink xmlns:inkml="http://www.w3.org/2003/InkML">
+  <inkml:definitions>
+    <inkml:context xml:id="ctx0">
+      <inkml:inkSource xml:id="inkSrc0">
+        <inkml:traceFormat>
+          <inkml:channel name="X" type="integer" max="3200" units="cm"/>
+          <inkml:channel name="Y" type="integer" max="1080" units="cm"/>
+          <inkml:channel name="T" type="integer" max="2.14748E9" units="dev"/>
+        </inkml:traceFormat>
+        <inkml:channelProperties>
+          <inkml:channelProperty channel="X" name="resolution" value="62.86837" units="1/cm"/>
+          <inkml:channelProperty channel="Y" name="resolution" value="37.76224" units="1/cm"/>
+          <inkml:channelProperty channel="T" name="resolution" value="1" units="1/dev"/>
+        </inkml:channelProperties>
+      </inkml:inkSource>
+      <inkml:timestamp xml:id="ts0" timeString="2017-02-05T17:30:30.758"/>
+    </inkml:context>
+    <inkml:brush xml:id="br0">
+      <inkml:brushProperty name="width" value="0.05292" units="cm"/>
+      <inkml:brushProperty name="height" value="0.05292" units="cm"/>
+      <inkml:brushProperty name="color" value="#FF0000"/>
+    </inkml:brush>
+  </inkml:definitions>
+  <inkml:trace contextRef="#ctx0" brushRef="#br0">4328 7262 0,'27'0'218,"29"0"-139,0 0-79,-28 0 15,28 0 1,-28 0-16,56 0 15,-1 0 1,1 0 15,0 0-31,28 0 16,-1 0 0,85 0-1,-57 0 1,29 0 15,55 0-15,-83 0-1,27 0 1,29 0 0,-85 0-1,29 0 1,-28 0-1,55 0 1,-83 0 0,-28 0 15,28 0-15,111 0-1,0 0 1,57-28-1,-141 1 1,57 27 0,-56 0-16,27 0 15,-55 0 17,0 0-32,27 0 15,-27 0 1,28 0 15,83 0-15,224-28 62,-335 28-78,-28 0 15,-28 0 1,167 0 0,28 0-1,1 0 1,111 0 0,-28 0-1,84 0 1,-56 0-1,139 0 1,-83 0 0,28 0-1,-28 0 1,28 0 0,27 0-1,-27 0 16,0 0-15,-84 0 0,-84 0-1,56 0 1,-27 0 0,-169 0-16,113 0 15,55 0 1,-56 0-1,56 0 1,84 0 15,-83 0-15,55 0 0,-84 0-1,56 0-15,28 0 16,0 0-1,28 0 1,140 0 15,-252 0-15,-56 0 0,1 0-1,27 0 1,1 0-1,-57 0 1,112 0 15,-83 0-15,27 0 0,0 0-1,1 0 1,167 0-1,-196 0 1,28 0 0,29 0-1,55 0 1,-168 0-16,85 0 16,-29 0-1,1 0 16,-1 0-15,1 0 0,-1 0 15,-28 0-15,-111 0-16,140 0 15,-29 0 1,1 0-1,-1 0 1,29 0 0,-29 0-1,140 0 1,-139 0 0,-1 0-1,-55 0 1,56 0-1,167 0 1,-56 83 0,-112-83-1,-83 28 1,0 0 0,0 0-1,27 0 1,57 0 15,-29 28-15,-55-56-1,56 56 1,55 0 0,-83-1-1,-28 1 1,-1-28-1,57 84 1,-84-56 0,0 28 15,0-1-15,-1 1-1,1 28 1,56 167-1,55 1 1,-83-29 0,-28-111-1,0 27 1,28-27 0,-56-84-1,-1 28 1,-27-1-1,0-27 1,28 0 0,0 0-1,-28 0 1,0 0 0,0 55 15,0 57-31,0-84 15,0 111 1,0-27 0,0 0-1,0-29 1,0 57 0,0 55-1,0-167 1,0 0-1,0 55 1,0 1 0,0 0 15,0 167-31,0-84 16,0 85-1,0 27 1,0-56-1,0-167 1,0 28 15,0-29-15,0 85 0,0-28-1,0 55 1,0-28-1,0 85 1,-28-141 0,0-27 15,-27 84-31,27-29 16,0 29 15,-28 27-16,0-27 1,-28-56 0,84-29-1,-83 29 1,83 0 0,-56-1-1,-56 85 1,28-85-1,-27-27 1,-1 0 0,-83 27 15,27-27-15,28-28-1,-139 28 1,-28-28-1,-112 55 1,112-111 0,84 56-1,-28-56 1,111 0 0,-28-28-1,1 28 1,-29-28-1,-27 0 1,28 0 0,27 56 15,29-56-15,-29 28-1,-55-28 1,-57 27-1,-138-27 1,194 0 0,29 56-1,27-28 1,-27 0 0,27-28-1,-111 56 1,140-56-1,55 0 1,0 0 0,0 28-1,1-28 1,-57 0 0,-28 0 15,29 0-31,55 0 31,-28 0-15,-27 0-1,-29 0 1,1 0 0,27 0-1,-27 0 1,27 0-1,-27 0 1,-57 0 0,85 0-1,-29 0 17,56 0-17,1 0 1,-1 0-1,-28 0 1,-27 0 0,-1 0-1,1 0 1,-29 0 0,-55 0-1,140 0-15,-197 0 16,29 0-1,28 0 1,-56 0 0,-28 0-1,0 0 1,28 0 0,-28 0-1,-112 0 16,-28 0-15,-111 0 0,-28 0-1,-56 0 1,418 0 0,29 0-1,28 0 1,55 0-1,-83 0 1,27 0 0,1 0-1,-1 0 1,57 0 15,-57 0-31,1 0 31,-84 0-15,27 0 0,57 0-1,27 0 1,1 0 0,-29 0-1,29 0 1,-56 0-1,-29 0 1,-55 0 0,-84 0 15,0 0-31,-279 0 16,168 0-1,27 0 16,140 0-15,-56 0 0,56 0-16,28 0 31,112 0-15,83 0-1,0 0 1,1 0-1,-29 0 1,-28 0 0,29 0-1,55 0 17,0 0-17,-55 0 1,27 0-1,0 0 1,-27 0 0,-29-28-1,57 28 1,-57 0 0,28-28-1,-83-28 1,139 28-1,-55-28 1,27-27 0,56 83 15,-55-84-15,55 28-1,28 28 1,-56-28-1,-28-111 1,1-85 0,-169-195-1,57 0 1,111 280-16,-55-224 16,83 195-1,56 57 1,28 27-1,0 0 1,-56-28 0,28-55-1,28 55 1,0-27 15,0 55-15,0 0-16,0-28 15,0-139 1,0 84 15,0 27-15,0 0 0,0 1-16,0-29 15,0 1 16,0-1-15,0 57 0,0-29 15,0-28-15,0 57-1,28-57 1,0 57-1,0 27 1,28-56 0,-56 57-1,28-113 1,56-27 0,-84-29-1,0 252 1,28-111-1,55-1 1,-83-83 0,28 111-16,0-84 15,28-83 1,-28 0 15,28 27-15,0 29-1,0 27 1,-56 29 0,0 139-1,27-196 17,57 1-17,-28 83-15,-56 112 16,28-139-1,0 83 1,-28 56 0,56-28-1,-56 0 17,28 0-32,0 1 46,27-29-30,29 0 0,-56 0-1,28 0 1,-28 84-16,0-28 16,28 1 30,-28-29-30,27 56 15,-55-28-31,28 0 32,0 28-32,0 0 31,0 0-16,0 0 1,28 0 0,-28 0-1,28 0 1,-29 0 0,57-28-1,0 28 1,0 0-1,27-28 1,-27 28 0,-28 0-1,0 0 1,0 0 15,55 0-15,-27 0-1,-56 0 1,28 0 0,-28 0-1,28 0 1,0 0 0,-29 0-1,1 0 1,0 0-1,0 0 48,0 0-47,0 0-1,28 0 32,-28 0-31,0 0 31,28 0-32,-29 0 16,29 0 1,-28 0-1,0 0 0,0 28-15,0 0-1,0-28 32,0 0-31,0 0 31,28 28-32,-28-28 79</inkml:trace>
+</inkml:ink>
 </file>
 
 <file path=ppt/slideLayouts/slideLayout1.xml><?xml version="1.0" encoding="utf-8"?>
@@ -295,7 +327,7 @@
             <a:fld id="{B61BEF0D-F0BB-DE4B-95CE-6DB70DBA9567}" type="datetimeFigureOut">
               <a:rPr lang="en-US" smtClean="0"/>
               <a:pPr/>
-              <a:t>2/5/2017</a:t>
+              <a:t>2/6/2017</a:t>
             </a:fld>
             <a:endParaRPr lang="en-US" dirty="0"/>
           </a:p>
@@ -507,7 +539,7 @@
           <a:p>
             <a:fld id="{55C6B4A9-1611-4792-9094-5F34BCA07E0B}" type="datetimeFigureOut">
               <a:rPr lang="en-US" smtClean="0"/>
-              <a:t>2/5/2017</a:t>
+              <a:t>2/6/2017</a:t>
             </a:fld>
             <a:endParaRPr lang="en-US" dirty="0"/>
           </a:p>
@@ -723,7 +755,7 @@
             <a:fld id="{B61BEF0D-F0BB-DE4B-95CE-6DB70DBA9567}" type="datetimeFigureOut">
               <a:rPr lang="en-US" smtClean="0"/>
               <a:pPr/>
-              <a:t>2/5/2017</a:t>
+              <a:t>2/6/2017</a:t>
             </a:fld>
             <a:endParaRPr lang="en-US" dirty="0"/>
           </a:p>
@@ -926,7 +958,7 @@
             <a:fld id="{B61BEF0D-F0BB-DE4B-95CE-6DB70DBA9567}" type="datetimeFigureOut">
               <a:rPr lang="en-US" smtClean="0"/>
               <a:pPr/>
-              <a:t>2/5/2017</a:t>
+              <a:t>2/6/2017</a:t>
             </a:fld>
             <a:endParaRPr lang="en-US" dirty="0"/>
           </a:p>
@@ -1207,7 +1239,7 @@
             <a:fld id="{B61BEF0D-F0BB-DE4B-95CE-6DB70DBA9567}" type="datetimeFigureOut">
               <a:rPr lang="en-US" smtClean="0"/>
               <a:pPr/>
-              <a:t>2/5/2017</a:t>
+              <a:t>2/6/2017</a:t>
             </a:fld>
             <a:endParaRPr lang="en-US" dirty="0"/>
           </a:p>
@@ -1476,7 +1508,7 @@
           <a:p>
             <a:fld id="{EB712588-04B1-427B-82EE-E8DB90309F08}" type="datetimeFigureOut">
               <a:rPr lang="en-US" smtClean="0"/>
-              <a:t>2/5/2017</a:t>
+              <a:t>2/6/2017</a:t>
             </a:fld>
             <a:endParaRPr lang="en-US" dirty="0"/>
           </a:p>
@@ -1893,7 +1925,7 @@
             <a:fld id="{B61BEF0D-F0BB-DE4B-95CE-6DB70DBA9567}" type="datetimeFigureOut">
               <a:rPr lang="en-US" smtClean="0"/>
               <a:pPr/>
-              <a:t>2/5/2017</a:t>
+              <a:t>2/6/2017</a:t>
             </a:fld>
             <a:endParaRPr lang="en-US" dirty="0"/>
           </a:p>
@@ -2044,7 +2076,7 @@
             <a:fld id="{B61BEF0D-F0BB-DE4B-95CE-6DB70DBA9567}" type="datetimeFigureOut">
               <a:rPr lang="en-US" smtClean="0"/>
               <a:pPr/>
-              <a:t>2/5/2017</a:t>
+              <a:t>2/6/2017</a:t>
             </a:fld>
             <a:endParaRPr lang="en-US" dirty="0"/>
           </a:p>
@@ -2172,7 +2204,7 @@
             <a:fld id="{B61BEF0D-F0BB-DE4B-95CE-6DB70DBA9567}" type="datetimeFigureOut">
               <a:rPr lang="en-US" smtClean="0"/>
               <a:pPr/>
-              <a:t>2/5/2017</a:t>
+              <a:t>2/6/2017</a:t>
             </a:fld>
             <a:endParaRPr lang="en-US" dirty="0"/>
           </a:p>
@@ -2424,7 +2456,7 @@
           <a:p>
             <a:fld id="{42A54C80-263E-416B-A8E0-580EDEADCBDC}" type="datetimeFigureOut">
               <a:rPr lang="en-US" smtClean="0"/>
-              <a:t>2/5/2017</a:t>
+              <a:t>2/6/2017</a:t>
             </a:fld>
             <a:endParaRPr lang="en-US" dirty="0"/>
           </a:p>
@@ -2870,7 +2902,7 @@
             <a:fld id="{B61BEF0D-F0BB-DE4B-95CE-6DB70DBA9567}" type="datetimeFigureOut">
               <a:rPr lang="en-US" smtClean="0"/>
               <a:pPr/>
-              <a:t>2/5/2017</a:t>
+              <a:t>2/6/2017</a:t>
             </a:fld>
             <a:endParaRPr lang="en-US" dirty="0"/>
           </a:p>
@@ -3198,7 +3230,7 @@
             <a:fld id="{B61BEF0D-F0BB-DE4B-95CE-6DB70DBA9567}" type="datetimeFigureOut">
               <a:rPr lang="en-US" smtClean="0"/>
               <a:pPr/>
-              <a:t>2/5/2017</a:t>
+              <a:t>2/6/2017</a:t>
             </a:fld>
             <a:endParaRPr lang="en-US" dirty="0"/>
           </a:p>
@@ -3836,1231 +3868,6 @@
 </file>
 
 <file path=ppt/slides/slide10.xml><?xml version="1.0" encoding="utf-8"?>
-<p:sld xmlns:a="http://schemas.openxmlformats.org/drawingml/2006/main" xmlns:r="http://schemas.openxmlformats.org/officeDocument/2006/relationships" xmlns:p="http://schemas.openxmlformats.org/presentationml/2006/main">
-  <p:cSld>
-    <p:spTree>
-      <p:nvGrpSpPr>
-        <p:cNvPr id="1" name=""/>
-        <p:cNvGrpSpPr/>
-        <p:nvPr/>
-      </p:nvGrpSpPr>
-      <p:grpSpPr>
-        <a:xfrm>
-          <a:off x="0" y="0"/>
-          <a:ext cx="0" cy="0"/>
-          <a:chOff x="0" y="0"/>
-          <a:chExt cx="0" cy="0"/>
-        </a:xfrm>
-      </p:grpSpPr>
-      <p:pic>
-        <p:nvPicPr>
-          <p:cNvPr id="5" name="Content Placeholder 4"/>
-          <p:cNvPicPr>
-            <a:picLocks noGrp="1" noChangeAspect="1"/>
-          </p:cNvPicPr>
-          <p:nvPr>
-            <p:ph idx="1"/>
-          </p:nvPr>
-        </p:nvPicPr>
-        <p:blipFill>
-          <a:blip r:embed="rId2"/>
-          <a:stretch>
-            <a:fillRect/>
-          </a:stretch>
-        </p:blipFill>
-        <p:spPr>
-          <a:xfrm>
-            <a:off x="4842102" y="1329136"/>
-            <a:ext cx="2822227" cy="4678956"/>
-          </a:xfrm>
-        </p:spPr>
-      </p:pic>
-    </p:spTree>
-    <p:extLst>
-      <p:ext uri="{BB962C8B-B14F-4D97-AF65-F5344CB8AC3E}">
-        <p14:creationId xmlns:p14="http://schemas.microsoft.com/office/powerpoint/2010/main" val="1875910103"/>
-      </p:ext>
-    </p:extLst>
-  </p:cSld>
-  <p:clrMapOvr>
-    <a:masterClrMapping/>
-  </p:clrMapOvr>
-</p:sld>
-</file>
-
-<file path=ppt/slides/slide11.xml><?xml version="1.0" encoding="utf-8"?>
-<p:sld xmlns:a="http://schemas.openxmlformats.org/drawingml/2006/main" xmlns:r="http://schemas.openxmlformats.org/officeDocument/2006/relationships" xmlns:p="http://schemas.openxmlformats.org/presentationml/2006/main">
-  <p:cSld>
-    <p:spTree>
-      <p:nvGrpSpPr>
-        <p:cNvPr id="1" name=""/>
-        <p:cNvGrpSpPr/>
-        <p:nvPr/>
-      </p:nvGrpSpPr>
-      <p:grpSpPr>
-        <a:xfrm>
-          <a:off x="0" y="0"/>
-          <a:ext cx="0" cy="0"/>
-          <a:chOff x="0" y="0"/>
-          <a:chExt cx="0" cy="0"/>
-        </a:xfrm>
-      </p:grpSpPr>
-      <p:sp>
-        <p:nvSpPr>
-          <p:cNvPr id="2" name="Title 1"/>
-          <p:cNvSpPr>
-            <a:spLocks noGrp="1"/>
-          </p:cNvSpPr>
-          <p:nvPr>
-            <p:ph type="title"/>
-          </p:nvPr>
-        </p:nvSpPr>
-        <p:spPr/>
-        <p:txBody>
-          <a:bodyPr/>
-          <a:lstStyle/>
-          <a:p>
-            <a:endParaRPr lang="en-US"/>
-          </a:p>
-        </p:txBody>
-      </p:sp>
-      <p:pic>
-        <p:nvPicPr>
-          <p:cNvPr id="5" name="Content Placeholder 4"/>
-          <p:cNvPicPr>
-            <a:picLocks noGrp="1" noChangeAspect="1"/>
-          </p:cNvPicPr>
-          <p:nvPr>
-            <p:ph idx="1"/>
-          </p:nvPr>
-        </p:nvPicPr>
-        <p:blipFill>
-          <a:blip r:embed="rId2"/>
-          <a:stretch>
-            <a:fillRect/>
-          </a:stretch>
-        </p:blipFill>
-        <p:spPr>
-          <a:xfrm>
-            <a:off x="4888417" y="1329136"/>
-            <a:ext cx="2729597" cy="4525385"/>
-          </a:xfrm>
-        </p:spPr>
-      </p:pic>
-    </p:spTree>
-    <p:extLst>
-      <p:ext uri="{BB962C8B-B14F-4D97-AF65-F5344CB8AC3E}">
-        <p14:creationId xmlns:p14="http://schemas.microsoft.com/office/powerpoint/2010/main" val="1356178450"/>
-      </p:ext>
-    </p:extLst>
-  </p:cSld>
-  <p:clrMapOvr>
-    <a:masterClrMapping/>
-  </p:clrMapOvr>
-</p:sld>
-</file>
-
-<file path=ppt/slides/slide12.xml><?xml version="1.0" encoding="utf-8"?>
-<p:sld xmlns:a="http://schemas.openxmlformats.org/drawingml/2006/main" xmlns:r="http://schemas.openxmlformats.org/officeDocument/2006/relationships" xmlns:p="http://schemas.openxmlformats.org/presentationml/2006/main">
-  <p:cSld>
-    <p:spTree>
-      <p:nvGrpSpPr>
-        <p:cNvPr id="1" name=""/>
-        <p:cNvGrpSpPr/>
-        <p:nvPr/>
-      </p:nvGrpSpPr>
-      <p:grpSpPr>
-        <a:xfrm>
-          <a:off x="0" y="0"/>
-          <a:ext cx="0" cy="0"/>
-          <a:chOff x="0" y="0"/>
-          <a:chExt cx="0" cy="0"/>
-        </a:xfrm>
-      </p:grpSpPr>
-      <p:sp>
-        <p:nvSpPr>
-          <p:cNvPr id="2" name="Title 1"/>
-          <p:cNvSpPr>
-            <a:spLocks noGrp="1"/>
-          </p:cNvSpPr>
-          <p:nvPr>
-            <p:ph type="title"/>
-          </p:nvPr>
-        </p:nvSpPr>
-        <p:spPr/>
-        <p:txBody>
-          <a:bodyPr/>
-          <a:lstStyle/>
-          <a:p>
-            <a:endParaRPr lang="en-US"/>
-          </a:p>
-        </p:txBody>
-      </p:sp>
-      <p:pic>
-        <p:nvPicPr>
-          <p:cNvPr id="5" name="Content Placeholder 4"/>
-          <p:cNvPicPr>
-            <a:picLocks noGrp="1" noChangeAspect="1"/>
-          </p:cNvPicPr>
-          <p:nvPr>
-            <p:ph idx="1"/>
-          </p:nvPr>
-        </p:nvPicPr>
-        <p:blipFill>
-          <a:blip r:embed="rId2"/>
-          <a:stretch>
-            <a:fillRect/>
-          </a:stretch>
-        </p:blipFill>
-        <p:spPr>
-          <a:xfrm>
-            <a:off x="4800333" y="1261611"/>
-            <a:ext cx="2905766" cy="4817455"/>
-          </a:xfrm>
-        </p:spPr>
-      </p:pic>
-    </p:spTree>
-    <p:extLst>
-      <p:ext uri="{BB962C8B-B14F-4D97-AF65-F5344CB8AC3E}">
-        <p14:creationId xmlns:p14="http://schemas.microsoft.com/office/powerpoint/2010/main" val="3135043012"/>
-      </p:ext>
-    </p:extLst>
-  </p:cSld>
-  <p:clrMapOvr>
-    <a:masterClrMapping/>
-  </p:clrMapOvr>
-</p:sld>
-</file>
-
-<file path=ppt/slides/slide13.xml><?xml version="1.0" encoding="utf-8"?>
-<p:sld xmlns:a="http://schemas.openxmlformats.org/drawingml/2006/main" xmlns:r="http://schemas.openxmlformats.org/officeDocument/2006/relationships" xmlns:p="http://schemas.openxmlformats.org/presentationml/2006/main">
-  <p:cSld>
-    <p:spTree>
-      <p:nvGrpSpPr>
-        <p:cNvPr id="1" name=""/>
-        <p:cNvGrpSpPr/>
-        <p:nvPr/>
-      </p:nvGrpSpPr>
-      <p:grpSpPr>
-        <a:xfrm>
-          <a:off x="0" y="0"/>
-          <a:ext cx="0" cy="0"/>
-          <a:chOff x="0" y="0"/>
-          <a:chExt cx="0" cy="0"/>
-        </a:xfrm>
-      </p:grpSpPr>
-      <p:sp>
-        <p:nvSpPr>
-          <p:cNvPr id="2" name="Title 1"/>
-          <p:cNvSpPr>
-            <a:spLocks noGrp="1"/>
-          </p:cNvSpPr>
-          <p:nvPr>
-            <p:ph type="title"/>
-          </p:nvPr>
-        </p:nvSpPr>
-        <p:spPr/>
-        <p:txBody>
-          <a:bodyPr/>
-          <a:lstStyle/>
-          <a:p>
-            <a:endParaRPr lang="en-US"/>
-          </a:p>
-        </p:txBody>
-      </p:sp>
-      <p:pic>
-        <p:nvPicPr>
-          <p:cNvPr id="5" name="Content Placeholder 4"/>
-          <p:cNvPicPr>
-            <a:picLocks noGrp="1" noChangeAspect="1"/>
-          </p:cNvPicPr>
-          <p:nvPr>
-            <p:ph idx="1"/>
-          </p:nvPr>
-        </p:nvPicPr>
-        <p:blipFill>
-          <a:blip r:embed="rId2"/>
-          <a:stretch>
-            <a:fillRect/>
-          </a:stretch>
-        </p:blipFill>
-        <p:spPr>
-          <a:xfrm>
-            <a:off x="4812916" y="1329136"/>
-            <a:ext cx="2880599" cy="4775730"/>
-          </a:xfrm>
-        </p:spPr>
-      </p:pic>
-    </p:spTree>
-    <p:extLst>
-      <p:ext uri="{BB962C8B-B14F-4D97-AF65-F5344CB8AC3E}">
-        <p14:creationId xmlns:p14="http://schemas.microsoft.com/office/powerpoint/2010/main" val="3366851325"/>
-      </p:ext>
-    </p:extLst>
-  </p:cSld>
-  <p:clrMapOvr>
-    <a:masterClrMapping/>
-  </p:clrMapOvr>
-</p:sld>
-</file>
-
-<file path=ppt/slides/slide14.xml><?xml version="1.0" encoding="utf-8"?>
-<p:sld xmlns:a="http://schemas.openxmlformats.org/drawingml/2006/main" xmlns:r="http://schemas.openxmlformats.org/officeDocument/2006/relationships" xmlns:p="http://schemas.openxmlformats.org/presentationml/2006/main">
-  <p:cSld>
-    <p:spTree>
-      <p:nvGrpSpPr>
-        <p:cNvPr id="1" name=""/>
-        <p:cNvGrpSpPr/>
-        <p:nvPr/>
-      </p:nvGrpSpPr>
-      <p:grpSpPr>
-        <a:xfrm>
-          <a:off x="0" y="0"/>
-          <a:ext cx="0" cy="0"/>
-          <a:chOff x="0" y="0"/>
-          <a:chExt cx="0" cy="0"/>
-        </a:xfrm>
-      </p:grpSpPr>
-      <p:sp>
-        <p:nvSpPr>
-          <p:cNvPr id="2" name="Title 1"/>
-          <p:cNvSpPr>
-            <a:spLocks noGrp="1"/>
-          </p:cNvSpPr>
-          <p:nvPr>
-            <p:ph type="title"/>
-          </p:nvPr>
-        </p:nvSpPr>
-        <p:spPr/>
-        <p:txBody>
-          <a:bodyPr/>
-          <a:lstStyle/>
-          <a:p>
-            <a:endParaRPr lang="en-US"/>
-          </a:p>
-        </p:txBody>
-      </p:sp>
-      <p:pic>
-        <p:nvPicPr>
-          <p:cNvPr id="5" name="Content Placeholder 4"/>
-          <p:cNvPicPr>
-            <a:picLocks noGrp="1" noChangeAspect="1"/>
-          </p:cNvPicPr>
-          <p:nvPr>
-            <p:ph idx="1"/>
-          </p:nvPr>
-        </p:nvPicPr>
-        <p:blipFill>
-          <a:blip r:embed="rId2"/>
-          <a:stretch>
-            <a:fillRect/>
-          </a:stretch>
-        </p:blipFill>
-        <p:spPr>
-          <a:xfrm>
-            <a:off x="7011698" y="1199362"/>
-            <a:ext cx="2725726" cy="4518967"/>
-          </a:xfrm>
-        </p:spPr>
-      </p:pic>
-      <p:pic>
-        <p:nvPicPr>
-          <p:cNvPr id="7" name="Picture 6"/>
-          <p:cNvPicPr>
-            <a:picLocks noChangeAspect="1"/>
-          </p:cNvPicPr>
-          <p:nvPr/>
-        </p:nvPicPr>
-        <p:blipFill>
-          <a:blip r:embed="rId3"/>
-          <a:stretch>
-            <a:fillRect/>
-          </a:stretch>
-        </p:blipFill>
-        <p:spPr>
-          <a:xfrm>
-            <a:off x="4460769" y="1717761"/>
-            <a:ext cx="1729960" cy="2868091"/>
-          </a:xfrm>
-          <a:prstGeom prst="rect">
-            <a:avLst/>
-          </a:prstGeom>
-        </p:spPr>
-      </p:pic>
-      <p:pic>
-        <p:nvPicPr>
-          <p:cNvPr id="11" name="Picture 10"/>
-          <p:cNvPicPr>
-            <a:picLocks noChangeAspect="1"/>
-          </p:cNvPicPr>
-          <p:nvPr/>
-        </p:nvPicPr>
-        <p:blipFill>
-          <a:blip r:embed="rId4"/>
-          <a:stretch>
-            <a:fillRect/>
-          </a:stretch>
-        </p:blipFill>
-        <p:spPr>
-          <a:xfrm>
-            <a:off x="3213989" y="1354119"/>
-            <a:ext cx="1729960" cy="2868091"/>
-          </a:xfrm>
-          <a:prstGeom prst="rect">
-            <a:avLst/>
-          </a:prstGeom>
-        </p:spPr>
-      </p:pic>
-      <p:pic>
-        <p:nvPicPr>
-          <p:cNvPr id="9" name="Picture 8"/>
-          <p:cNvPicPr>
-            <a:picLocks noChangeAspect="1"/>
-          </p:cNvPicPr>
-          <p:nvPr/>
-        </p:nvPicPr>
-        <p:blipFill>
-          <a:blip r:embed="rId5"/>
-          <a:stretch>
-            <a:fillRect/>
-          </a:stretch>
-        </p:blipFill>
-        <p:spPr>
-          <a:xfrm>
-            <a:off x="1909840" y="1010801"/>
-            <a:ext cx="1729960" cy="2868091"/>
-          </a:xfrm>
-          <a:prstGeom prst="rect">
-            <a:avLst/>
-          </a:prstGeom>
-        </p:spPr>
-      </p:pic>
-    </p:spTree>
-    <p:extLst>
-      <p:ext uri="{BB962C8B-B14F-4D97-AF65-F5344CB8AC3E}">
-        <p14:creationId xmlns:p14="http://schemas.microsoft.com/office/powerpoint/2010/main" val="1440533953"/>
-      </p:ext>
-    </p:extLst>
-  </p:cSld>
-  <p:clrMapOvr>
-    <a:masterClrMapping/>
-  </p:clrMapOvr>
-</p:sld>
-</file>
-
-<file path=ppt/slides/slide15.xml><?xml version="1.0" encoding="utf-8"?>
-<p:sld xmlns:a="http://schemas.openxmlformats.org/drawingml/2006/main" xmlns:r="http://schemas.openxmlformats.org/officeDocument/2006/relationships" xmlns:p="http://schemas.openxmlformats.org/presentationml/2006/main">
-  <p:cSld>
-    <p:spTree>
-      <p:nvGrpSpPr>
-        <p:cNvPr id="1" name=""/>
-        <p:cNvGrpSpPr/>
-        <p:nvPr/>
-      </p:nvGrpSpPr>
-      <p:grpSpPr>
-        <a:xfrm>
-          <a:off x="0" y="0"/>
-          <a:ext cx="0" cy="0"/>
-          <a:chOff x="0" y="0"/>
-          <a:chExt cx="0" cy="0"/>
-        </a:xfrm>
-      </p:grpSpPr>
-      <p:pic>
-        <p:nvPicPr>
-          <p:cNvPr id="5" name="Content Placeholder 4"/>
-          <p:cNvPicPr>
-            <a:picLocks noGrp="1" noChangeAspect="1"/>
-          </p:cNvPicPr>
-          <p:nvPr>
-            <p:ph idx="1"/>
-          </p:nvPr>
-        </p:nvPicPr>
-        <p:blipFill>
-          <a:blip r:embed="rId2"/>
-          <a:stretch>
-            <a:fillRect/>
-          </a:stretch>
-        </p:blipFill>
-        <p:spPr>
-          <a:xfrm>
-            <a:off x="4985579" y="1329136"/>
-            <a:ext cx="2535273" cy="4500110"/>
-          </a:xfrm>
-        </p:spPr>
-      </p:pic>
-    </p:spTree>
-    <p:extLst>
-      <p:ext uri="{BB962C8B-B14F-4D97-AF65-F5344CB8AC3E}">
-        <p14:creationId xmlns:p14="http://schemas.microsoft.com/office/powerpoint/2010/main" val="3225411339"/>
-      </p:ext>
-    </p:extLst>
-  </p:cSld>
-  <p:clrMapOvr>
-    <a:masterClrMapping/>
-  </p:clrMapOvr>
-</p:sld>
-</file>
-
-<file path=ppt/slides/slide16.xml><?xml version="1.0" encoding="utf-8"?>
-<p:sld xmlns:a="http://schemas.openxmlformats.org/drawingml/2006/main" xmlns:r="http://schemas.openxmlformats.org/officeDocument/2006/relationships" xmlns:p="http://schemas.openxmlformats.org/presentationml/2006/main">
-  <p:cSld>
-    <p:spTree>
-      <p:nvGrpSpPr>
-        <p:cNvPr id="1" name=""/>
-        <p:cNvGrpSpPr/>
-        <p:nvPr/>
-      </p:nvGrpSpPr>
-      <p:grpSpPr>
-        <a:xfrm>
-          <a:off x="0" y="0"/>
-          <a:ext cx="0" cy="0"/>
-          <a:chOff x="0" y="0"/>
-          <a:chExt cx="0" cy="0"/>
-        </a:xfrm>
-      </p:grpSpPr>
-      <p:sp>
-        <p:nvSpPr>
-          <p:cNvPr id="2" name="Title 1"/>
-          <p:cNvSpPr>
-            <a:spLocks noGrp="1"/>
-          </p:cNvSpPr>
-          <p:nvPr>
-            <p:ph type="title"/>
-          </p:nvPr>
-        </p:nvSpPr>
-        <p:spPr/>
-        <p:txBody>
-          <a:bodyPr/>
-          <a:lstStyle/>
-          <a:p>
-            <a:endParaRPr lang="en-US"/>
-          </a:p>
-        </p:txBody>
-      </p:sp>
-      <p:pic>
-        <p:nvPicPr>
-          <p:cNvPr id="5" name="Content Placeholder 4"/>
-          <p:cNvPicPr>
-            <a:picLocks noGrp="1" noChangeAspect="1"/>
-          </p:cNvPicPr>
-          <p:nvPr>
-            <p:ph idx="1"/>
-          </p:nvPr>
-        </p:nvPicPr>
-        <p:blipFill>
-          <a:blip r:embed="rId2"/>
-          <a:stretch>
-            <a:fillRect/>
-          </a:stretch>
-        </p:blipFill>
-        <p:spPr>
-          <a:xfrm>
-            <a:off x="4745731" y="1068664"/>
-            <a:ext cx="3014970" cy="4864791"/>
-          </a:xfrm>
-        </p:spPr>
-      </p:pic>
-    </p:spTree>
-    <p:extLst>
-      <p:ext uri="{BB962C8B-B14F-4D97-AF65-F5344CB8AC3E}">
-        <p14:creationId xmlns:p14="http://schemas.microsoft.com/office/powerpoint/2010/main" val="2221745660"/>
-      </p:ext>
-    </p:extLst>
-  </p:cSld>
-  <p:clrMapOvr>
-    <a:masterClrMapping/>
-  </p:clrMapOvr>
-</p:sld>
-</file>
-
-<file path=ppt/slides/slide17.xml><?xml version="1.0" encoding="utf-8"?>
-<p:sld xmlns:a="http://schemas.openxmlformats.org/drawingml/2006/main" xmlns:r="http://schemas.openxmlformats.org/officeDocument/2006/relationships" xmlns:p="http://schemas.openxmlformats.org/presentationml/2006/main">
-  <p:cSld>
-    <p:spTree>
-      <p:nvGrpSpPr>
-        <p:cNvPr id="1" name=""/>
-        <p:cNvGrpSpPr/>
-        <p:nvPr/>
-      </p:nvGrpSpPr>
-      <p:grpSpPr>
-        <a:xfrm>
-          <a:off x="0" y="0"/>
-          <a:ext cx="0" cy="0"/>
-          <a:chOff x="0" y="0"/>
-          <a:chExt cx="0" cy="0"/>
-        </a:xfrm>
-      </p:grpSpPr>
-      <p:sp>
-        <p:nvSpPr>
-          <p:cNvPr id="2" name="Title 1"/>
-          <p:cNvSpPr>
-            <a:spLocks noGrp="1"/>
-          </p:cNvSpPr>
-          <p:nvPr>
-            <p:ph type="title"/>
-          </p:nvPr>
-        </p:nvSpPr>
-        <p:spPr/>
-        <p:txBody>
-          <a:bodyPr/>
-          <a:lstStyle/>
-          <a:p>
-            <a:endParaRPr lang="en-US"/>
-          </a:p>
-        </p:txBody>
-      </p:sp>
-      <p:pic>
-        <p:nvPicPr>
-          <p:cNvPr id="5" name="Content Placeholder 4"/>
-          <p:cNvPicPr>
-            <a:picLocks noGrp="1" noChangeAspect="1"/>
-          </p:cNvPicPr>
-          <p:nvPr>
-            <p:ph idx="1"/>
-          </p:nvPr>
-        </p:nvPicPr>
-        <p:blipFill>
-          <a:blip r:embed="rId2"/>
-          <a:stretch>
-            <a:fillRect/>
-          </a:stretch>
-        </p:blipFill>
-        <p:spPr>
-          <a:xfrm>
-            <a:off x="4628890" y="1135776"/>
-            <a:ext cx="3248651" cy="4794477"/>
-          </a:xfrm>
-        </p:spPr>
-      </p:pic>
-    </p:spTree>
-    <p:extLst>
-      <p:ext uri="{BB962C8B-B14F-4D97-AF65-F5344CB8AC3E}">
-        <p14:creationId xmlns:p14="http://schemas.microsoft.com/office/powerpoint/2010/main" val="1589791158"/>
-      </p:ext>
-    </p:extLst>
-  </p:cSld>
-  <p:clrMapOvr>
-    <a:masterClrMapping/>
-  </p:clrMapOvr>
-</p:sld>
-</file>
-
-<file path=ppt/slides/slide18.xml><?xml version="1.0" encoding="utf-8"?>
-<p:sld xmlns:a="http://schemas.openxmlformats.org/drawingml/2006/main" xmlns:r="http://schemas.openxmlformats.org/officeDocument/2006/relationships" xmlns:p="http://schemas.openxmlformats.org/presentationml/2006/main">
-  <p:cSld>
-    <p:spTree>
-      <p:nvGrpSpPr>
-        <p:cNvPr id="1" name=""/>
-        <p:cNvGrpSpPr/>
-        <p:nvPr/>
-      </p:nvGrpSpPr>
-      <p:grpSpPr>
-        <a:xfrm>
-          <a:off x="0" y="0"/>
-          <a:ext cx="0" cy="0"/>
-          <a:chOff x="0" y="0"/>
-          <a:chExt cx="0" cy="0"/>
-        </a:xfrm>
-      </p:grpSpPr>
-      <p:sp>
-        <p:nvSpPr>
-          <p:cNvPr id="2" name="Title 1"/>
-          <p:cNvSpPr>
-            <a:spLocks noGrp="1"/>
-          </p:cNvSpPr>
-          <p:nvPr>
-            <p:ph type="title"/>
-          </p:nvPr>
-        </p:nvSpPr>
-        <p:spPr/>
-        <p:txBody>
-          <a:bodyPr/>
-          <a:lstStyle/>
-          <a:p>
-            <a:endParaRPr lang="en-US" dirty="0"/>
-          </a:p>
-        </p:txBody>
-      </p:sp>
-      <p:pic>
-        <p:nvPicPr>
-          <p:cNvPr id="5" name="Content Placeholder 4"/>
-          <p:cNvPicPr>
-            <a:picLocks noGrp="1" noChangeAspect="1"/>
-          </p:cNvPicPr>
-          <p:nvPr>
-            <p:ph idx="1"/>
-          </p:nvPr>
-        </p:nvPicPr>
-        <p:blipFill>
-          <a:blip r:embed="rId2"/>
-          <a:stretch>
-            <a:fillRect/>
-          </a:stretch>
-        </p:blipFill>
-        <p:spPr>
-          <a:xfrm>
-            <a:off x="4822213" y="1244833"/>
-            <a:ext cx="2862005" cy="4744906"/>
-          </a:xfrm>
-        </p:spPr>
-      </p:pic>
-    </p:spTree>
-    <p:extLst>
-      <p:ext uri="{BB962C8B-B14F-4D97-AF65-F5344CB8AC3E}">
-        <p14:creationId xmlns:p14="http://schemas.microsoft.com/office/powerpoint/2010/main" val="616464803"/>
-      </p:ext>
-    </p:extLst>
-  </p:cSld>
-  <p:clrMapOvr>
-    <a:masterClrMapping/>
-  </p:clrMapOvr>
-</p:sld>
-</file>
-
-<file path=ppt/slides/slide2.xml><?xml version="1.0" encoding="utf-8"?>
-<p:sld xmlns:a="http://schemas.openxmlformats.org/drawingml/2006/main" xmlns:r="http://schemas.openxmlformats.org/officeDocument/2006/relationships" xmlns:p="http://schemas.openxmlformats.org/presentationml/2006/main">
-  <p:cSld>
-    <p:spTree>
-      <p:nvGrpSpPr>
-        <p:cNvPr id="1" name=""/>
-        <p:cNvGrpSpPr/>
-        <p:nvPr/>
-      </p:nvGrpSpPr>
-      <p:grpSpPr>
-        <a:xfrm>
-          <a:off x="0" y="0"/>
-          <a:ext cx="0" cy="0"/>
-          <a:chOff x="0" y="0"/>
-          <a:chExt cx="0" cy="0"/>
-        </a:xfrm>
-      </p:grpSpPr>
-      <p:sp>
-        <p:nvSpPr>
-          <p:cNvPr id="2" name="Title 1"/>
-          <p:cNvSpPr>
-            <a:spLocks noGrp="1"/>
-          </p:cNvSpPr>
-          <p:nvPr>
-            <p:ph type="title"/>
-          </p:nvPr>
-        </p:nvSpPr>
-        <p:spPr>
-          <a:xfrm>
-            <a:off x="1451579" y="804519"/>
-            <a:ext cx="9603275" cy="1049235"/>
-          </a:xfrm>
-        </p:spPr>
-        <p:txBody>
-          <a:bodyPr>
-            <a:noAutofit/>
-          </a:bodyPr>
-          <a:lstStyle/>
-          <a:p>
-            <a:r>
-              <a:rPr lang="th-TH" sz="4800"/>
-              <a:t>ที่มาและความสำคัญของปัญหา</a:t>
-            </a:r>
-            <a:br>
-              <a:rPr lang="en-US" sz="4800"/>
-            </a:br>
-            <a:endParaRPr lang="th-TH" sz="4800" dirty="0"/>
-          </a:p>
-        </p:txBody>
-      </p:sp>
-      <p:pic>
-        <p:nvPicPr>
-          <p:cNvPr id="6" name="Content Placeholder 5"/>
-          <p:cNvPicPr>
-            <a:picLocks noGrp="1" noChangeAspect="1"/>
-          </p:cNvPicPr>
-          <p:nvPr>
-            <p:ph idx="1"/>
-          </p:nvPr>
-        </p:nvPicPr>
-        <p:blipFill>
-          <a:blip r:embed="rId2"/>
-          <a:stretch>
-            <a:fillRect/>
-          </a:stretch>
-        </p:blipFill>
-        <p:spPr>
-          <a:xfrm>
-            <a:off x="3388730" y="2016125"/>
-            <a:ext cx="5728864" cy="3449638"/>
-          </a:xfrm>
-        </p:spPr>
-      </p:pic>
-    </p:spTree>
-    <p:extLst>
-      <p:ext uri="{BB962C8B-B14F-4D97-AF65-F5344CB8AC3E}">
-        <p14:creationId xmlns:p14="http://schemas.microsoft.com/office/powerpoint/2010/main" val="3382191361"/>
-      </p:ext>
-    </p:extLst>
-  </p:cSld>
-  <p:clrMapOvr>
-    <a:masterClrMapping/>
-  </p:clrMapOvr>
-</p:sld>
-</file>
-
-<file path=ppt/slides/slide3.xml><?xml version="1.0" encoding="utf-8"?>
-<p:sld xmlns:a="http://schemas.openxmlformats.org/drawingml/2006/main" xmlns:r="http://schemas.openxmlformats.org/officeDocument/2006/relationships" xmlns:p="http://schemas.openxmlformats.org/presentationml/2006/main">
-  <p:cSld>
-    <p:spTree>
-      <p:nvGrpSpPr>
-        <p:cNvPr id="1" name=""/>
-        <p:cNvGrpSpPr/>
-        <p:nvPr/>
-      </p:nvGrpSpPr>
-      <p:grpSpPr>
-        <a:xfrm>
-          <a:off x="0" y="0"/>
-          <a:ext cx="0" cy="0"/>
-          <a:chOff x="0" y="0"/>
-          <a:chExt cx="0" cy="0"/>
-        </a:xfrm>
-      </p:grpSpPr>
-      <p:sp>
-        <p:nvSpPr>
-          <p:cNvPr id="2" name="Title 1"/>
-          <p:cNvSpPr>
-            <a:spLocks noGrp="1"/>
-          </p:cNvSpPr>
-          <p:nvPr>
-            <p:ph type="title"/>
-          </p:nvPr>
-        </p:nvSpPr>
-        <p:spPr/>
-        <p:txBody>
-          <a:bodyPr/>
-          <a:lstStyle/>
-          <a:p>
-            <a:endParaRPr lang="en-US"/>
-          </a:p>
-        </p:txBody>
-      </p:sp>
-      <p:pic>
-        <p:nvPicPr>
-          <p:cNvPr id="5" name="Content Placeholder 4"/>
-          <p:cNvPicPr>
-            <a:picLocks noGrp="1" noChangeAspect="1"/>
-          </p:cNvPicPr>
-          <p:nvPr>
-            <p:ph idx="1"/>
-          </p:nvPr>
-        </p:nvPicPr>
-        <p:blipFill>
-          <a:blip r:embed="rId2"/>
-          <a:stretch>
-            <a:fillRect/>
-          </a:stretch>
-        </p:blipFill>
-        <p:spPr>
-          <a:xfrm>
-            <a:off x="3180966" y="2016125"/>
-            <a:ext cx="6144393" cy="3449638"/>
-          </a:xfrm>
-        </p:spPr>
-      </p:pic>
-    </p:spTree>
-    <p:extLst>
-      <p:ext uri="{BB962C8B-B14F-4D97-AF65-F5344CB8AC3E}">
-        <p14:creationId xmlns:p14="http://schemas.microsoft.com/office/powerpoint/2010/main" val="286824461"/>
-      </p:ext>
-    </p:extLst>
-  </p:cSld>
-  <p:clrMapOvr>
-    <a:masterClrMapping/>
-  </p:clrMapOvr>
-</p:sld>
-</file>
-
-<file path=ppt/slides/slide4.xml><?xml version="1.0" encoding="utf-8"?>
-<p:sld xmlns:a="http://schemas.openxmlformats.org/drawingml/2006/main" xmlns:r="http://schemas.openxmlformats.org/officeDocument/2006/relationships" xmlns:p="http://schemas.openxmlformats.org/presentationml/2006/main">
-  <p:cSld>
-    <p:spTree>
-      <p:nvGrpSpPr>
-        <p:cNvPr id="1" name=""/>
-        <p:cNvGrpSpPr/>
-        <p:nvPr/>
-      </p:nvGrpSpPr>
-      <p:grpSpPr>
-        <a:xfrm>
-          <a:off x="0" y="0"/>
-          <a:ext cx="0" cy="0"/>
-          <a:chOff x="0" y="0"/>
-          <a:chExt cx="0" cy="0"/>
-        </a:xfrm>
-      </p:grpSpPr>
-      <p:pic>
-        <p:nvPicPr>
-          <p:cNvPr id="5" name="Content Placeholder 4"/>
-          <p:cNvPicPr>
-            <a:picLocks noGrp="1" noChangeAspect="1"/>
-          </p:cNvPicPr>
-          <p:nvPr>
-            <p:ph idx="1"/>
-          </p:nvPr>
-        </p:nvPicPr>
-        <p:blipFill>
-          <a:blip r:embed="rId2"/>
-          <a:stretch>
-            <a:fillRect/>
-          </a:stretch>
-        </p:blipFill>
-        <p:spPr>
-          <a:xfrm>
-            <a:off x="3204240" y="2016125"/>
-            <a:ext cx="6097844" cy="3449638"/>
-          </a:xfrm>
-        </p:spPr>
-      </p:pic>
-    </p:spTree>
-    <p:extLst>
-      <p:ext uri="{BB962C8B-B14F-4D97-AF65-F5344CB8AC3E}">
-        <p14:creationId xmlns:p14="http://schemas.microsoft.com/office/powerpoint/2010/main" val="3419649325"/>
-      </p:ext>
-    </p:extLst>
-  </p:cSld>
-  <p:clrMapOvr>
-    <a:masterClrMapping/>
-  </p:clrMapOvr>
-</p:sld>
-</file>
-
-<file path=ppt/slides/slide5.xml><?xml version="1.0" encoding="utf-8"?>
-<p:sld xmlns:a="http://schemas.openxmlformats.org/drawingml/2006/main" xmlns:r="http://schemas.openxmlformats.org/officeDocument/2006/relationships" xmlns:p="http://schemas.openxmlformats.org/presentationml/2006/main">
-  <p:cSld>
-    <p:spTree>
-      <p:nvGrpSpPr>
-        <p:cNvPr id="1" name=""/>
-        <p:cNvGrpSpPr/>
-        <p:nvPr/>
-      </p:nvGrpSpPr>
-      <p:grpSpPr>
-        <a:xfrm>
-          <a:off x="0" y="0"/>
-          <a:ext cx="0" cy="0"/>
-          <a:chOff x="0" y="0"/>
-          <a:chExt cx="0" cy="0"/>
-        </a:xfrm>
-      </p:grpSpPr>
-      <p:sp>
-        <p:nvSpPr>
-          <p:cNvPr id="2" name="Title 1"/>
-          <p:cNvSpPr>
-            <a:spLocks noGrp="1"/>
-          </p:cNvSpPr>
-          <p:nvPr>
-            <p:ph type="title"/>
-          </p:nvPr>
-        </p:nvSpPr>
-        <p:spPr/>
-        <p:txBody>
-          <a:bodyPr/>
-          <a:lstStyle/>
-          <a:p>
-            <a:endParaRPr lang="en-US"/>
-          </a:p>
-        </p:txBody>
-      </p:sp>
-      <p:pic>
-        <p:nvPicPr>
-          <p:cNvPr id="5" name="Content Placeholder 4"/>
-          <p:cNvPicPr>
-            <a:picLocks noGrp="1" noChangeAspect="1"/>
-          </p:cNvPicPr>
-          <p:nvPr>
-            <p:ph idx="1"/>
-          </p:nvPr>
-        </p:nvPicPr>
-        <p:blipFill>
-          <a:blip r:embed="rId2"/>
-          <a:stretch>
-            <a:fillRect/>
-          </a:stretch>
-        </p:blipFill>
-        <p:spPr>
-          <a:xfrm>
-            <a:off x="3188763" y="2016125"/>
-            <a:ext cx="6128798" cy="3449638"/>
-          </a:xfrm>
-        </p:spPr>
-      </p:pic>
-    </p:spTree>
-    <p:extLst>
-      <p:ext uri="{BB962C8B-B14F-4D97-AF65-F5344CB8AC3E}">
-        <p14:creationId xmlns:p14="http://schemas.microsoft.com/office/powerpoint/2010/main" val="3887939841"/>
-      </p:ext>
-    </p:extLst>
-  </p:cSld>
-  <p:clrMapOvr>
-    <a:masterClrMapping/>
-  </p:clrMapOvr>
-</p:sld>
-</file>
-
-<file path=ppt/slides/slide6.xml><?xml version="1.0" encoding="utf-8"?>
-<p:sld xmlns:a="http://schemas.openxmlformats.org/drawingml/2006/main" xmlns:r="http://schemas.openxmlformats.org/officeDocument/2006/relationships" xmlns:p="http://schemas.openxmlformats.org/presentationml/2006/main">
-  <p:cSld>
-    <p:spTree>
-      <p:nvGrpSpPr>
-        <p:cNvPr id="1" name=""/>
-        <p:cNvGrpSpPr/>
-        <p:nvPr/>
-      </p:nvGrpSpPr>
-      <p:grpSpPr>
-        <a:xfrm>
-          <a:off x="0" y="0"/>
-          <a:ext cx="0" cy="0"/>
-          <a:chOff x="0" y="0"/>
-          <a:chExt cx="0" cy="0"/>
-        </a:xfrm>
-      </p:grpSpPr>
-      <p:pic>
-        <p:nvPicPr>
-          <p:cNvPr id="4" name="Content Placeholder 3"/>
-          <p:cNvPicPr>
-            <a:picLocks noGrp="1" noChangeAspect="1"/>
-          </p:cNvPicPr>
-          <p:nvPr>
-            <p:ph idx="1"/>
-          </p:nvPr>
-        </p:nvPicPr>
-        <p:blipFill>
-          <a:blip r:embed="rId2">
-            <a:extLst>
-              <a:ext uri="{28A0092B-C50C-407E-A947-70E740481C1C}">
-                <a14:useLocalDpi xmlns:a14="http://schemas.microsoft.com/office/drawing/2010/main" val="0"/>
-              </a:ext>
-            </a:extLst>
-          </a:blip>
-          <a:stretch>
-            <a:fillRect/>
-          </a:stretch>
-        </p:blipFill>
-        <p:spPr>
-          <a:xfrm>
-            <a:off x="3759793" y="2136248"/>
-            <a:ext cx="4936514" cy="3131244"/>
-          </a:xfrm>
-        </p:spPr>
-      </p:pic>
-    </p:spTree>
-    <p:extLst>
-      <p:ext uri="{BB962C8B-B14F-4D97-AF65-F5344CB8AC3E}">
-        <p14:creationId xmlns:p14="http://schemas.microsoft.com/office/powerpoint/2010/main" val="2059418618"/>
-      </p:ext>
-    </p:extLst>
-  </p:cSld>
-  <p:clrMapOvr>
-    <a:masterClrMapping/>
-  </p:clrMapOvr>
-</p:sld>
-</file>
-
-<file path=ppt/slides/slide7.xml><?xml version="1.0" encoding="utf-8"?>
-<p:sld xmlns:a="http://schemas.openxmlformats.org/drawingml/2006/main" xmlns:r="http://schemas.openxmlformats.org/officeDocument/2006/relationships" xmlns:p="http://schemas.openxmlformats.org/presentationml/2006/main">
-  <p:cSld>
-    <p:spTree>
-      <p:nvGrpSpPr>
-        <p:cNvPr id="1" name=""/>
-        <p:cNvGrpSpPr/>
-        <p:nvPr/>
-      </p:nvGrpSpPr>
-      <p:grpSpPr>
-        <a:xfrm>
-          <a:off x="0" y="0"/>
-          <a:ext cx="0" cy="0"/>
-          <a:chOff x="0" y="0"/>
-          <a:chExt cx="0" cy="0"/>
-        </a:xfrm>
-      </p:grpSpPr>
-      <p:sp>
-        <p:nvSpPr>
-          <p:cNvPr id="2" name="Title 1"/>
-          <p:cNvSpPr>
-            <a:spLocks noGrp="1"/>
-          </p:cNvSpPr>
-          <p:nvPr>
-            <p:ph type="title"/>
-          </p:nvPr>
-        </p:nvSpPr>
-        <p:spPr/>
-        <p:txBody>
-          <a:bodyPr>
-            <a:normAutofit/>
-          </a:bodyPr>
-          <a:lstStyle/>
-          <a:p>
-            <a:r>
-              <a:rPr lang="en-US" sz="5400" dirty="0"/>
-              <a:t> </a:t>
-            </a:r>
-            <a:r>
-              <a:rPr lang="th-TH" sz="5400" dirty="0"/>
-              <a:t>เทคโนโลยีที่ใช้ ภาษาที่ใช้ในการพัฒนา</a:t>
-            </a:r>
-          </a:p>
-        </p:txBody>
-      </p:sp>
-      <p:pic>
-        <p:nvPicPr>
-          <p:cNvPr id="5" name="Content Placeholder 4"/>
-          <p:cNvPicPr>
-            <a:picLocks noGrp="1" noChangeAspect="1"/>
-          </p:cNvPicPr>
-          <p:nvPr>
-            <p:ph idx="1"/>
-          </p:nvPr>
-        </p:nvPicPr>
-        <p:blipFill>
-          <a:blip r:embed="rId2"/>
-          <a:stretch>
-            <a:fillRect/>
-          </a:stretch>
-        </p:blipFill>
-        <p:spPr>
-          <a:xfrm>
-            <a:off x="1660758" y="2122393"/>
-            <a:ext cx="3648075" cy="1257300"/>
-          </a:xfrm>
-        </p:spPr>
-      </p:pic>
-      <p:pic>
-        <p:nvPicPr>
-          <p:cNvPr id="7" name="Picture 6"/>
-          <p:cNvPicPr>
-            <a:picLocks noChangeAspect="1"/>
-          </p:cNvPicPr>
-          <p:nvPr/>
-        </p:nvPicPr>
-        <p:blipFill>
-          <a:blip r:embed="rId3"/>
-          <a:stretch>
-            <a:fillRect/>
-          </a:stretch>
-        </p:blipFill>
-        <p:spPr>
-          <a:xfrm>
-            <a:off x="8954277" y="2122394"/>
-            <a:ext cx="1257046" cy="1257046"/>
-          </a:xfrm>
-          <a:prstGeom prst="rect">
-            <a:avLst/>
-          </a:prstGeom>
-        </p:spPr>
-      </p:pic>
-      <p:pic>
-        <p:nvPicPr>
-          <p:cNvPr id="9" name="Picture 8"/>
-          <p:cNvPicPr>
-            <a:picLocks noChangeAspect="1"/>
-          </p:cNvPicPr>
-          <p:nvPr/>
-        </p:nvPicPr>
-        <p:blipFill>
-          <a:blip r:embed="rId4"/>
-          <a:stretch>
-            <a:fillRect/>
-          </a:stretch>
-        </p:blipFill>
-        <p:spPr>
-          <a:xfrm>
-            <a:off x="5719473" y="2122393"/>
-            <a:ext cx="2824163" cy="1257046"/>
-          </a:xfrm>
-          <a:prstGeom prst="rect">
-            <a:avLst/>
-          </a:prstGeom>
-        </p:spPr>
-      </p:pic>
-      <p:pic>
-        <p:nvPicPr>
-          <p:cNvPr id="11" name="Picture 10"/>
-          <p:cNvPicPr>
-            <a:picLocks noChangeAspect="1"/>
-          </p:cNvPicPr>
-          <p:nvPr/>
-        </p:nvPicPr>
-        <p:blipFill>
-          <a:blip r:embed="rId5"/>
-          <a:stretch>
-            <a:fillRect/>
-          </a:stretch>
-        </p:blipFill>
-        <p:spPr>
-          <a:xfrm>
-            <a:off x="1660758" y="4059350"/>
-            <a:ext cx="3857625" cy="1181100"/>
-          </a:xfrm>
-          <a:prstGeom prst="rect">
-            <a:avLst/>
-          </a:prstGeom>
-        </p:spPr>
-      </p:pic>
-      <p:pic>
-        <p:nvPicPr>
-          <p:cNvPr id="13" name="Picture 12"/>
-          <p:cNvPicPr>
-            <a:picLocks noChangeAspect="1"/>
-          </p:cNvPicPr>
-          <p:nvPr/>
-        </p:nvPicPr>
-        <p:blipFill>
-          <a:blip r:embed="rId6"/>
-          <a:stretch>
-            <a:fillRect/>
-          </a:stretch>
-        </p:blipFill>
-        <p:spPr>
-          <a:xfrm>
-            <a:off x="5719473" y="4065517"/>
-            <a:ext cx="2974831" cy="1174933"/>
-          </a:xfrm>
-          <a:prstGeom prst="rect">
-            <a:avLst/>
-          </a:prstGeom>
-        </p:spPr>
-      </p:pic>
-      <p:pic>
-        <p:nvPicPr>
-          <p:cNvPr id="15" name="Picture 14"/>
-          <p:cNvPicPr>
-            <a:picLocks noChangeAspect="1"/>
-          </p:cNvPicPr>
-          <p:nvPr/>
-        </p:nvPicPr>
-        <p:blipFill>
-          <a:blip r:embed="rId7"/>
-          <a:stretch>
-            <a:fillRect/>
-          </a:stretch>
-        </p:blipFill>
-        <p:spPr>
-          <a:xfrm>
-            <a:off x="8982184" y="4059350"/>
-            <a:ext cx="2246264" cy="1181100"/>
-          </a:xfrm>
-          <a:prstGeom prst="rect">
-            <a:avLst/>
-          </a:prstGeom>
-        </p:spPr>
-      </p:pic>
-    </p:spTree>
-    <p:extLst>
-      <p:ext uri="{BB962C8B-B14F-4D97-AF65-F5344CB8AC3E}">
-        <p14:creationId xmlns:p14="http://schemas.microsoft.com/office/powerpoint/2010/main" val="1171980408"/>
-      </p:ext>
-    </p:extLst>
-  </p:cSld>
-  <p:clrMapOvr>
-    <a:masterClrMapping/>
-  </p:clrMapOvr>
-</p:sld>
-</file>
-
-<file path=ppt/slides/slide8.xml><?xml version="1.0" encoding="utf-8"?>
 <p:sld xmlns:a="http://schemas.openxmlformats.org/drawingml/2006/main" xmlns:r="http://schemas.openxmlformats.org/officeDocument/2006/relationships" xmlns:p="http://schemas.openxmlformats.org/presentationml/2006/main">
   <p:cSld>
     <p:spTree>
@@ -5865,6 +4672,1404 @@
 </p:sld>
 </file>
 
+<file path=ppt/slides/slide11.xml><?xml version="1.0" encoding="utf-8"?>
+<p:sld xmlns:a="http://schemas.openxmlformats.org/drawingml/2006/main" xmlns:r="http://schemas.openxmlformats.org/officeDocument/2006/relationships" xmlns:p="http://schemas.openxmlformats.org/presentationml/2006/main">
+  <p:cSld>
+    <p:spTree>
+      <p:nvGrpSpPr>
+        <p:cNvPr id="1" name=""/>
+        <p:cNvGrpSpPr/>
+        <p:nvPr/>
+      </p:nvGrpSpPr>
+      <p:grpSpPr>
+        <a:xfrm>
+          <a:off x="0" y="0"/>
+          <a:ext cx="0" cy="0"/>
+          <a:chOff x="0" y="0"/>
+          <a:chExt cx="0" cy="0"/>
+        </a:xfrm>
+      </p:grpSpPr>
+      <p:sp>
+        <p:nvSpPr>
+          <p:cNvPr id="2" name="Title 1"/>
+          <p:cNvSpPr>
+            <a:spLocks noGrp="1"/>
+          </p:cNvSpPr>
+          <p:nvPr>
+            <p:ph type="title"/>
+          </p:nvPr>
+        </p:nvSpPr>
+        <p:spPr/>
+        <p:txBody>
+          <a:bodyPr>
+            <a:normAutofit/>
+          </a:bodyPr>
+          <a:lstStyle/>
+          <a:p>
+            <a:r>
+              <a:rPr lang="en-US" sz="4000" dirty="0"/>
+              <a:t>Prototype </a:t>
+            </a:r>
+            <a:r>
+              <a:rPr lang="th-TH" sz="4000" dirty="0"/>
+              <a:t>ของระบบ</a:t>
+            </a:r>
+          </a:p>
+        </p:txBody>
+      </p:sp>
+      <p:pic>
+        <p:nvPicPr>
+          <p:cNvPr id="5" name="Content Placeholder 4"/>
+          <p:cNvPicPr>
+            <a:picLocks noGrp="1" noChangeAspect="1"/>
+          </p:cNvPicPr>
+          <p:nvPr>
+            <p:ph idx="1"/>
+          </p:nvPr>
+        </p:nvPicPr>
+        <p:blipFill>
+          <a:blip r:embed="rId2"/>
+          <a:stretch>
+            <a:fillRect/>
+          </a:stretch>
+        </p:blipFill>
+        <p:spPr>
+          <a:xfrm>
+            <a:off x="4859735" y="1399518"/>
+            <a:ext cx="2786962" cy="4659286"/>
+          </a:xfrm>
+        </p:spPr>
+      </p:pic>
+    </p:spTree>
+    <p:extLst>
+      <p:ext uri="{BB962C8B-B14F-4D97-AF65-F5344CB8AC3E}">
+        <p14:creationId xmlns:p14="http://schemas.microsoft.com/office/powerpoint/2010/main" val="4084904455"/>
+      </p:ext>
+    </p:extLst>
+  </p:cSld>
+  <p:clrMapOvr>
+    <a:masterClrMapping/>
+  </p:clrMapOvr>
+</p:sld>
+</file>
+
+<file path=ppt/slides/slide12.xml><?xml version="1.0" encoding="utf-8"?>
+<p:sld xmlns:a="http://schemas.openxmlformats.org/drawingml/2006/main" xmlns:r="http://schemas.openxmlformats.org/officeDocument/2006/relationships" xmlns:p="http://schemas.openxmlformats.org/presentationml/2006/main">
+  <p:cSld>
+    <p:spTree>
+      <p:nvGrpSpPr>
+        <p:cNvPr id="1" name=""/>
+        <p:cNvGrpSpPr/>
+        <p:nvPr/>
+      </p:nvGrpSpPr>
+      <p:grpSpPr>
+        <a:xfrm>
+          <a:off x="0" y="0"/>
+          <a:ext cx="0" cy="0"/>
+          <a:chOff x="0" y="0"/>
+          <a:chExt cx="0" cy="0"/>
+        </a:xfrm>
+      </p:grpSpPr>
+      <p:pic>
+        <p:nvPicPr>
+          <p:cNvPr id="5" name="Content Placeholder 4"/>
+          <p:cNvPicPr>
+            <a:picLocks noGrp="1" noChangeAspect="1"/>
+          </p:cNvPicPr>
+          <p:nvPr>
+            <p:ph idx="1"/>
+          </p:nvPr>
+        </p:nvPicPr>
+        <p:blipFill>
+          <a:blip r:embed="rId2"/>
+          <a:stretch>
+            <a:fillRect/>
+          </a:stretch>
+        </p:blipFill>
+        <p:spPr>
+          <a:xfrm>
+            <a:off x="4842102" y="1329136"/>
+            <a:ext cx="2822227" cy="4678956"/>
+          </a:xfrm>
+        </p:spPr>
+      </p:pic>
+    </p:spTree>
+    <p:extLst>
+      <p:ext uri="{BB962C8B-B14F-4D97-AF65-F5344CB8AC3E}">
+        <p14:creationId xmlns:p14="http://schemas.microsoft.com/office/powerpoint/2010/main" val="1875910103"/>
+      </p:ext>
+    </p:extLst>
+  </p:cSld>
+  <p:clrMapOvr>
+    <a:masterClrMapping/>
+  </p:clrMapOvr>
+</p:sld>
+</file>
+
+<file path=ppt/slides/slide13.xml><?xml version="1.0" encoding="utf-8"?>
+<p:sld xmlns:a="http://schemas.openxmlformats.org/drawingml/2006/main" xmlns:r="http://schemas.openxmlformats.org/officeDocument/2006/relationships" xmlns:p="http://schemas.openxmlformats.org/presentationml/2006/main">
+  <p:cSld>
+    <p:spTree>
+      <p:nvGrpSpPr>
+        <p:cNvPr id="1" name=""/>
+        <p:cNvGrpSpPr/>
+        <p:nvPr/>
+      </p:nvGrpSpPr>
+      <p:grpSpPr>
+        <a:xfrm>
+          <a:off x="0" y="0"/>
+          <a:ext cx="0" cy="0"/>
+          <a:chOff x="0" y="0"/>
+          <a:chExt cx="0" cy="0"/>
+        </a:xfrm>
+      </p:grpSpPr>
+      <p:sp>
+        <p:nvSpPr>
+          <p:cNvPr id="2" name="Title 1"/>
+          <p:cNvSpPr>
+            <a:spLocks noGrp="1"/>
+          </p:cNvSpPr>
+          <p:nvPr>
+            <p:ph type="title"/>
+          </p:nvPr>
+        </p:nvSpPr>
+        <p:spPr/>
+        <p:txBody>
+          <a:bodyPr/>
+          <a:lstStyle/>
+          <a:p>
+            <a:endParaRPr lang="en-US"/>
+          </a:p>
+        </p:txBody>
+      </p:sp>
+      <p:pic>
+        <p:nvPicPr>
+          <p:cNvPr id="5" name="Content Placeholder 4"/>
+          <p:cNvPicPr>
+            <a:picLocks noGrp="1" noChangeAspect="1"/>
+          </p:cNvPicPr>
+          <p:nvPr>
+            <p:ph idx="1"/>
+          </p:nvPr>
+        </p:nvPicPr>
+        <p:blipFill>
+          <a:blip r:embed="rId2"/>
+          <a:stretch>
+            <a:fillRect/>
+          </a:stretch>
+        </p:blipFill>
+        <p:spPr>
+          <a:xfrm>
+            <a:off x="4888417" y="1329136"/>
+            <a:ext cx="2729597" cy="4525385"/>
+          </a:xfrm>
+        </p:spPr>
+      </p:pic>
+    </p:spTree>
+    <p:extLst>
+      <p:ext uri="{BB962C8B-B14F-4D97-AF65-F5344CB8AC3E}">
+        <p14:creationId xmlns:p14="http://schemas.microsoft.com/office/powerpoint/2010/main" val="1356178450"/>
+      </p:ext>
+    </p:extLst>
+  </p:cSld>
+  <p:clrMapOvr>
+    <a:masterClrMapping/>
+  </p:clrMapOvr>
+</p:sld>
+</file>
+
+<file path=ppt/slides/slide14.xml><?xml version="1.0" encoding="utf-8"?>
+<p:sld xmlns:a="http://schemas.openxmlformats.org/drawingml/2006/main" xmlns:r="http://schemas.openxmlformats.org/officeDocument/2006/relationships" xmlns:p="http://schemas.openxmlformats.org/presentationml/2006/main">
+  <p:cSld>
+    <p:spTree>
+      <p:nvGrpSpPr>
+        <p:cNvPr id="1" name=""/>
+        <p:cNvGrpSpPr/>
+        <p:nvPr/>
+      </p:nvGrpSpPr>
+      <p:grpSpPr>
+        <a:xfrm>
+          <a:off x="0" y="0"/>
+          <a:ext cx="0" cy="0"/>
+          <a:chOff x="0" y="0"/>
+          <a:chExt cx="0" cy="0"/>
+        </a:xfrm>
+      </p:grpSpPr>
+      <p:sp>
+        <p:nvSpPr>
+          <p:cNvPr id="2" name="Title 1"/>
+          <p:cNvSpPr>
+            <a:spLocks noGrp="1"/>
+          </p:cNvSpPr>
+          <p:nvPr>
+            <p:ph type="title"/>
+          </p:nvPr>
+        </p:nvSpPr>
+        <p:spPr/>
+        <p:txBody>
+          <a:bodyPr/>
+          <a:lstStyle/>
+          <a:p>
+            <a:endParaRPr lang="en-US"/>
+          </a:p>
+        </p:txBody>
+      </p:sp>
+      <p:pic>
+        <p:nvPicPr>
+          <p:cNvPr id="5" name="Content Placeholder 4"/>
+          <p:cNvPicPr>
+            <a:picLocks noGrp="1" noChangeAspect="1"/>
+          </p:cNvPicPr>
+          <p:nvPr>
+            <p:ph idx="1"/>
+          </p:nvPr>
+        </p:nvPicPr>
+        <p:blipFill>
+          <a:blip r:embed="rId2"/>
+          <a:stretch>
+            <a:fillRect/>
+          </a:stretch>
+        </p:blipFill>
+        <p:spPr>
+          <a:xfrm>
+            <a:off x="4800333" y="1261611"/>
+            <a:ext cx="2905766" cy="4817455"/>
+          </a:xfrm>
+        </p:spPr>
+      </p:pic>
+    </p:spTree>
+    <p:extLst>
+      <p:ext uri="{BB962C8B-B14F-4D97-AF65-F5344CB8AC3E}">
+        <p14:creationId xmlns:p14="http://schemas.microsoft.com/office/powerpoint/2010/main" val="3135043012"/>
+      </p:ext>
+    </p:extLst>
+  </p:cSld>
+  <p:clrMapOvr>
+    <a:masterClrMapping/>
+  </p:clrMapOvr>
+</p:sld>
+</file>
+
+<file path=ppt/slides/slide15.xml><?xml version="1.0" encoding="utf-8"?>
+<p:sld xmlns:a="http://schemas.openxmlformats.org/drawingml/2006/main" xmlns:r="http://schemas.openxmlformats.org/officeDocument/2006/relationships" xmlns:p="http://schemas.openxmlformats.org/presentationml/2006/main">
+  <p:cSld>
+    <p:spTree>
+      <p:nvGrpSpPr>
+        <p:cNvPr id="1" name=""/>
+        <p:cNvGrpSpPr/>
+        <p:nvPr/>
+      </p:nvGrpSpPr>
+      <p:grpSpPr>
+        <a:xfrm>
+          <a:off x="0" y="0"/>
+          <a:ext cx="0" cy="0"/>
+          <a:chOff x="0" y="0"/>
+          <a:chExt cx="0" cy="0"/>
+        </a:xfrm>
+      </p:grpSpPr>
+      <p:sp>
+        <p:nvSpPr>
+          <p:cNvPr id="2" name="Title 1"/>
+          <p:cNvSpPr>
+            <a:spLocks noGrp="1"/>
+          </p:cNvSpPr>
+          <p:nvPr>
+            <p:ph type="title"/>
+          </p:nvPr>
+        </p:nvSpPr>
+        <p:spPr/>
+        <p:txBody>
+          <a:bodyPr/>
+          <a:lstStyle/>
+          <a:p>
+            <a:endParaRPr lang="en-US"/>
+          </a:p>
+        </p:txBody>
+      </p:sp>
+      <p:pic>
+        <p:nvPicPr>
+          <p:cNvPr id="5" name="Content Placeholder 4"/>
+          <p:cNvPicPr>
+            <a:picLocks noGrp="1" noChangeAspect="1"/>
+          </p:cNvPicPr>
+          <p:nvPr>
+            <p:ph idx="1"/>
+          </p:nvPr>
+        </p:nvPicPr>
+        <p:blipFill>
+          <a:blip r:embed="rId2"/>
+          <a:stretch>
+            <a:fillRect/>
+          </a:stretch>
+        </p:blipFill>
+        <p:spPr>
+          <a:xfrm>
+            <a:off x="4812916" y="1329136"/>
+            <a:ext cx="2880599" cy="4775730"/>
+          </a:xfrm>
+        </p:spPr>
+      </p:pic>
+    </p:spTree>
+    <p:extLst>
+      <p:ext uri="{BB962C8B-B14F-4D97-AF65-F5344CB8AC3E}">
+        <p14:creationId xmlns:p14="http://schemas.microsoft.com/office/powerpoint/2010/main" val="3366851325"/>
+      </p:ext>
+    </p:extLst>
+  </p:cSld>
+  <p:clrMapOvr>
+    <a:masterClrMapping/>
+  </p:clrMapOvr>
+</p:sld>
+</file>
+
+<file path=ppt/slides/slide16.xml><?xml version="1.0" encoding="utf-8"?>
+<p:sld xmlns:a="http://schemas.openxmlformats.org/drawingml/2006/main" xmlns:r="http://schemas.openxmlformats.org/officeDocument/2006/relationships" xmlns:p="http://schemas.openxmlformats.org/presentationml/2006/main">
+  <p:cSld>
+    <p:spTree>
+      <p:nvGrpSpPr>
+        <p:cNvPr id="1" name=""/>
+        <p:cNvGrpSpPr/>
+        <p:nvPr/>
+      </p:nvGrpSpPr>
+      <p:grpSpPr>
+        <a:xfrm>
+          <a:off x="0" y="0"/>
+          <a:ext cx="0" cy="0"/>
+          <a:chOff x="0" y="0"/>
+          <a:chExt cx="0" cy="0"/>
+        </a:xfrm>
+      </p:grpSpPr>
+      <p:sp>
+        <p:nvSpPr>
+          <p:cNvPr id="2" name="Title 1"/>
+          <p:cNvSpPr>
+            <a:spLocks noGrp="1"/>
+          </p:cNvSpPr>
+          <p:nvPr>
+            <p:ph type="title"/>
+          </p:nvPr>
+        </p:nvSpPr>
+        <p:spPr/>
+        <p:txBody>
+          <a:bodyPr/>
+          <a:lstStyle/>
+          <a:p>
+            <a:endParaRPr lang="en-US"/>
+          </a:p>
+        </p:txBody>
+      </p:sp>
+      <p:pic>
+        <p:nvPicPr>
+          <p:cNvPr id="5" name="Content Placeholder 4"/>
+          <p:cNvPicPr>
+            <a:picLocks noGrp="1" noChangeAspect="1"/>
+          </p:cNvPicPr>
+          <p:nvPr>
+            <p:ph idx="1"/>
+          </p:nvPr>
+        </p:nvPicPr>
+        <p:blipFill>
+          <a:blip r:embed="rId2"/>
+          <a:stretch>
+            <a:fillRect/>
+          </a:stretch>
+        </p:blipFill>
+        <p:spPr>
+          <a:xfrm>
+            <a:off x="7011698" y="1199362"/>
+            <a:ext cx="2725726" cy="4518967"/>
+          </a:xfrm>
+        </p:spPr>
+      </p:pic>
+      <p:pic>
+        <p:nvPicPr>
+          <p:cNvPr id="7" name="Picture 6"/>
+          <p:cNvPicPr>
+            <a:picLocks noChangeAspect="1"/>
+          </p:cNvPicPr>
+          <p:nvPr/>
+        </p:nvPicPr>
+        <p:blipFill>
+          <a:blip r:embed="rId3"/>
+          <a:stretch>
+            <a:fillRect/>
+          </a:stretch>
+        </p:blipFill>
+        <p:spPr>
+          <a:xfrm>
+            <a:off x="4460769" y="1717761"/>
+            <a:ext cx="1729960" cy="2868091"/>
+          </a:xfrm>
+          <a:prstGeom prst="rect">
+            <a:avLst/>
+          </a:prstGeom>
+        </p:spPr>
+      </p:pic>
+      <p:pic>
+        <p:nvPicPr>
+          <p:cNvPr id="11" name="Picture 10"/>
+          <p:cNvPicPr>
+            <a:picLocks noChangeAspect="1"/>
+          </p:cNvPicPr>
+          <p:nvPr/>
+        </p:nvPicPr>
+        <p:blipFill>
+          <a:blip r:embed="rId4"/>
+          <a:stretch>
+            <a:fillRect/>
+          </a:stretch>
+        </p:blipFill>
+        <p:spPr>
+          <a:xfrm>
+            <a:off x="3213989" y="1354119"/>
+            <a:ext cx="1729960" cy="2868091"/>
+          </a:xfrm>
+          <a:prstGeom prst="rect">
+            <a:avLst/>
+          </a:prstGeom>
+        </p:spPr>
+      </p:pic>
+      <p:pic>
+        <p:nvPicPr>
+          <p:cNvPr id="9" name="Picture 8"/>
+          <p:cNvPicPr>
+            <a:picLocks noChangeAspect="1"/>
+          </p:cNvPicPr>
+          <p:nvPr/>
+        </p:nvPicPr>
+        <p:blipFill>
+          <a:blip r:embed="rId5"/>
+          <a:stretch>
+            <a:fillRect/>
+          </a:stretch>
+        </p:blipFill>
+        <p:spPr>
+          <a:xfrm>
+            <a:off x="1909840" y="1010801"/>
+            <a:ext cx="1729960" cy="2868091"/>
+          </a:xfrm>
+          <a:prstGeom prst="rect">
+            <a:avLst/>
+          </a:prstGeom>
+        </p:spPr>
+      </p:pic>
+    </p:spTree>
+    <p:extLst>
+      <p:ext uri="{BB962C8B-B14F-4D97-AF65-F5344CB8AC3E}">
+        <p14:creationId xmlns:p14="http://schemas.microsoft.com/office/powerpoint/2010/main" val="1440533953"/>
+      </p:ext>
+    </p:extLst>
+  </p:cSld>
+  <p:clrMapOvr>
+    <a:masterClrMapping/>
+  </p:clrMapOvr>
+</p:sld>
+</file>
+
+<file path=ppt/slides/slide17.xml><?xml version="1.0" encoding="utf-8"?>
+<p:sld xmlns:a="http://schemas.openxmlformats.org/drawingml/2006/main" xmlns:r="http://schemas.openxmlformats.org/officeDocument/2006/relationships" xmlns:p="http://schemas.openxmlformats.org/presentationml/2006/main">
+  <p:cSld>
+    <p:spTree>
+      <p:nvGrpSpPr>
+        <p:cNvPr id="1" name=""/>
+        <p:cNvGrpSpPr/>
+        <p:nvPr/>
+      </p:nvGrpSpPr>
+      <p:grpSpPr>
+        <a:xfrm>
+          <a:off x="0" y="0"/>
+          <a:ext cx="0" cy="0"/>
+          <a:chOff x="0" y="0"/>
+          <a:chExt cx="0" cy="0"/>
+        </a:xfrm>
+      </p:grpSpPr>
+      <p:pic>
+        <p:nvPicPr>
+          <p:cNvPr id="5" name="Content Placeholder 4"/>
+          <p:cNvPicPr>
+            <a:picLocks noGrp="1" noChangeAspect="1"/>
+          </p:cNvPicPr>
+          <p:nvPr>
+            <p:ph idx="1"/>
+          </p:nvPr>
+        </p:nvPicPr>
+        <p:blipFill>
+          <a:blip r:embed="rId2"/>
+          <a:stretch>
+            <a:fillRect/>
+          </a:stretch>
+        </p:blipFill>
+        <p:spPr>
+          <a:xfrm>
+            <a:off x="4985579" y="1329136"/>
+            <a:ext cx="2535273" cy="4500110"/>
+          </a:xfrm>
+        </p:spPr>
+      </p:pic>
+    </p:spTree>
+    <p:extLst>
+      <p:ext uri="{BB962C8B-B14F-4D97-AF65-F5344CB8AC3E}">
+        <p14:creationId xmlns:p14="http://schemas.microsoft.com/office/powerpoint/2010/main" val="3225411339"/>
+      </p:ext>
+    </p:extLst>
+  </p:cSld>
+  <p:clrMapOvr>
+    <a:masterClrMapping/>
+  </p:clrMapOvr>
+</p:sld>
+</file>
+
+<file path=ppt/slides/slide18.xml><?xml version="1.0" encoding="utf-8"?>
+<p:sld xmlns:a="http://schemas.openxmlformats.org/drawingml/2006/main" xmlns:r="http://schemas.openxmlformats.org/officeDocument/2006/relationships" xmlns:p="http://schemas.openxmlformats.org/presentationml/2006/main">
+  <p:cSld>
+    <p:spTree>
+      <p:nvGrpSpPr>
+        <p:cNvPr id="1" name=""/>
+        <p:cNvGrpSpPr/>
+        <p:nvPr/>
+      </p:nvGrpSpPr>
+      <p:grpSpPr>
+        <a:xfrm>
+          <a:off x="0" y="0"/>
+          <a:ext cx="0" cy="0"/>
+          <a:chOff x="0" y="0"/>
+          <a:chExt cx="0" cy="0"/>
+        </a:xfrm>
+      </p:grpSpPr>
+      <p:sp>
+        <p:nvSpPr>
+          <p:cNvPr id="2" name="Title 1"/>
+          <p:cNvSpPr>
+            <a:spLocks noGrp="1"/>
+          </p:cNvSpPr>
+          <p:nvPr>
+            <p:ph type="title"/>
+          </p:nvPr>
+        </p:nvSpPr>
+        <p:spPr/>
+        <p:txBody>
+          <a:bodyPr/>
+          <a:lstStyle/>
+          <a:p>
+            <a:endParaRPr lang="en-US"/>
+          </a:p>
+        </p:txBody>
+      </p:sp>
+      <p:pic>
+        <p:nvPicPr>
+          <p:cNvPr id="5" name="Content Placeholder 4"/>
+          <p:cNvPicPr>
+            <a:picLocks noGrp="1" noChangeAspect="1"/>
+          </p:cNvPicPr>
+          <p:nvPr>
+            <p:ph idx="1"/>
+          </p:nvPr>
+        </p:nvPicPr>
+        <p:blipFill>
+          <a:blip r:embed="rId2"/>
+          <a:stretch>
+            <a:fillRect/>
+          </a:stretch>
+        </p:blipFill>
+        <p:spPr>
+          <a:xfrm>
+            <a:off x="4745731" y="1068664"/>
+            <a:ext cx="3014970" cy="4864791"/>
+          </a:xfrm>
+        </p:spPr>
+      </p:pic>
+    </p:spTree>
+    <p:extLst>
+      <p:ext uri="{BB962C8B-B14F-4D97-AF65-F5344CB8AC3E}">
+        <p14:creationId xmlns:p14="http://schemas.microsoft.com/office/powerpoint/2010/main" val="2221745660"/>
+      </p:ext>
+    </p:extLst>
+  </p:cSld>
+  <p:clrMapOvr>
+    <a:masterClrMapping/>
+  </p:clrMapOvr>
+</p:sld>
+</file>
+
+<file path=ppt/slides/slide19.xml><?xml version="1.0" encoding="utf-8"?>
+<p:sld xmlns:a="http://schemas.openxmlformats.org/drawingml/2006/main" xmlns:r="http://schemas.openxmlformats.org/officeDocument/2006/relationships" xmlns:p="http://schemas.openxmlformats.org/presentationml/2006/main">
+  <p:cSld>
+    <p:spTree>
+      <p:nvGrpSpPr>
+        <p:cNvPr id="1" name=""/>
+        <p:cNvGrpSpPr/>
+        <p:nvPr/>
+      </p:nvGrpSpPr>
+      <p:grpSpPr>
+        <a:xfrm>
+          <a:off x="0" y="0"/>
+          <a:ext cx="0" cy="0"/>
+          <a:chOff x="0" y="0"/>
+          <a:chExt cx="0" cy="0"/>
+        </a:xfrm>
+      </p:grpSpPr>
+      <p:sp>
+        <p:nvSpPr>
+          <p:cNvPr id="2" name="Title 1"/>
+          <p:cNvSpPr>
+            <a:spLocks noGrp="1"/>
+          </p:cNvSpPr>
+          <p:nvPr>
+            <p:ph type="title"/>
+          </p:nvPr>
+        </p:nvSpPr>
+        <p:spPr/>
+        <p:txBody>
+          <a:bodyPr/>
+          <a:lstStyle/>
+          <a:p>
+            <a:endParaRPr lang="en-US"/>
+          </a:p>
+        </p:txBody>
+      </p:sp>
+      <p:pic>
+        <p:nvPicPr>
+          <p:cNvPr id="5" name="Content Placeholder 4"/>
+          <p:cNvPicPr>
+            <a:picLocks noGrp="1" noChangeAspect="1"/>
+          </p:cNvPicPr>
+          <p:nvPr>
+            <p:ph idx="1"/>
+          </p:nvPr>
+        </p:nvPicPr>
+        <p:blipFill>
+          <a:blip r:embed="rId2"/>
+          <a:stretch>
+            <a:fillRect/>
+          </a:stretch>
+        </p:blipFill>
+        <p:spPr>
+          <a:xfrm>
+            <a:off x="4628890" y="1135776"/>
+            <a:ext cx="3248651" cy="4794477"/>
+          </a:xfrm>
+        </p:spPr>
+      </p:pic>
+    </p:spTree>
+    <p:extLst>
+      <p:ext uri="{BB962C8B-B14F-4D97-AF65-F5344CB8AC3E}">
+        <p14:creationId xmlns:p14="http://schemas.microsoft.com/office/powerpoint/2010/main" val="1589791158"/>
+      </p:ext>
+    </p:extLst>
+  </p:cSld>
+  <p:clrMapOvr>
+    <a:masterClrMapping/>
+  </p:clrMapOvr>
+</p:sld>
+</file>
+
+<file path=ppt/slides/slide2.xml><?xml version="1.0" encoding="utf-8"?>
+<p:sld xmlns:a="http://schemas.openxmlformats.org/drawingml/2006/main" xmlns:r="http://schemas.openxmlformats.org/officeDocument/2006/relationships" xmlns:p="http://schemas.openxmlformats.org/presentationml/2006/main">
+  <p:cSld>
+    <p:spTree>
+      <p:nvGrpSpPr>
+        <p:cNvPr id="1" name=""/>
+        <p:cNvGrpSpPr/>
+        <p:nvPr/>
+      </p:nvGrpSpPr>
+      <p:grpSpPr>
+        <a:xfrm>
+          <a:off x="0" y="0"/>
+          <a:ext cx="0" cy="0"/>
+          <a:chOff x="0" y="0"/>
+          <a:chExt cx="0" cy="0"/>
+        </a:xfrm>
+      </p:grpSpPr>
+      <p:sp>
+        <p:nvSpPr>
+          <p:cNvPr id="2" name="Title 1"/>
+          <p:cNvSpPr>
+            <a:spLocks noGrp="1"/>
+          </p:cNvSpPr>
+          <p:nvPr>
+            <p:ph type="title"/>
+          </p:nvPr>
+        </p:nvSpPr>
+        <p:spPr>
+          <a:xfrm>
+            <a:off x="1451579" y="804519"/>
+            <a:ext cx="9603275" cy="1049235"/>
+          </a:xfrm>
+        </p:spPr>
+        <p:txBody>
+          <a:bodyPr>
+            <a:noAutofit/>
+          </a:bodyPr>
+          <a:lstStyle/>
+          <a:p>
+            <a:r>
+              <a:rPr lang="th-TH" sz="4800"/>
+              <a:t>ที่มาและความสำคัญของปัญหา</a:t>
+            </a:r>
+            <a:br>
+              <a:rPr lang="en-US" sz="4800"/>
+            </a:br>
+            <a:endParaRPr lang="th-TH" sz="4800" dirty="0"/>
+          </a:p>
+        </p:txBody>
+      </p:sp>
+      <p:pic>
+        <p:nvPicPr>
+          <p:cNvPr id="6" name="Content Placeholder 5"/>
+          <p:cNvPicPr>
+            <a:picLocks noGrp="1" noChangeAspect="1"/>
+          </p:cNvPicPr>
+          <p:nvPr>
+            <p:ph idx="1"/>
+          </p:nvPr>
+        </p:nvPicPr>
+        <p:blipFill>
+          <a:blip r:embed="rId2"/>
+          <a:stretch>
+            <a:fillRect/>
+          </a:stretch>
+        </p:blipFill>
+        <p:spPr>
+          <a:xfrm>
+            <a:off x="3388730" y="2016125"/>
+            <a:ext cx="5728864" cy="3449638"/>
+          </a:xfrm>
+        </p:spPr>
+      </p:pic>
+    </p:spTree>
+    <p:extLst>
+      <p:ext uri="{BB962C8B-B14F-4D97-AF65-F5344CB8AC3E}">
+        <p14:creationId xmlns:p14="http://schemas.microsoft.com/office/powerpoint/2010/main" val="3382191361"/>
+      </p:ext>
+    </p:extLst>
+  </p:cSld>
+  <p:clrMapOvr>
+    <a:masterClrMapping/>
+  </p:clrMapOvr>
+</p:sld>
+</file>
+
+<file path=ppt/slides/slide20.xml><?xml version="1.0" encoding="utf-8"?>
+<p:sld xmlns:a="http://schemas.openxmlformats.org/drawingml/2006/main" xmlns:r="http://schemas.openxmlformats.org/officeDocument/2006/relationships" xmlns:p="http://schemas.openxmlformats.org/presentationml/2006/main">
+  <p:cSld>
+    <p:spTree>
+      <p:nvGrpSpPr>
+        <p:cNvPr id="1" name=""/>
+        <p:cNvGrpSpPr/>
+        <p:nvPr/>
+      </p:nvGrpSpPr>
+      <p:grpSpPr>
+        <a:xfrm>
+          <a:off x="0" y="0"/>
+          <a:ext cx="0" cy="0"/>
+          <a:chOff x="0" y="0"/>
+          <a:chExt cx="0" cy="0"/>
+        </a:xfrm>
+      </p:grpSpPr>
+      <p:sp>
+        <p:nvSpPr>
+          <p:cNvPr id="2" name="Title 1"/>
+          <p:cNvSpPr>
+            <a:spLocks noGrp="1"/>
+          </p:cNvSpPr>
+          <p:nvPr>
+            <p:ph type="title"/>
+          </p:nvPr>
+        </p:nvSpPr>
+        <p:spPr/>
+        <p:txBody>
+          <a:bodyPr/>
+          <a:lstStyle/>
+          <a:p>
+            <a:endParaRPr lang="en-US" dirty="0"/>
+          </a:p>
+        </p:txBody>
+      </p:sp>
+      <p:pic>
+        <p:nvPicPr>
+          <p:cNvPr id="5" name="Content Placeholder 4"/>
+          <p:cNvPicPr>
+            <a:picLocks noGrp="1" noChangeAspect="1"/>
+          </p:cNvPicPr>
+          <p:nvPr>
+            <p:ph idx="1"/>
+          </p:nvPr>
+        </p:nvPicPr>
+        <p:blipFill>
+          <a:blip r:embed="rId2"/>
+          <a:stretch>
+            <a:fillRect/>
+          </a:stretch>
+        </p:blipFill>
+        <p:spPr>
+          <a:xfrm>
+            <a:off x="4822213" y="1244833"/>
+            <a:ext cx="2862005" cy="4744906"/>
+          </a:xfrm>
+        </p:spPr>
+      </p:pic>
+    </p:spTree>
+    <p:extLst>
+      <p:ext uri="{BB962C8B-B14F-4D97-AF65-F5344CB8AC3E}">
+        <p14:creationId xmlns:p14="http://schemas.microsoft.com/office/powerpoint/2010/main" val="616464803"/>
+      </p:ext>
+    </p:extLst>
+  </p:cSld>
+  <p:clrMapOvr>
+    <a:masterClrMapping/>
+  </p:clrMapOvr>
+</p:sld>
+</file>
+
+<file path=ppt/slides/slide3.xml><?xml version="1.0" encoding="utf-8"?>
+<p:sld xmlns:a="http://schemas.openxmlformats.org/drawingml/2006/main" xmlns:r="http://schemas.openxmlformats.org/officeDocument/2006/relationships" xmlns:p="http://schemas.openxmlformats.org/presentationml/2006/main">
+  <p:cSld>
+    <p:spTree>
+      <p:nvGrpSpPr>
+        <p:cNvPr id="1" name=""/>
+        <p:cNvGrpSpPr/>
+        <p:nvPr/>
+      </p:nvGrpSpPr>
+      <p:grpSpPr>
+        <a:xfrm>
+          <a:off x="0" y="0"/>
+          <a:ext cx="0" cy="0"/>
+          <a:chOff x="0" y="0"/>
+          <a:chExt cx="0" cy="0"/>
+        </a:xfrm>
+      </p:grpSpPr>
+      <p:sp>
+        <p:nvSpPr>
+          <p:cNvPr id="2" name="Title 1"/>
+          <p:cNvSpPr>
+            <a:spLocks noGrp="1"/>
+          </p:cNvSpPr>
+          <p:nvPr>
+            <p:ph type="title"/>
+          </p:nvPr>
+        </p:nvSpPr>
+        <p:spPr/>
+        <p:txBody>
+          <a:bodyPr/>
+          <a:lstStyle/>
+          <a:p>
+            <a:endParaRPr lang="en-US"/>
+          </a:p>
+        </p:txBody>
+      </p:sp>
+      <p:pic>
+        <p:nvPicPr>
+          <p:cNvPr id="5" name="Content Placeholder 4"/>
+          <p:cNvPicPr>
+            <a:picLocks noGrp="1" noChangeAspect="1"/>
+          </p:cNvPicPr>
+          <p:nvPr>
+            <p:ph idx="1"/>
+          </p:nvPr>
+        </p:nvPicPr>
+        <p:blipFill>
+          <a:blip r:embed="rId2"/>
+          <a:stretch>
+            <a:fillRect/>
+          </a:stretch>
+        </p:blipFill>
+        <p:spPr>
+          <a:xfrm>
+            <a:off x="3180966" y="2016125"/>
+            <a:ext cx="6144393" cy="3449638"/>
+          </a:xfrm>
+        </p:spPr>
+      </p:pic>
+    </p:spTree>
+    <p:extLst>
+      <p:ext uri="{BB962C8B-B14F-4D97-AF65-F5344CB8AC3E}">
+        <p14:creationId xmlns:p14="http://schemas.microsoft.com/office/powerpoint/2010/main" val="286824461"/>
+      </p:ext>
+    </p:extLst>
+  </p:cSld>
+  <p:clrMapOvr>
+    <a:masterClrMapping/>
+  </p:clrMapOvr>
+</p:sld>
+</file>
+
+<file path=ppt/slides/slide4.xml><?xml version="1.0" encoding="utf-8"?>
+<p:sld xmlns:a="http://schemas.openxmlformats.org/drawingml/2006/main" xmlns:r="http://schemas.openxmlformats.org/officeDocument/2006/relationships" xmlns:p="http://schemas.openxmlformats.org/presentationml/2006/main">
+  <p:cSld>
+    <p:spTree>
+      <p:nvGrpSpPr>
+        <p:cNvPr id="1" name=""/>
+        <p:cNvGrpSpPr/>
+        <p:nvPr/>
+      </p:nvGrpSpPr>
+      <p:grpSpPr>
+        <a:xfrm>
+          <a:off x="0" y="0"/>
+          <a:ext cx="0" cy="0"/>
+          <a:chOff x="0" y="0"/>
+          <a:chExt cx="0" cy="0"/>
+        </a:xfrm>
+      </p:grpSpPr>
+      <p:pic>
+        <p:nvPicPr>
+          <p:cNvPr id="5" name="Content Placeholder 4"/>
+          <p:cNvPicPr>
+            <a:picLocks noGrp="1" noChangeAspect="1"/>
+          </p:cNvPicPr>
+          <p:nvPr>
+            <p:ph idx="1"/>
+          </p:nvPr>
+        </p:nvPicPr>
+        <p:blipFill>
+          <a:blip r:embed="rId2"/>
+          <a:stretch>
+            <a:fillRect/>
+          </a:stretch>
+        </p:blipFill>
+        <p:spPr>
+          <a:xfrm>
+            <a:off x="3204240" y="2016125"/>
+            <a:ext cx="6097844" cy="3449638"/>
+          </a:xfrm>
+        </p:spPr>
+      </p:pic>
+    </p:spTree>
+    <p:extLst>
+      <p:ext uri="{BB962C8B-B14F-4D97-AF65-F5344CB8AC3E}">
+        <p14:creationId xmlns:p14="http://schemas.microsoft.com/office/powerpoint/2010/main" val="3419649325"/>
+      </p:ext>
+    </p:extLst>
+  </p:cSld>
+  <p:clrMapOvr>
+    <a:masterClrMapping/>
+  </p:clrMapOvr>
+</p:sld>
+</file>
+
+<file path=ppt/slides/slide5.xml><?xml version="1.0" encoding="utf-8"?>
+<p:sld xmlns:a="http://schemas.openxmlformats.org/drawingml/2006/main" xmlns:r="http://schemas.openxmlformats.org/officeDocument/2006/relationships" xmlns:p="http://schemas.openxmlformats.org/presentationml/2006/main">
+  <p:cSld>
+    <p:spTree>
+      <p:nvGrpSpPr>
+        <p:cNvPr id="1" name=""/>
+        <p:cNvGrpSpPr/>
+        <p:nvPr/>
+      </p:nvGrpSpPr>
+      <p:grpSpPr>
+        <a:xfrm>
+          <a:off x="0" y="0"/>
+          <a:ext cx="0" cy="0"/>
+          <a:chOff x="0" y="0"/>
+          <a:chExt cx="0" cy="0"/>
+        </a:xfrm>
+      </p:grpSpPr>
+      <p:sp>
+        <p:nvSpPr>
+          <p:cNvPr id="2" name="Title 1"/>
+          <p:cNvSpPr>
+            <a:spLocks noGrp="1"/>
+          </p:cNvSpPr>
+          <p:nvPr>
+            <p:ph type="title"/>
+          </p:nvPr>
+        </p:nvSpPr>
+        <p:spPr/>
+        <p:txBody>
+          <a:bodyPr/>
+          <a:lstStyle/>
+          <a:p>
+            <a:endParaRPr lang="en-US"/>
+          </a:p>
+        </p:txBody>
+      </p:sp>
+      <p:pic>
+        <p:nvPicPr>
+          <p:cNvPr id="5" name="Content Placeholder 4"/>
+          <p:cNvPicPr>
+            <a:picLocks noGrp="1" noChangeAspect="1"/>
+          </p:cNvPicPr>
+          <p:nvPr>
+            <p:ph idx="1"/>
+          </p:nvPr>
+        </p:nvPicPr>
+        <p:blipFill>
+          <a:blip r:embed="rId2"/>
+          <a:stretch>
+            <a:fillRect/>
+          </a:stretch>
+        </p:blipFill>
+        <p:spPr>
+          <a:xfrm>
+            <a:off x="3188763" y="2016125"/>
+            <a:ext cx="6128798" cy="3449638"/>
+          </a:xfrm>
+        </p:spPr>
+      </p:pic>
+    </p:spTree>
+    <p:extLst>
+      <p:ext uri="{BB962C8B-B14F-4D97-AF65-F5344CB8AC3E}">
+        <p14:creationId xmlns:p14="http://schemas.microsoft.com/office/powerpoint/2010/main" val="3887939841"/>
+      </p:ext>
+    </p:extLst>
+  </p:cSld>
+  <p:clrMapOvr>
+    <a:masterClrMapping/>
+  </p:clrMapOvr>
+</p:sld>
+</file>
+
+<file path=ppt/slides/slide6.xml><?xml version="1.0" encoding="utf-8"?>
+<p:sld xmlns:a="http://schemas.openxmlformats.org/drawingml/2006/main" xmlns:r="http://schemas.openxmlformats.org/officeDocument/2006/relationships" xmlns:p="http://schemas.openxmlformats.org/presentationml/2006/main">
+  <p:cSld>
+    <p:spTree>
+      <p:nvGrpSpPr>
+        <p:cNvPr id="1" name=""/>
+        <p:cNvGrpSpPr/>
+        <p:nvPr/>
+      </p:nvGrpSpPr>
+      <p:grpSpPr>
+        <a:xfrm>
+          <a:off x="0" y="0"/>
+          <a:ext cx="0" cy="0"/>
+          <a:chOff x="0" y="0"/>
+          <a:chExt cx="0" cy="0"/>
+        </a:xfrm>
+      </p:grpSpPr>
+      <p:pic>
+        <p:nvPicPr>
+          <p:cNvPr id="4" name="Content Placeholder 3"/>
+          <p:cNvPicPr>
+            <a:picLocks noGrp="1" noChangeAspect="1"/>
+          </p:cNvPicPr>
+          <p:nvPr>
+            <p:ph idx="1"/>
+          </p:nvPr>
+        </p:nvPicPr>
+        <p:blipFill>
+          <a:blip r:embed="rId2">
+            <a:extLst>
+              <a:ext uri="{28A0092B-C50C-407E-A947-70E740481C1C}">
+                <a14:useLocalDpi xmlns:a14="http://schemas.microsoft.com/office/drawing/2010/main" val="0"/>
+              </a:ext>
+            </a:extLst>
+          </a:blip>
+          <a:stretch>
+            <a:fillRect/>
+          </a:stretch>
+        </p:blipFill>
+        <p:spPr>
+          <a:xfrm>
+            <a:off x="3759793" y="2136248"/>
+            <a:ext cx="4936514" cy="3131244"/>
+          </a:xfrm>
+        </p:spPr>
+      </p:pic>
+    </p:spTree>
+    <p:extLst>
+      <p:ext uri="{BB962C8B-B14F-4D97-AF65-F5344CB8AC3E}">
+        <p14:creationId xmlns:p14="http://schemas.microsoft.com/office/powerpoint/2010/main" val="2059418618"/>
+      </p:ext>
+    </p:extLst>
+  </p:cSld>
+  <p:clrMapOvr>
+    <a:masterClrMapping/>
+  </p:clrMapOvr>
+</p:sld>
+</file>
+
+<file path=ppt/slides/slide7.xml><?xml version="1.0" encoding="utf-8"?>
+<p:sld xmlns:a="http://schemas.openxmlformats.org/drawingml/2006/main" xmlns:r="http://schemas.openxmlformats.org/officeDocument/2006/relationships" xmlns:p="http://schemas.openxmlformats.org/presentationml/2006/main">
+  <p:cSld>
+    <p:spTree>
+      <p:nvGrpSpPr>
+        <p:cNvPr id="1" name=""/>
+        <p:cNvGrpSpPr/>
+        <p:nvPr/>
+      </p:nvGrpSpPr>
+      <p:grpSpPr>
+        <a:xfrm>
+          <a:off x="0" y="0"/>
+          <a:ext cx="0" cy="0"/>
+          <a:chOff x="0" y="0"/>
+          <a:chExt cx="0" cy="0"/>
+        </a:xfrm>
+      </p:grpSpPr>
+      <p:sp>
+        <p:nvSpPr>
+          <p:cNvPr id="2" name="Title 1"/>
+          <p:cNvSpPr>
+            <a:spLocks noGrp="1"/>
+          </p:cNvSpPr>
+          <p:nvPr>
+            <p:ph type="title"/>
+          </p:nvPr>
+        </p:nvSpPr>
+        <p:spPr/>
+        <p:txBody>
+          <a:bodyPr>
+            <a:normAutofit/>
+          </a:bodyPr>
+          <a:lstStyle/>
+          <a:p>
+            <a:r>
+              <a:rPr lang="en-US" sz="5400" dirty="0"/>
+              <a:t> </a:t>
+            </a:r>
+            <a:r>
+              <a:rPr lang="th-TH" sz="5400" dirty="0"/>
+              <a:t>เทคโนโลยีที่ใช้ ภาษาที่ใช้ในการพัฒนา</a:t>
+            </a:r>
+          </a:p>
+        </p:txBody>
+      </p:sp>
+      <p:pic>
+        <p:nvPicPr>
+          <p:cNvPr id="5" name="Content Placeholder 4"/>
+          <p:cNvPicPr>
+            <a:picLocks noGrp="1" noChangeAspect="1"/>
+          </p:cNvPicPr>
+          <p:nvPr>
+            <p:ph idx="1"/>
+          </p:nvPr>
+        </p:nvPicPr>
+        <p:blipFill>
+          <a:blip r:embed="rId2"/>
+          <a:stretch>
+            <a:fillRect/>
+          </a:stretch>
+        </p:blipFill>
+        <p:spPr>
+          <a:xfrm>
+            <a:off x="1660758" y="2122393"/>
+            <a:ext cx="3648075" cy="1257300"/>
+          </a:xfrm>
+        </p:spPr>
+      </p:pic>
+      <p:pic>
+        <p:nvPicPr>
+          <p:cNvPr id="7" name="Picture 6"/>
+          <p:cNvPicPr>
+            <a:picLocks noChangeAspect="1"/>
+          </p:cNvPicPr>
+          <p:nvPr/>
+        </p:nvPicPr>
+        <p:blipFill>
+          <a:blip r:embed="rId3"/>
+          <a:stretch>
+            <a:fillRect/>
+          </a:stretch>
+        </p:blipFill>
+        <p:spPr>
+          <a:xfrm>
+            <a:off x="8954277" y="2122394"/>
+            <a:ext cx="1257046" cy="1257046"/>
+          </a:xfrm>
+          <a:prstGeom prst="rect">
+            <a:avLst/>
+          </a:prstGeom>
+        </p:spPr>
+      </p:pic>
+      <p:pic>
+        <p:nvPicPr>
+          <p:cNvPr id="9" name="Picture 8"/>
+          <p:cNvPicPr>
+            <a:picLocks noChangeAspect="1"/>
+          </p:cNvPicPr>
+          <p:nvPr/>
+        </p:nvPicPr>
+        <p:blipFill>
+          <a:blip r:embed="rId4"/>
+          <a:stretch>
+            <a:fillRect/>
+          </a:stretch>
+        </p:blipFill>
+        <p:spPr>
+          <a:xfrm>
+            <a:off x="5719473" y="2122393"/>
+            <a:ext cx="2824163" cy="1257046"/>
+          </a:xfrm>
+          <a:prstGeom prst="rect">
+            <a:avLst/>
+          </a:prstGeom>
+        </p:spPr>
+      </p:pic>
+      <p:pic>
+        <p:nvPicPr>
+          <p:cNvPr id="11" name="Picture 10"/>
+          <p:cNvPicPr>
+            <a:picLocks noChangeAspect="1"/>
+          </p:cNvPicPr>
+          <p:nvPr/>
+        </p:nvPicPr>
+        <p:blipFill>
+          <a:blip r:embed="rId5"/>
+          <a:stretch>
+            <a:fillRect/>
+          </a:stretch>
+        </p:blipFill>
+        <p:spPr>
+          <a:xfrm>
+            <a:off x="1660758" y="4059350"/>
+            <a:ext cx="3857625" cy="1181100"/>
+          </a:xfrm>
+          <a:prstGeom prst="rect">
+            <a:avLst/>
+          </a:prstGeom>
+        </p:spPr>
+      </p:pic>
+      <p:pic>
+        <p:nvPicPr>
+          <p:cNvPr id="13" name="Picture 12"/>
+          <p:cNvPicPr>
+            <a:picLocks noChangeAspect="1"/>
+          </p:cNvPicPr>
+          <p:nvPr/>
+        </p:nvPicPr>
+        <p:blipFill>
+          <a:blip r:embed="rId6"/>
+          <a:stretch>
+            <a:fillRect/>
+          </a:stretch>
+        </p:blipFill>
+        <p:spPr>
+          <a:xfrm>
+            <a:off x="5719473" y="4065517"/>
+            <a:ext cx="2974831" cy="1174933"/>
+          </a:xfrm>
+          <a:prstGeom prst="rect">
+            <a:avLst/>
+          </a:prstGeom>
+        </p:spPr>
+      </p:pic>
+      <p:pic>
+        <p:nvPicPr>
+          <p:cNvPr id="15" name="Picture 14"/>
+          <p:cNvPicPr>
+            <a:picLocks noChangeAspect="1"/>
+          </p:cNvPicPr>
+          <p:nvPr/>
+        </p:nvPicPr>
+        <p:blipFill>
+          <a:blip r:embed="rId7"/>
+          <a:stretch>
+            <a:fillRect/>
+          </a:stretch>
+        </p:blipFill>
+        <p:spPr>
+          <a:xfrm>
+            <a:off x="8982184" y="4059350"/>
+            <a:ext cx="2246264" cy="1181100"/>
+          </a:xfrm>
+          <a:prstGeom prst="rect">
+            <a:avLst/>
+          </a:prstGeom>
+        </p:spPr>
+      </p:pic>
+    </p:spTree>
+    <p:extLst>
+      <p:ext uri="{BB962C8B-B14F-4D97-AF65-F5344CB8AC3E}">
+        <p14:creationId xmlns:p14="http://schemas.microsoft.com/office/powerpoint/2010/main" val="1171980408"/>
+      </p:ext>
+    </p:extLst>
+  </p:cSld>
+  <p:clrMapOvr>
+    <a:masterClrMapping/>
+  </p:clrMapOvr>
+</p:sld>
+</file>
+
+<file path=ppt/slides/slide8.xml><?xml version="1.0" encoding="utf-8"?>
+<p:sld xmlns:a="http://schemas.openxmlformats.org/drawingml/2006/main" xmlns:r="http://schemas.openxmlformats.org/officeDocument/2006/relationships" xmlns:p="http://schemas.openxmlformats.org/presentationml/2006/main">
+  <p:cSld>
+    <p:spTree>
+      <p:nvGrpSpPr>
+        <p:cNvPr id="1" name=""/>
+        <p:cNvGrpSpPr/>
+        <p:nvPr/>
+      </p:nvGrpSpPr>
+      <p:grpSpPr>
+        <a:xfrm>
+          <a:off x="0" y="0"/>
+          <a:ext cx="0" cy="0"/>
+          <a:chOff x="0" y="0"/>
+          <a:chExt cx="0" cy="0"/>
+        </a:xfrm>
+      </p:grpSpPr>
+      <p:sp>
+        <p:nvSpPr>
+          <p:cNvPr id="2" name="Title 1"/>
+          <p:cNvSpPr>
+            <a:spLocks noGrp="1"/>
+          </p:cNvSpPr>
+          <p:nvPr>
+            <p:ph type="title"/>
+          </p:nvPr>
+        </p:nvSpPr>
+        <p:spPr/>
+        <p:txBody>
+          <a:bodyPr/>
+          <a:lstStyle/>
+          <a:p>
+            <a:endParaRPr lang="en-US"/>
+          </a:p>
+        </p:txBody>
+      </p:sp>
+      <p:sp>
+        <p:nvSpPr>
+          <p:cNvPr id="7" name="Content Placeholder 6"/>
+          <p:cNvSpPr>
+            <a:spLocks noGrp="1"/>
+          </p:cNvSpPr>
+          <p:nvPr>
+            <p:ph idx="1"/>
+          </p:nvPr>
+        </p:nvSpPr>
+        <p:spPr/>
+        <p:txBody>
+          <a:bodyPr/>
+          <a:lstStyle/>
+          <a:p>
+            <a:endParaRPr lang="en-US"/>
+          </a:p>
+        </p:txBody>
+      </p:sp>
+      <p:pic>
+        <p:nvPicPr>
+          <p:cNvPr id="8" name="Content Placeholder 4"/>
+          <p:cNvPicPr>
+            <a:picLocks noChangeAspect="1"/>
+          </p:cNvPicPr>
+          <p:nvPr/>
+        </p:nvPicPr>
+        <p:blipFill>
+          <a:blip r:embed="rId2"/>
+          <a:stretch>
+            <a:fillRect/>
+          </a:stretch>
+        </p:blipFill>
+        <p:spPr>
+          <a:xfrm>
+            <a:off x="1413164" y="378691"/>
+            <a:ext cx="9642763" cy="6197600"/>
+          </a:xfrm>
+          <a:prstGeom prst="rect">
+            <a:avLst/>
+          </a:prstGeom>
+        </p:spPr>
+      </p:pic>
+    </p:spTree>
+    <p:extLst>
+      <p:ext uri="{BB962C8B-B14F-4D97-AF65-F5344CB8AC3E}">
+        <p14:creationId xmlns:p14="http://schemas.microsoft.com/office/powerpoint/2010/main" val="4202587183"/>
+      </p:ext>
+    </p:extLst>
+  </p:cSld>
+  <p:clrMapOvr>
+    <a:masterClrMapping/>
+  </p:clrMapOvr>
+</p:sld>
+</file>
+
 <file path=ppt/slides/slide9.xml><?xml version="1.0" encoding="utf-8"?>
 <p:sld xmlns:a="http://schemas.openxmlformats.org/drawingml/2006/main" xmlns:r="http://schemas.openxmlformats.org/officeDocument/2006/relationships" xmlns:p="http://schemas.openxmlformats.org/presentationml/2006/main">
   <p:cSld>
@@ -5882,34 +6087,6 @@
           <a:chExt cx="0" cy="0"/>
         </a:xfrm>
       </p:grpSpPr>
-      <p:sp>
-        <p:nvSpPr>
-          <p:cNvPr id="2" name="Title 1"/>
-          <p:cNvSpPr>
-            <a:spLocks noGrp="1"/>
-          </p:cNvSpPr>
-          <p:nvPr>
-            <p:ph type="title"/>
-          </p:nvPr>
-        </p:nvSpPr>
-        <p:spPr/>
-        <p:txBody>
-          <a:bodyPr>
-            <a:normAutofit/>
-          </a:bodyPr>
-          <a:lstStyle/>
-          <a:p>
-            <a:r>
-              <a:rPr lang="en-US" sz="4000" dirty="0"/>
-              <a:t>Prototype </a:t>
-            </a:r>
-            <a:r>
-              <a:rPr lang="th-TH" sz="4000" dirty="0"/>
-              <a:t>ของระบบ</a:t>
-            </a:r>
-          </a:p>
-        </p:txBody>
-      </p:sp>
       <p:pic>
         <p:nvPicPr>
           <p:cNvPr id="5" name="Content Placeholder 4"/>
@@ -5928,15 +6105,54 @@
         </p:blipFill>
         <p:spPr>
           <a:xfrm>
-            <a:off x="4859735" y="1399518"/>
-            <a:ext cx="2786962" cy="4659286"/>
+            <a:off x="1413164" y="378691"/>
+            <a:ext cx="9642763" cy="6197600"/>
           </a:xfrm>
         </p:spPr>
       </p:pic>
+      <mc:AlternateContent xmlns:mc="http://schemas.openxmlformats.org/markup-compatibility/2006">
+        <mc:Choice xmlns:p14="http://schemas.microsoft.com/office/powerpoint/2010/main" Requires="p14">
+          <p:contentPart p14:bwMode="auto" r:id="rId3">
+            <p14:nvContentPartPr>
+              <p14:cNvPr id="15" name="Ink 14"/>
+              <p14:cNvContentPartPr/>
+              <p14:nvPr/>
+            </p14:nvContentPartPr>
+            <p14:xfrm>
+              <a:off x="693360" y="2534040"/>
+              <a:ext cx="10413360" cy="4163400"/>
+            </p14:xfrm>
+          </p:contentPart>
+        </mc:Choice>
+        <mc:Fallback>
+          <p:pic>
+            <p:nvPicPr>
+              <p:cNvPr id="15" name="Ink 14"/>
+              <p:cNvPicPr/>
+              <p:nvPr/>
+            </p:nvPicPr>
+            <p:blipFill>
+              <a:blip r:embed="rId4"/>
+              <a:stretch>
+                <a:fillRect/>
+              </a:stretch>
+            </p:blipFill>
+            <p:spPr>
+              <a:xfrm>
+                <a:off x="684000" y="2524680"/>
+                <a:ext cx="10432080" cy="4182120"/>
+              </a:xfrm>
+              <a:prstGeom prst="rect">
+                <a:avLst/>
+              </a:prstGeom>
+            </p:spPr>
+          </p:pic>
+        </mc:Fallback>
+      </mc:AlternateContent>
     </p:spTree>
     <p:extLst>
       <p:ext uri="{BB962C8B-B14F-4D97-AF65-F5344CB8AC3E}">
-        <p14:creationId xmlns:p14="http://schemas.microsoft.com/office/powerpoint/2010/main" val="4084904455"/>
+        <p14:creationId xmlns:p14="http://schemas.microsoft.com/office/powerpoint/2010/main" val="2106288399"/>
       </p:ext>
     </p:extLst>
   </p:cSld>
